--- a/Git.pptx
+++ b/Git.pptx
@@ -5,7 +5,7 @@
     <p:sldMasterId id="2147483648" r:id="rId1"/>
   </p:sldMasterIdLst>
   <p:notesMasterIdLst>
-    <p:notesMasterId r:id="rId35"/>
+    <p:notesMasterId r:id="rId41"/>
   </p:notesMasterIdLst>
   <p:sldIdLst>
     <p:sldId id="256" r:id="rId2"/>
@@ -41,6 +41,12 @@
     <p:sldId id="269" r:id="rId32"/>
     <p:sldId id="290" r:id="rId33"/>
     <p:sldId id="291" r:id="rId34"/>
+    <p:sldId id="292" r:id="rId35"/>
+    <p:sldId id="294" r:id="rId36"/>
+    <p:sldId id="295" r:id="rId37"/>
+    <p:sldId id="296" r:id="rId38"/>
+    <p:sldId id="297" r:id="rId39"/>
+    <p:sldId id="298" r:id="rId40"/>
   </p:sldIdLst>
   <p:sldSz cx="9144000" cy="6858000" type="screen4x3"/>
   <p:notesSz cx="6858000" cy="9144000"/>
@@ -139,6 +145,22 @@
       </a:defRPr>
     </a:lvl9pPr>
   </p:defaultTextStyle>
+  <p:extLst>
+    <p:ext uri="{EFAFB233-063F-42B5-8137-9DF3F51BA10A}">
+      <p15:sldGuideLst xmlns:p15="http://schemas.microsoft.com/office/powerpoint/2012/main">
+        <p15:guide id="1" orient="horz" pos="2160">
+          <p15:clr>
+            <a:srgbClr val="A4A3A4"/>
+          </p15:clr>
+        </p15:guide>
+        <p15:guide id="2" pos="2880">
+          <p15:clr>
+            <a:srgbClr val="A4A3A4"/>
+          </p15:clr>
+        </p15:guide>
+      </p15:sldGuideLst>
+    </p:ext>
+  </p:extLst>
 </p:presentation>
 </file>
 
@@ -9329,13 +9351,7 @@
               <a:rPr lang="en-US" altLang="zh-CN" sz="2000" dirty="0">
                 <a:latin typeface="Comic Sans MS" pitchFamily="66" charset="0"/>
               </a:rPr>
-              <a:t>:/</a:t>
-            </a:r>
-            <a:r>
-              <a:rPr lang="en-US" altLang="zh-CN" sz="2000" dirty="0">
-                <a:latin typeface="Comic Sans MS" pitchFamily="66" charset="0"/>
-              </a:rPr>
-              <a:t>path/to/repository   </a:t>
+              <a:t>:/path/to/repository   </a:t>
             </a:r>
             <a:r>
               <a:rPr lang="en-US" altLang="zh-CN" sz="2000" dirty="0" err="1">
@@ -12424,6 +12440,11 @@
           <a:bodyPr/>
           <a:lstStyle/>
           <a:p>
+            <a:pPr algn="l"/>
+            <a:r>
+              <a:rPr lang="zh-CN" altLang="en-US" dirty="0" smtClean="0"/>
+              <a:t>操作远程仓库的五个命令</a:t>
+            </a:r>
             <a:endParaRPr lang="zh-CN" altLang="en-US" dirty="0"/>
           </a:p>
         </p:txBody>
@@ -12440,10 +12461,311 @@
         </p:nvSpPr>
         <p:spPr/>
         <p:txBody>
-          <a:bodyPr/>
+          <a:bodyPr>
+            <a:normAutofit lnSpcReduction="10000"/>
+          </a:bodyPr>
           <a:lstStyle/>
           <a:p>
-            <a:endParaRPr lang="zh-CN" altLang="en-US"/>
+            <a:r>
+              <a:rPr lang="en-US" altLang="zh-CN" dirty="0" smtClean="0"/>
+              <a:t>1.</a:t>
+            </a:r>
+            <a:r>
+              <a:rPr lang="zh-CN" altLang="en-US" dirty="0" smtClean="0"/>
+              <a:t> </a:t>
+            </a:r>
+            <a:r>
+              <a:rPr lang="en-US" altLang="zh-CN" dirty="0" err="1" smtClean="0"/>
+              <a:t>git</a:t>
+            </a:r>
+            <a:r>
+              <a:rPr lang="zh-CN" altLang="en-US" dirty="0" smtClean="0"/>
+              <a:t> </a:t>
+            </a:r>
+            <a:r>
+              <a:rPr lang="en-US" altLang="zh-CN" dirty="0" smtClean="0"/>
+              <a:t>clone</a:t>
+            </a:r>
+          </a:p>
+          <a:p>
+            <a:pPr lvl="1">
+              <a:buFont typeface="Wingdings" charset="2"/>
+              <a:buChar char="Ø"/>
+            </a:pPr>
+            <a:r>
+              <a:rPr lang="zh-CN" altLang="en-US" dirty="0" smtClean="0"/>
+              <a:t>该命令的作用</a:t>
+            </a:r>
+            <a:r>
+              <a:rPr lang="zh-CN" altLang="en-US" dirty="0" smtClean="0"/>
+              <a:t>就是从远程仓库克隆一个版本库</a:t>
+            </a:r>
+            <a:endParaRPr lang="en-US" altLang="zh-CN" dirty="0" smtClean="0"/>
+          </a:p>
+          <a:p>
+            <a:pPr lvl="1">
+              <a:buFont typeface="Wingdings" charset="2"/>
+              <a:buChar char="Ø"/>
+            </a:pPr>
+            <a:r>
+              <a:rPr lang="en-US" altLang="zh-CN" dirty="0" err="1"/>
+              <a:t>git</a:t>
+            </a:r>
+            <a:r>
+              <a:rPr lang="en-US" altLang="zh-CN" dirty="0"/>
+              <a:t> clone</a:t>
+            </a:r>
+            <a:r>
+              <a:rPr lang="zh-CN" altLang="en-US" dirty="0"/>
+              <a:t> 支持多种协议，常见的协议有，</a:t>
+            </a:r>
+            <a:r>
+              <a:rPr lang="en-US" altLang="zh-CN" dirty="0"/>
+              <a:t>SSH</a:t>
+            </a:r>
+            <a:r>
+              <a:rPr lang="zh-CN" altLang="en-US" dirty="0"/>
+              <a:t>、</a:t>
+            </a:r>
+            <a:r>
+              <a:rPr lang="en-US" altLang="zh-CN" dirty="0" err="1"/>
+              <a:t>Git</a:t>
+            </a:r>
+            <a:r>
+              <a:rPr lang="zh-CN" altLang="en-US" dirty="0"/>
+              <a:t>、</a:t>
+            </a:r>
+            <a:r>
+              <a:rPr lang="en-US" altLang="zh-CN" dirty="0"/>
+              <a:t>HTTPS</a:t>
+            </a:r>
+            <a:r>
+              <a:rPr lang="zh-CN" altLang="en-US" dirty="0"/>
+              <a:t>、本地文件协议</a:t>
+            </a:r>
+            <a:r>
+              <a:rPr lang="zh-CN" altLang="en-US" dirty="0" smtClean="0"/>
+              <a:t>等</a:t>
+            </a:r>
+            <a:endParaRPr lang="en-US" altLang="zh-CN" dirty="0"/>
+          </a:p>
+          <a:p>
+            <a:pPr marL="342900" lvl="1" indent="-342900">
+              <a:buFont typeface="Arial" pitchFamily="34" charset="0"/>
+              <a:buChar char="•"/>
+            </a:pPr>
+            <a:r>
+              <a:rPr lang="zh-CN" altLang="en-US" sz="3200" dirty="0"/>
+              <a:t> </a:t>
+            </a:r>
+            <a:r>
+              <a:rPr lang="en-US" altLang="zh-CN" sz="3200" dirty="0" smtClean="0"/>
+              <a:t>2.</a:t>
+            </a:r>
+            <a:r>
+              <a:rPr lang="zh-CN" altLang="en-US" sz="3200" dirty="0" smtClean="0"/>
+              <a:t> </a:t>
+            </a:r>
+            <a:r>
+              <a:rPr lang="en-US" altLang="zh-CN" sz="3200" dirty="0" err="1" smtClean="0"/>
+              <a:t>git</a:t>
+            </a:r>
+            <a:r>
+              <a:rPr lang="zh-CN" altLang="en-US" sz="3200" dirty="0" smtClean="0"/>
+              <a:t> </a:t>
+            </a:r>
+            <a:r>
+              <a:rPr lang="en-US" altLang="zh-CN" sz="3200" dirty="0"/>
+              <a:t>remote</a:t>
+            </a:r>
+            <a:r>
+              <a:rPr lang="zh-CN" altLang="en-US" sz="3200" dirty="0"/>
+              <a:t> </a:t>
+            </a:r>
+            <a:endParaRPr lang="en-US" altLang="zh-CN" sz="3200" dirty="0" smtClean="0"/>
+          </a:p>
+          <a:p>
+            <a:pPr marL="857250" lvl="2" indent="-457200">
+              <a:buFont typeface="Wingdings" charset="2"/>
+              <a:buChar char="Ø"/>
+            </a:pPr>
+            <a:r>
+              <a:rPr lang="zh-CN" altLang="en-US" dirty="0" smtClean="0"/>
+              <a:t>用于管理主机名</a:t>
+            </a:r>
+            <a:endParaRPr lang="en-US" altLang="zh-CN" dirty="0" smtClean="0"/>
+          </a:p>
+          <a:p>
+            <a:pPr marL="857250" lvl="2" indent="-457200">
+              <a:buFont typeface="Wingdings" charset="2"/>
+              <a:buChar char="Ø"/>
+            </a:pPr>
+            <a:r>
+              <a:rPr lang="en-US" altLang="zh-CN" dirty="0" err="1" smtClean="0"/>
+              <a:t>git</a:t>
+            </a:r>
+            <a:r>
+              <a:rPr lang="zh-CN" altLang="en-US" dirty="0" smtClean="0"/>
+              <a:t> </a:t>
+            </a:r>
+            <a:r>
+              <a:rPr lang="en-US" altLang="zh-CN" dirty="0" smtClean="0"/>
+              <a:t>remote</a:t>
+            </a:r>
+            <a:r>
+              <a:rPr lang="zh-CN" altLang="en-US" dirty="0" smtClean="0"/>
+              <a:t> </a:t>
+            </a:r>
+            <a:r>
+              <a:rPr lang="en-US" altLang="zh-CN" dirty="0" smtClean="0"/>
+              <a:t>	</a:t>
+            </a:r>
+            <a:r>
+              <a:rPr lang="zh-CN" altLang="en-US" dirty="0" smtClean="0"/>
+              <a:t>默认列出所有主机</a:t>
+            </a:r>
+            <a:endParaRPr lang="en-US" altLang="zh-CN" dirty="0" smtClean="0"/>
+          </a:p>
+          <a:p>
+            <a:pPr marL="857250" lvl="2" indent="-457200">
+              <a:buFont typeface="Wingdings" charset="2"/>
+              <a:buChar char="Ø"/>
+            </a:pPr>
+            <a:r>
+              <a:rPr lang="en-US" altLang="zh-CN" dirty="0" err="1" smtClean="0"/>
+              <a:t>git</a:t>
+            </a:r>
+            <a:r>
+              <a:rPr lang="zh-CN" altLang="en-US" dirty="0" smtClean="0"/>
+              <a:t> </a:t>
+            </a:r>
+            <a:r>
+              <a:rPr lang="en-US" altLang="zh-CN" dirty="0" smtClean="0"/>
+              <a:t>remote</a:t>
+            </a:r>
+            <a:r>
+              <a:rPr lang="zh-CN" altLang="en-US" dirty="0" smtClean="0"/>
+              <a:t> </a:t>
+            </a:r>
+            <a:r>
+              <a:rPr lang="mr-IN" altLang="zh-CN" dirty="0" smtClean="0"/>
+              <a:t>–</a:t>
+            </a:r>
+            <a:r>
+              <a:rPr lang="en-US" altLang="zh-CN" dirty="0" smtClean="0"/>
+              <a:t>v	</a:t>
+            </a:r>
+            <a:r>
+              <a:rPr lang="zh-CN" altLang="en-US" dirty="0" smtClean="0"/>
+              <a:t>查看远程主机的网址</a:t>
+            </a:r>
+            <a:endParaRPr lang="en-US" altLang="zh-CN" dirty="0" smtClean="0"/>
+          </a:p>
+          <a:p>
+            <a:pPr marL="857250" lvl="2" indent="-457200">
+              <a:buFont typeface="Wingdings" charset="2"/>
+              <a:buChar char="Ø"/>
+            </a:pPr>
+            <a:r>
+              <a:rPr lang="en-US" altLang="zh-CN" dirty="0" err="1" smtClean="0"/>
+              <a:t>git</a:t>
+            </a:r>
+            <a:r>
+              <a:rPr lang="zh-CN" altLang="en-US" dirty="0" smtClean="0"/>
+              <a:t> </a:t>
+            </a:r>
+            <a:r>
+              <a:rPr lang="en-US" altLang="zh-CN" dirty="0" smtClean="0"/>
+              <a:t>remote</a:t>
+            </a:r>
+            <a:r>
+              <a:rPr lang="zh-CN" altLang="en-US" dirty="0" smtClean="0"/>
+              <a:t> </a:t>
+            </a:r>
+            <a:r>
+              <a:rPr lang="en-US" altLang="zh-CN" dirty="0" smtClean="0"/>
+              <a:t>add</a:t>
+            </a:r>
+            <a:r>
+              <a:rPr lang="zh-CN" altLang="en-US" dirty="0" smtClean="0"/>
+              <a:t> </a:t>
+            </a:r>
+            <a:r>
+              <a:rPr lang="en-US" altLang="zh-CN" dirty="0" smtClean="0"/>
+              <a:t>&lt;</a:t>
+            </a:r>
+            <a:r>
+              <a:rPr lang="zh-CN" altLang="en-US" dirty="0" smtClean="0"/>
+              <a:t>主机名</a:t>
+            </a:r>
+            <a:r>
+              <a:rPr lang="en-US" altLang="zh-CN" dirty="0" smtClean="0"/>
+              <a:t>&gt; </a:t>
+            </a:r>
+            <a:r>
+              <a:rPr lang="zh-CN" altLang="en-US" dirty="0" smtClean="0"/>
+              <a:t> </a:t>
+            </a:r>
+            <a:r>
+              <a:rPr lang="en-US" altLang="zh-CN" dirty="0" smtClean="0"/>
+              <a:t>&lt;</a:t>
+            </a:r>
+            <a:r>
+              <a:rPr lang="zh-CN" altLang="en-US" dirty="0" smtClean="0"/>
+              <a:t>网址</a:t>
+            </a:r>
+            <a:r>
+              <a:rPr lang="en-US" altLang="zh-CN" dirty="0" smtClean="0"/>
+              <a:t>&gt;</a:t>
+            </a:r>
+            <a:r>
+              <a:rPr lang="zh-CN" altLang="en-US" dirty="0" smtClean="0"/>
+              <a:t> </a:t>
+            </a:r>
+            <a:endParaRPr lang="en-US" altLang="zh-CN" dirty="0" smtClean="0"/>
+          </a:p>
+          <a:p>
+            <a:pPr marL="857250" lvl="2" indent="-457200">
+              <a:buFont typeface="Wingdings" charset="2"/>
+              <a:buChar char="Ø"/>
+            </a:pPr>
+            <a:r>
+              <a:rPr lang="en-US" altLang="zh-CN" dirty="0" err="1" smtClean="0"/>
+              <a:t>git</a:t>
+            </a:r>
+            <a:r>
+              <a:rPr lang="zh-CN" altLang="en-US" dirty="0" smtClean="0"/>
+              <a:t> </a:t>
+            </a:r>
+            <a:r>
+              <a:rPr lang="en-US" altLang="zh-CN" dirty="0" smtClean="0"/>
+              <a:t>remote</a:t>
+            </a:r>
+            <a:r>
+              <a:rPr lang="zh-CN" altLang="en-US" dirty="0" smtClean="0"/>
+              <a:t> </a:t>
+            </a:r>
+            <a:r>
+              <a:rPr lang="en-US" altLang="zh-CN" dirty="0" err="1" smtClean="0"/>
+              <a:t>rm</a:t>
+            </a:r>
+            <a:r>
+              <a:rPr lang="zh-CN" altLang="en-US" dirty="0" smtClean="0"/>
+              <a:t>  </a:t>
+            </a:r>
+            <a:r>
+              <a:rPr lang="en-US" altLang="zh-CN" dirty="0" smtClean="0"/>
+              <a:t>&lt;</a:t>
+            </a:r>
+            <a:r>
+              <a:rPr lang="zh-CN" altLang="en-US" dirty="0" smtClean="0"/>
+              <a:t>主机名</a:t>
+            </a:r>
+            <a:r>
+              <a:rPr lang="en-US" altLang="zh-CN" dirty="0" smtClean="0"/>
+              <a:t>&gt;</a:t>
+            </a:r>
+            <a:endParaRPr lang="en-US" altLang="zh-CN" dirty="0"/>
           </a:p>
         </p:txBody>
       </p:sp>
@@ -12464,6 +12786,1156 @@
       </p:par>
     </p:tnLst>
   </p:timing>
+</p:sld>
+</file>
+
+<file path=ppt/slides/slide34.xml><?xml version="1.0" encoding="utf-8"?>
+<p:sld xmlns:a="http://schemas.openxmlformats.org/drawingml/2006/main" xmlns:r="http://schemas.openxmlformats.org/officeDocument/2006/relationships" xmlns:p="http://schemas.openxmlformats.org/presentationml/2006/main">
+  <p:cSld>
+    <p:spTree>
+      <p:nvGrpSpPr>
+        <p:cNvPr id="1" name=""/>
+        <p:cNvGrpSpPr/>
+        <p:nvPr/>
+      </p:nvGrpSpPr>
+      <p:grpSpPr>
+        <a:xfrm>
+          <a:off x="0" y="0"/>
+          <a:ext cx="0" cy="0"/>
+          <a:chOff x="0" y="0"/>
+          <a:chExt cx="0" cy="0"/>
+        </a:xfrm>
+      </p:grpSpPr>
+      <p:sp>
+        <p:nvSpPr>
+          <p:cNvPr id="3" name="内容占位符 2"/>
+          <p:cNvSpPr>
+            <a:spLocks noGrp="1"/>
+          </p:cNvSpPr>
+          <p:nvPr>
+            <p:ph idx="1"/>
+          </p:nvPr>
+        </p:nvSpPr>
+        <p:spPr>
+          <a:xfrm>
+            <a:off x="457200" y="620688"/>
+            <a:ext cx="8229600" cy="5505475"/>
+          </a:xfrm>
+        </p:spPr>
+        <p:txBody>
+          <a:bodyPr/>
+          <a:lstStyle/>
+          <a:p>
+            <a:r>
+              <a:rPr kumimoji="1" lang="en-US" altLang="zh-CN" dirty="0" smtClean="0"/>
+              <a:t>3.</a:t>
+            </a:r>
+            <a:r>
+              <a:rPr kumimoji="1" lang="zh-CN" altLang="en-US" dirty="0" smtClean="0"/>
+              <a:t> </a:t>
+            </a:r>
+            <a:r>
+              <a:rPr kumimoji="1" lang="en-US" altLang="zh-CN" dirty="0" err="1" smtClean="0"/>
+              <a:t>git</a:t>
+            </a:r>
+            <a:r>
+              <a:rPr kumimoji="1" lang="zh-CN" altLang="en-US" dirty="0" smtClean="0"/>
+              <a:t> </a:t>
+            </a:r>
+            <a:r>
+              <a:rPr kumimoji="1" lang="en-US" altLang="zh-CN" dirty="0" smtClean="0"/>
+              <a:t>fetch</a:t>
+            </a:r>
+            <a:r>
+              <a:rPr kumimoji="1" lang="zh-CN" altLang="en-US" dirty="0" smtClean="0"/>
+              <a:t> </a:t>
+            </a:r>
+            <a:r>
+              <a:rPr kumimoji="1" lang="en-US" altLang="zh-CN" dirty="0" smtClean="0"/>
+              <a:t>&lt;</a:t>
+            </a:r>
+            <a:r>
+              <a:rPr kumimoji="1" lang="zh-CN" altLang="en-US" dirty="0" smtClean="0"/>
+              <a:t>主机名</a:t>
+            </a:r>
+            <a:r>
+              <a:rPr kumimoji="1" lang="en-US" altLang="zh-CN" dirty="0" smtClean="0"/>
+              <a:t>&gt;</a:t>
+            </a:r>
+            <a:r>
+              <a:rPr kumimoji="1" lang="zh-CN" altLang="en-US" dirty="0" smtClean="0"/>
+              <a:t> </a:t>
+            </a:r>
+            <a:r>
+              <a:rPr kumimoji="1" lang="en-US" altLang="zh-CN" dirty="0" smtClean="0"/>
+              <a:t>&lt;</a:t>
+            </a:r>
+            <a:r>
+              <a:rPr kumimoji="1" lang="zh-CN" altLang="en-US" dirty="0" smtClean="0"/>
+              <a:t>分支名</a:t>
+            </a:r>
+            <a:r>
+              <a:rPr kumimoji="1" lang="en-US" altLang="zh-CN" dirty="0" smtClean="0"/>
+              <a:t>&gt;</a:t>
+            </a:r>
+          </a:p>
+          <a:p>
+            <a:pPr lvl="1">
+              <a:buFont typeface="Wingdings" charset="2"/>
+              <a:buChar char="Ø"/>
+            </a:pPr>
+            <a:r>
+              <a:rPr lang="zh-CN" altLang="en-US" dirty="0"/>
+              <a:t>将远程仓库的更新</a:t>
+            </a:r>
+            <a:r>
+              <a:rPr lang="zh-CN" altLang="en-US" b="1" dirty="0"/>
+              <a:t>抓取</a:t>
+            </a:r>
+            <a:r>
+              <a:rPr lang="zh-CN" altLang="en-US" dirty="0"/>
+              <a:t>到本地仓库对应的远程仓库的引用</a:t>
+            </a:r>
+            <a:r>
+              <a:rPr lang="zh-CN" altLang="en-US" dirty="0" smtClean="0"/>
+              <a:t>分支</a:t>
+            </a:r>
+            <a:endParaRPr lang="en-US" altLang="zh-CN" dirty="0" smtClean="0"/>
+          </a:p>
+          <a:p>
+            <a:pPr lvl="1">
+              <a:buFont typeface="Wingdings" charset="2"/>
+              <a:buChar char="Ø"/>
+            </a:pPr>
+            <a:r>
+              <a:rPr lang="zh-CN" altLang="en-US" dirty="0" smtClean="0"/>
+              <a:t>它取回</a:t>
+            </a:r>
+            <a:r>
+              <a:rPr lang="zh-CN" altLang="en-US" dirty="0"/>
+              <a:t>的代码对你本地的开发代码没有</a:t>
+            </a:r>
+            <a:r>
+              <a:rPr lang="zh-CN" altLang="en-US" dirty="0" smtClean="0"/>
+              <a:t>影响</a:t>
+            </a:r>
+            <a:endParaRPr lang="en-US" altLang="zh-CN" dirty="0" smtClean="0"/>
+          </a:p>
+          <a:p>
+            <a:pPr marL="342900" lvl="1" indent="-342900">
+              <a:buFont typeface="Arial" pitchFamily="34" charset="0"/>
+              <a:buChar char="•"/>
+            </a:pPr>
+            <a:r>
+              <a:rPr kumimoji="1" lang="en-US" altLang="zh-CN" sz="3200" dirty="0"/>
+              <a:t>4.</a:t>
+            </a:r>
+            <a:r>
+              <a:rPr kumimoji="1" lang="zh-CN" altLang="en-US" sz="3200" dirty="0"/>
+              <a:t> </a:t>
+            </a:r>
+            <a:r>
+              <a:rPr kumimoji="1" lang="en-US" altLang="zh-CN" sz="3200" dirty="0" err="1"/>
+              <a:t>git</a:t>
+            </a:r>
+            <a:r>
+              <a:rPr kumimoji="1" lang="zh-CN" altLang="en-US" sz="3200" dirty="0"/>
+              <a:t> </a:t>
+            </a:r>
+            <a:r>
+              <a:rPr kumimoji="1" lang="en-US" altLang="zh-CN" sz="3200" dirty="0" smtClean="0"/>
+              <a:t>pull</a:t>
+            </a:r>
+            <a:r>
+              <a:rPr kumimoji="1" lang="zh-CN" altLang="en-US" sz="3200" dirty="0" smtClean="0"/>
+              <a:t> </a:t>
+            </a:r>
+            <a:r>
+              <a:rPr lang="en-US" altLang="zh-CN" sz="3200" dirty="0"/>
+              <a:t>&lt;</a:t>
+            </a:r>
+            <a:r>
+              <a:rPr lang="zh-CN" altLang="en-US" sz="3200" dirty="0"/>
+              <a:t>远程主机名</a:t>
+            </a:r>
+            <a:r>
+              <a:rPr lang="en-US" altLang="zh-CN" sz="3200" dirty="0"/>
+              <a:t>&gt; &lt;</a:t>
+            </a:r>
+            <a:r>
+              <a:rPr lang="zh-CN" altLang="en-US" sz="3200" dirty="0"/>
+              <a:t>远程</a:t>
+            </a:r>
+            <a:r>
+              <a:rPr lang="zh-CN" altLang="en-US" sz="3200" dirty="0" smtClean="0"/>
+              <a:t>分支</a:t>
+            </a:r>
+            <a:r>
+              <a:rPr lang="en-US" altLang="zh-CN" sz="3200" dirty="0" smtClean="0"/>
+              <a:t>&gt;:&lt;</a:t>
+            </a:r>
+            <a:r>
+              <a:rPr lang="zh-CN" altLang="en-US" sz="3200" dirty="0"/>
+              <a:t>本地</a:t>
+            </a:r>
+            <a:r>
+              <a:rPr lang="zh-CN" altLang="en-US" sz="3200" dirty="0" smtClean="0"/>
+              <a:t>分支</a:t>
+            </a:r>
+            <a:r>
+              <a:rPr lang="en-US" altLang="zh-CN" sz="3200" dirty="0" smtClean="0"/>
+              <a:t>&gt;</a:t>
+            </a:r>
+          </a:p>
+          <a:p>
+            <a:pPr marL="857250" lvl="2" indent="-457200">
+              <a:buFont typeface="Wingdings" charset="2"/>
+              <a:buChar char="Ø"/>
+            </a:pPr>
+            <a:r>
+              <a:rPr lang="zh-CN" altLang="en-US" dirty="0" smtClean="0"/>
+              <a:t>拉取远程主机的某个分支的更新，再与本地的分支合并</a:t>
+            </a:r>
+            <a:endParaRPr lang="en-US" altLang="zh-CN" dirty="0" smtClean="0"/>
+          </a:p>
+          <a:p>
+            <a:pPr marL="857250" lvl="2" indent="-457200">
+              <a:buFont typeface="Wingdings" charset="2"/>
+              <a:buChar char="Ø"/>
+            </a:pPr>
+            <a:r>
+              <a:rPr kumimoji="1" lang="zh-CN" altLang="en-US" dirty="0" smtClean="0"/>
+              <a:t>示例，拉取</a:t>
+            </a:r>
+            <a:r>
+              <a:rPr kumimoji="1" lang="en-US" altLang="zh-CN" dirty="0" smtClean="0"/>
+              <a:t>origin</a:t>
+            </a:r>
+            <a:r>
+              <a:rPr kumimoji="1" lang="zh-CN" altLang="en-US" dirty="0" smtClean="0"/>
+              <a:t> 的</a:t>
+            </a:r>
+            <a:r>
+              <a:rPr kumimoji="1" lang="en-US" altLang="zh-CN" dirty="0" smtClean="0"/>
+              <a:t>next</a:t>
+            </a:r>
+            <a:r>
+              <a:rPr kumimoji="1" lang="zh-CN" altLang="en-US" dirty="0" smtClean="0"/>
+              <a:t>分支，并与本地</a:t>
+            </a:r>
+            <a:r>
+              <a:rPr kumimoji="1" lang="en-US" altLang="zh-CN" dirty="0" smtClean="0"/>
+              <a:t>master</a:t>
+            </a:r>
+            <a:r>
+              <a:rPr kumimoji="1" lang="zh-CN" altLang="en-US" dirty="0" smtClean="0"/>
+              <a:t> 合并</a:t>
+            </a:r>
+            <a:endParaRPr kumimoji="1" lang="en-US" altLang="zh-CN" dirty="0" smtClean="0"/>
+          </a:p>
+          <a:p>
+            <a:pPr marL="857250" lvl="2" indent="-457200">
+              <a:buFont typeface="Wingdings" charset="2"/>
+              <a:buChar char="Ø"/>
+            </a:pPr>
+            <a:r>
+              <a:rPr kumimoji="1" lang="en-US" altLang="zh-CN" dirty="0" err="1" smtClean="0"/>
+              <a:t>git</a:t>
+            </a:r>
+            <a:r>
+              <a:rPr kumimoji="1" lang="zh-CN" altLang="en-US" dirty="0" smtClean="0"/>
+              <a:t> </a:t>
+            </a:r>
+            <a:r>
+              <a:rPr kumimoji="1" lang="en-US" altLang="zh-CN" dirty="0" smtClean="0"/>
+              <a:t>pull</a:t>
+            </a:r>
+            <a:r>
+              <a:rPr kumimoji="1" lang="zh-CN" altLang="en-US" dirty="0" smtClean="0"/>
+              <a:t> </a:t>
+            </a:r>
+            <a:r>
+              <a:rPr kumimoji="1" lang="en-US" altLang="zh-CN" dirty="0" smtClean="0"/>
+              <a:t>origin</a:t>
+            </a:r>
+            <a:r>
+              <a:rPr kumimoji="1" lang="zh-CN" altLang="en-US" dirty="0" smtClean="0"/>
+              <a:t> </a:t>
+            </a:r>
+            <a:r>
+              <a:rPr kumimoji="1" lang="en-US" altLang="zh-CN" dirty="0" err="1" smtClean="0"/>
+              <a:t>next:master</a:t>
+            </a:r>
+            <a:r>
+              <a:rPr kumimoji="1" lang="zh-CN" altLang="en-US" dirty="0" smtClean="0"/>
+              <a:t> </a:t>
+            </a:r>
+            <a:endParaRPr kumimoji="1" lang="zh-CN" altLang="en-US" dirty="0"/>
+          </a:p>
+        </p:txBody>
+      </p:sp>
+    </p:spTree>
+    <p:extLst>
+      <p:ext uri="{BB962C8B-B14F-4D97-AF65-F5344CB8AC3E}">
+        <p14:creationId xmlns:p14="http://schemas.microsoft.com/office/powerpoint/2010/main" val="678855980"/>
+      </p:ext>
+    </p:extLst>
+  </p:cSld>
+  <p:clrMapOvr>
+    <a:masterClrMapping/>
+  </p:clrMapOvr>
+</p:sld>
+</file>
+
+<file path=ppt/slides/slide35.xml><?xml version="1.0" encoding="utf-8"?>
+<p:sld xmlns:a="http://schemas.openxmlformats.org/drawingml/2006/main" xmlns:r="http://schemas.openxmlformats.org/officeDocument/2006/relationships" xmlns:p="http://schemas.openxmlformats.org/presentationml/2006/main">
+  <p:cSld>
+    <p:spTree>
+      <p:nvGrpSpPr>
+        <p:cNvPr id="1" name=""/>
+        <p:cNvGrpSpPr/>
+        <p:nvPr/>
+      </p:nvGrpSpPr>
+      <p:grpSpPr>
+        <a:xfrm>
+          <a:off x="0" y="0"/>
+          <a:ext cx="0" cy="0"/>
+          <a:chOff x="0" y="0"/>
+          <a:chExt cx="0" cy="0"/>
+        </a:xfrm>
+      </p:grpSpPr>
+      <p:sp>
+        <p:nvSpPr>
+          <p:cNvPr id="3" name="内容占位符 2"/>
+          <p:cNvSpPr>
+            <a:spLocks noGrp="1"/>
+          </p:cNvSpPr>
+          <p:nvPr>
+            <p:ph idx="1"/>
+          </p:nvPr>
+        </p:nvSpPr>
+        <p:spPr>
+          <a:xfrm>
+            <a:off x="457200" y="404664"/>
+            <a:ext cx="8229600" cy="6264696"/>
+          </a:xfrm>
+        </p:spPr>
+        <p:txBody>
+          <a:bodyPr>
+            <a:normAutofit lnSpcReduction="10000"/>
+          </a:bodyPr>
+          <a:lstStyle/>
+          <a:p>
+            <a:pPr lvl="0"/>
+            <a:r>
+              <a:rPr kumimoji="1" lang="zh-CN" altLang="en-US" dirty="0"/>
+              <a:t> </a:t>
+            </a:r>
+            <a:r>
+              <a:rPr kumimoji="1" lang="en-US" altLang="zh-CN" dirty="0"/>
+              <a:t>4.</a:t>
+            </a:r>
+            <a:r>
+              <a:rPr kumimoji="1" lang="zh-CN" altLang="en-US" dirty="0"/>
+              <a:t> </a:t>
+            </a:r>
+            <a:r>
+              <a:rPr kumimoji="1" lang="en-US" altLang="zh-CN" dirty="0" err="1"/>
+              <a:t>git</a:t>
+            </a:r>
+            <a:r>
+              <a:rPr kumimoji="1" lang="zh-CN" altLang="en-US" dirty="0"/>
+              <a:t> </a:t>
+            </a:r>
+            <a:r>
+              <a:rPr kumimoji="1" lang="en-US" altLang="zh-CN" dirty="0"/>
+              <a:t>pull</a:t>
+            </a:r>
+            <a:r>
+              <a:rPr kumimoji="1" lang="zh-CN" altLang="en-US" dirty="0"/>
+              <a:t> </a:t>
+            </a:r>
+            <a:endParaRPr kumimoji="1" lang="en-US" altLang="zh-CN" dirty="0" smtClean="0"/>
+          </a:p>
+          <a:p>
+            <a:pPr lvl="1">
+              <a:buFont typeface="Wingdings" charset="2"/>
+              <a:buChar char="Ø"/>
+            </a:pPr>
+            <a:r>
+              <a:rPr kumimoji="1" lang="zh-CN" altLang="en-US" dirty="0"/>
+              <a:t>如果远程分支是与当前分支合并，冒号后面的内容可</a:t>
+            </a:r>
+            <a:r>
+              <a:rPr kumimoji="1" lang="zh-CN" altLang="en-US" dirty="0" smtClean="0"/>
+              <a:t>省略</a:t>
+            </a:r>
+            <a:endParaRPr kumimoji="1" lang="en-US" altLang="zh-CN" dirty="0" smtClean="0"/>
+          </a:p>
+          <a:p>
+            <a:pPr lvl="1">
+              <a:buFont typeface="Wingdings" charset="2"/>
+              <a:buChar char="Ø"/>
+            </a:pPr>
+            <a:r>
+              <a:rPr kumimoji="1" lang="zh-CN" altLang="en-US" dirty="0"/>
+              <a:t> </a:t>
+            </a:r>
+            <a:r>
+              <a:rPr kumimoji="1" lang="en-US" altLang="zh-CN" dirty="0" err="1" smtClean="0"/>
+              <a:t>git</a:t>
+            </a:r>
+            <a:r>
+              <a:rPr kumimoji="1" lang="zh-CN" altLang="en-US" dirty="0" smtClean="0"/>
+              <a:t> </a:t>
+            </a:r>
+            <a:r>
+              <a:rPr kumimoji="1" lang="en-US" altLang="zh-CN" dirty="0" smtClean="0"/>
+              <a:t>pull</a:t>
+            </a:r>
+            <a:r>
+              <a:rPr kumimoji="1" lang="zh-CN" altLang="en-US" dirty="0" smtClean="0"/>
+              <a:t> </a:t>
+            </a:r>
+            <a:r>
+              <a:rPr kumimoji="1" lang="en-US" altLang="zh-CN" dirty="0" smtClean="0"/>
+              <a:t>origin</a:t>
+            </a:r>
+            <a:r>
+              <a:rPr kumimoji="1" lang="zh-CN" altLang="en-US" dirty="0" smtClean="0"/>
+              <a:t> </a:t>
+            </a:r>
+            <a:r>
+              <a:rPr kumimoji="1" lang="en-US" altLang="zh-CN" dirty="0" smtClean="0"/>
+              <a:t>next</a:t>
+            </a:r>
+          </a:p>
+          <a:p>
+            <a:pPr lvl="1">
+              <a:buFont typeface="Wingdings" charset="2"/>
+              <a:buChar char="Ø"/>
+            </a:pPr>
+            <a:endParaRPr kumimoji="1" lang="en-US" altLang="zh-CN" dirty="0"/>
+          </a:p>
+          <a:p>
+            <a:pPr lvl="1">
+              <a:buFont typeface="Wingdings" charset="2"/>
+              <a:buChar char="Ø"/>
+            </a:pPr>
+            <a:r>
+              <a:rPr lang="zh-CN" altLang="en-US" dirty="0"/>
+              <a:t>如果当前分支与远程分支存在追踪关系</a:t>
+            </a:r>
+            <a:r>
+              <a:rPr lang="zh-CN" altLang="en-US" dirty="0" smtClean="0"/>
+              <a:t>，可省略</a:t>
+            </a:r>
+            <a:r>
+              <a:rPr lang="zh-CN" altLang="en-US" dirty="0"/>
+              <a:t>远程分</a:t>
+            </a:r>
+            <a:r>
+              <a:rPr lang="zh-CN" altLang="en-US" dirty="0" smtClean="0"/>
+              <a:t>支名</a:t>
+            </a:r>
+            <a:endParaRPr lang="en-US" altLang="zh-CN" dirty="0" smtClean="0"/>
+          </a:p>
+          <a:p>
+            <a:pPr lvl="1">
+              <a:buFont typeface="Wingdings" charset="2"/>
+              <a:buChar char="Ø"/>
+            </a:pPr>
+            <a:r>
+              <a:rPr lang="zh-CN" altLang="en-US" dirty="0" smtClean="0"/>
+              <a:t> </a:t>
+            </a:r>
+            <a:r>
+              <a:rPr lang="en-US" altLang="zh-CN" dirty="0" err="1"/>
+              <a:t>g</a:t>
+            </a:r>
+            <a:r>
+              <a:rPr lang="en-US" altLang="zh-CN" dirty="0" err="1" smtClean="0"/>
+              <a:t>it</a:t>
+            </a:r>
+            <a:r>
+              <a:rPr lang="zh-CN" altLang="en-US" dirty="0" smtClean="0"/>
+              <a:t> </a:t>
+            </a:r>
+            <a:r>
+              <a:rPr lang="en-US" altLang="zh-CN" dirty="0" smtClean="0"/>
+              <a:t>pull</a:t>
+            </a:r>
+            <a:r>
+              <a:rPr lang="zh-CN" altLang="en-US" dirty="0" smtClean="0"/>
+              <a:t> </a:t>
+            </a:r>
+            <a:r>
+              <a:rPr lang="en-US" altLang="zh-CN" dirty="0" smtClean="0"/>
+              <a:t>origin</a:t>
+            </a:r>
+          </a:p>
+          <a:p>
+            <a:pPr lvl="1">
+              <a:buFont typeface="Wingdings" charset="2"/>
+              <a:buChar char="Ø"/>
+            </a:pPr>
+            <a:endParaRPr lang="en-US" altLang="zh-CN" dirty="0"/>
+          </a:p>
+          <a:p>
+            <a:pPr lvl="1">
+              <a:buFont typeface="Wingdings" charset="2"/>
+              <a:buChar char="Ø"/>
+            </a:pPr>
+            <a:r>
+              <a:rPr lang="zh-CN" altLang="en-US" dirty="0"/>
+              <a:t>如果当前分支只有一个追踪分支，连远程主机名都可以</a:t>
+            </a:r>
+            <a:r>
+              <a:rPr lang="zh-CN" altLang="en-US" dirty="0" smtClean="0"/>
+              <a:t>省略</a:t>
+            </a:r>
+            <a:endParaRPr lang="en-US" altLang="zh-CN" dirty="0" smtClean="0"/>
+          </a:p>
+          <a:p>
+            <a:pPr lvl="1">
+              <a:buFont typeface="Wingdings" charset="2"/>
+              <a:buChar char="Ø"/>
+            </a:pPr>
+            <a:r>
+              <a:rPr lang="en-US" altLang="zh-CN" dirty="0" err="1"/>
+              <a:t>git</a:t>
+            </a:r>
+            <a:r>
+              <a:rPr lang="zh-CN" altLang="en-US" dirty="0"/>
+              <a:t> </a:t>
+            </a:r>
+            <a:r>
+              <a:rPr lang="en-US" altLang="zh-CN" dirty="0" smtClean="0"/>
+              <a:t>pull</a:t>
+            </a:r>
+            <a:r>
+              <a:rPr lang="zh-CN" altLang="en-US" dirty="0"/>
+              <a:t/>
+            </a:r>
+            <a:br>
+              <a:rPr lang="zh-CN" altLang="en-US" dirty="0"/>
+            </a:br>
+            <a:endParaRPr kumimoji="1" lang="en-US" altLang="zh-CN" dirty="0"/>
+          </a:p>
+          <a:p>
+            <a:pPr lvl="0"/>
+            <a:endParaRPr kumimoji="1" lang="en-US" altLang="zh-CN" dirty="0"/>
+          </a:p>
+          <a:p>
+            <a:endParaRPr kumimoji="1" lang="zh-CN" altLang="en-US" dirty="0"/>
+          </a:p>
+        </p:txBody>
+      </p:sp>
+    </p:spTree>
+    <p:extLst>
+      <p:ext uri="{BB962C8B-B14F-4D97-AF65-F5344CB8AC3E}">
+        <p14:creationId xmlns:p14="http://schemas.microsoft.com/office/powerpoint/2010/main" val="328515031"/>
+      </p:ext>
+    </p:extLst>
+  </p:cSld>
+  <p:clrMapOvr>
+    <a:masterClrMapping/>
+  </p:clrMapOvr>
+</p:sld>
+</file>
+
+<file path=ppt/slides/slide36.xml><?xml version="1.0" encoding="utf-8"?>
+<p:sld xmlns:a="http://schemas.openxmlformats.org/drawingml/2006/main" xmlns:r="http://schemas.openxmlformats.org/officeDocument/2006/relationships" xmlns:p="http://schemas.openxmlformats.org/presentationml/2006/main">
+  <p:cSld>
+    <p:spTree>
+      <p:nvGrpSpPr>
+        <p:cNvPr id="1" name=""/>
+        <p:cNvGrpSpPr/>
+        <p:nvPr/>
+      </p:nvGrpSpPr>
+      <p:grpSpPr>
+        <a:xfrm>
+          <a:off x="0" y="0"/>
+          <a:ext cx="0" cy="0"/>
+          <a:chOff x="0" y="0"/>
+          <a:chExt cx="0" cy="0"/>
+        </a:xfrm>
+      </p:grpSpPr>
+      <p:sp>
+        <p:nvSpPr>
+          <p:cNvPr id="3" name="内容占位符 2"/>
+          <p:cNvSpPr>
+            <a:spLocks noGrp="1"/>
+          </p:cNvSpPr>
+          <p:nvPr>
+            <p:ph idx="1"/>
+          </p:nvPr>
+        </p:nvSpPr>
+        <p:spPr>
+          <a:xfrm>
+            <a:off x="457200" y="404664"/>
+            <a:ext cx="8229600" cy="5721499"/>
+          </a:xfrm>
+        </p:spPr>
+        <p:txBody>
+          <a:bodyPr/>
+          <a:lstStyle/>
+          <a:p>
+            <a:r>
+              <a:rPr kumimoji="1" lang="zh-CN" altLang="en-US" dirty="0" smtClean="0"/>
+              <a:t>追踪分支</a:t>
+            </a:r>
+            <a:endParaRPr lang="en-US" altLang="zh-CN" dirty="0"/>
+          </a:p>
+          <a:p>
+            <a:pPr>
+              <a:buFont typeface="Wingdings" charset="2"/>
+              <a:buChar char="Ø"/>
+            </a:pPr>
+            <a:r>
+              <a:rPr lang="en-US" altLang="zh-CN" dirty="0" err="1" smtClean="0"/>
+              <a:t>Git</a:t>
+            </a:r>
+            <a:r>
+              <a:rPr lang="zh-CN" altLang="en-US" dirty="0"/>
+              <a:t> 会自动在本地分支与远程分支之间</a:t>
+            </a:r>
+            <a:r>
+              <a:rPr lang="zh-CN" altLang="en-US" dirty="0" smtClean="0"/>
+              <a:t>，建立</a:t>
+            </a:r>
+            <a:r>
+              <a:rPr lang="zh-CN" altLang="en-US" dirty="0"/>
+              <a:t>一种追踪关系（</a:t>
+            </a:r>
+            <a:r>
+              <a:rPr lang="en-US" altLang="zh-CN" dirty="0"/>
+              <a:t>tracking</a:t>
+            </a:r>
+            <a:r>
+              <a:rPr lang="zh-CN" altLang="en-US" dirty="0"/>
+              <a:t>）。比如，在 </a:t>
+            </a:r>
+            <a:r>
+              <a:rPr lang="en-US" altLang="zh-CN" dirty="0" err="1"/>
+              <a:t>git</a:t>
+            </a:r>
+            <a:r>
+              <a:rPr lang="en-US" altLang="zh-CN" dirty="0"/>
+              <a:t> clone</a:t>
+            </a:r>
+            <a:r>
+              <a:rPr lang="zh-CN" altLang="en-US" dirty="0"/>
+              <a:t> 的时候，所有本地分支默认与远程主机的同名分支，建立追踪关系，也就是说，本地的 </a:t>
+            </a:r>
+            <a:r>
+              <a:rPr lang="en-US" altLang="zh-CN" dirty="0"/>
+              <a:t>master</a:t>
+            </a:r>
+            <a:r>
+              <a:rPr lang="zh-CN" altLang="en-US" dirty="0"/>
+              <a:t> 分支自动追踪 </a:t>
+            </a:r>
+            <a:r>
+              <a:rPr lang="en-US" altLang="zh-CN" dirty="0"/>
+              <a:t>origin/master</a:t>
+            </a:r>
+            <a:r>
+              <a:rPr lang="zh-CN" altLang="en-US" dirty="0"/>
+              <a:t> </a:t>
+            </a:r>
+            <a:r>
+              <a:rPr lang="zh-CN" altLang="en-US" dirty="0" smtClean="0"/>
+              <a:t>分支</a:t>
+            </a:r>
+            <a:endParaRPr lang="en-US" altLang="zh-CN" dirty="0" smtClean="0"/>
+          </a:p>
+          <a:p>
+            <a:r>
+              <a:rPr kumimoji="1" lang="zh-CN" altLang="en-US" dirty="0"/>
+              <a:t>手动建立追踪关系</a:t>
+            </a:r>
+            <a:endParaRPr kumimoji="1" lang="en-US" altLang="zh-CN" dirty="0"/>
+          </a:p>
+          <a:p>
+            <a:pPr>
+              <a:buFont typeface="Wingdings" charset="2"/>
+              <a:buChar char="Ø"/>
+            </a:pPr>
+            <a:r>
+              <a:rPr lang="en-US" altLang="zh-CN" dirty="0" err="1" smtClean="0"/>
+              <a:t>git</a:t>
+            </a:r>
+            <a:r>
+              <a:rPr lang="en-US" altLang="zh-CN" dirty="0" smtClean="0"/>
+              <a:t> </a:t>
+            </a:r>
+            <a:r>
+              <a:rPr lang="en-US" altLang="zh-CN" dirty="0"/>
+              <a:t>branch --set-upstream master origin/next</a:t>
+            </a:r>
+            <a:endParaRPr kumimoji="1" lang="zh-CN" altLang="en-US" dirty="0"/>
+          </a:p>
+        </p:txBody>
+      </p:sp>
+    </p:spTree>
+    <p:extLst>
+      <p:ext uri="{BB962C8B-B14F-4D97-AF65-F5344CB8AC3E}">
+        <p14:creationId xmlns:p14="http://schemas.microsoft.com/office/powerpoint/2010/main" val="1801357538"/>
+      </p:ext>
+    </p:extLst>
+  </p:cSld>
+  <p:clrMapOvr>
+    <a:masterClrMapping/>
+  </p:clrMapOvr>
+</p:sld>
+</file>
+
+<file path=ppt/slides/slide37.xml><?xml version="1.0" encoding="utf-8"?>
+<p:sld xmlns:a="http://schemas.openxmlformats.org/drawingml/2006/main" xmlns:r="http://schemas.openxmlformats.org/officeDocument/2006/relationships" xmlns:p="http://schemas.openxmlformats.org/presentationml/2006/main">
+  <p:cSld>
+    <p:spTree>
+      <p:nvGrpSpPr>
+        <p:cNvPr id="1" name=""/>
+        <p:cNvGrpSpPr/>
+        <p:nvPr/>
+      </p:nvGrpSpPr>
+      <p:grpSpPr>
+        <a:xfrm>
+          <a:off x="0" y="0"/>
+          <a:ext cx="0" cy="0"/>
+          <a:chOff x="0" y="0"/>
+          <a:chExt cx="0" cy="0"/>
+        </a:xfrm>
+      </p:grpSpPr>
+      <p:sp>
+        <p:nvSpPr>
+          <p:cNvPr id="3" name="内容占位符 2"/>
+          <p:cNvSpPr>
+            <a:spLocks noGrp="1"/>
+          </p:cNvSpPr>
+          <p:nvPr>
+            <p:ph idx="1"/>
+          </p:nvPr>
+        </p:nvSpPr>
+        <p:spPr>
+          <a:xfrm>
+            <a:off x="457200" y="476672"/>
+            <a:ext cx="8229600" cy="5649491"/>
+          </a:xfrm>
+        </p:spPr>
+        <p:txBody>
+          <a:bodyPr>
+            <a:normAutofit lnSpcReduction="10000"/>
+          </a:bodyPr>
+          <a:lstStyle/>
+          <a:p>
+            <a:r>
+              <a:rPr kumimoji="1" lang="en-US" altLang="zh-CN" dirty="0" smtClean="0"/>
+              <a:t>5.</a:t>
+            </a:r>
+            <a:r>
+              <a:rPr kumimoji="1" lang="zh-CN" altLang="en-US" dirty="0" smtClean="0"/>
+              <a:t> </a:t>
+            </a:r>
+            <a:r>
+              <a:rPr kumimoji="1" lang="en-US" altLang="zh-CN" dirty="0" err="1" smtClean="0"/>
+              <a:t>git</a:t>
+            </a:r>
+            <a:r>
+              <a:rPr kumimoji="1" lang="zh-CN" altLang="en-US" dirty="0" smtClean="0"/>
+              <a:t> </a:t>
+            </a:r>
+            <a:r>
+              <a:rPr kumimoji="1" lang="en-US" altLang="zh-CN" dirty="0" smtClean="0"/>
+              <a:t>push</a:t>
+            </a:r>
+          </a:p>
+          <a:p>
+            <a:pPr>
+              <a:buFont typeface="Wingdings" charset="2"/>
+              <a:buChar char="Ø"/>
+            </a:pPr>
+            <a:r>
+              <a:rPr lang="zh-CN" altLang="en-US" dirty="0" smtClean="0"/>
+              <a:t>用于</a:t>
+            </a:r>
+            <a:r>
+              <a:rPr lang="zh-CN" altLang="en-US" dirty="0"/>
+              <a:t>将本地分支的更新，推送到远程主机。它的格式与</a:t>
+            </a:r>
+            <a:r>
+              <a:rPr lang="en-US" altLang="zh-CN" dirty="0" err="1"/>
+              <a:t>git</a:t>
+            </a:r>
+            <a:r>
+              <a:rPr lang="en-US" altLang="zh-CN" dirty="0"/>
+              <a:t> pull</a:t>
+            </a:r>
+            <a:r>
+              <a:rPr lang="zh-CN" altLang="en-US" dirty="0" smtClean="0"/>
+              <a:t>命令相似</a:t>
+            </a:r>
+            <a:endParaRPr lang="en-US" altLang="zh-CN" dirty="0" smtClean="0"/>
+          </a:p>
+          <a:p>
+            <a:pPr>
+              <a:buFont typeface="Wingdings" charset="2"/>
+              <a:buChar char="Ø"/>
+            </a:pPr>
+            <a:r>
+              <a:rPr lang="en-US" altLang="zh-CN" dirty="0" err="1"/>
+              <a:t>git</a:t>
+            </a:r>
+            <a:r>
+              <a:rPr lang="en-US" altLang="zh-CN" dirty="0"/>
+              <a:t> push &lt;</a:t>
+            </a:r>
+            <a:r>
+              <a:rPr lang="zh-CN" altLang="en-US" dirty="0"/>
+              <a:t>远程主机名</a:t>
+            </a:r>
+            <a:r>
+              <a:rPr lang="en-US" altLang="zh-CN" dirty="0"/>
+              <a:t>&gt; &lt;</a:t>
+            </a:r>
+            <a:r>
+              <a:rPr lang="zh-CN" altLang="en-US" dirty="0"/>
+              <a:t>本地分支名</a:t>
+            </a:r>
+            <a:r>
+              <a:rPr lang="en-US" altLang="zh-CN" dirty="0"/>
+              <a:t>&gt;:&lt;</a:t>
+            </a:r>
+            <a:r>
+              <a:rPr lang="zh-CN" altLang="en-US" dirty="0"/>
+              <a:t>远程分支名</a:t>
+            </a:r>
+            <a:r>
+              <a:rPr lang="en-US" altLang="zh-CN" dirty="0" smtClean="0"/>
+              <a:t>&gt;</a:t>
+            </a:r>
+          </a:p>
+          <a:p>
+            <a:pPr>
+              <a:buFont typeface="Wingdings" charset="2"/>
+              <a:buChar char="Ø"/>
+            </a:pPr>
+            <a:r>
+              <a:rPr kumimoji="1" lang="zh-CN" altLang="en-US" dirty="0" smtClean="0"/>
+              <a:t>如果省略远程分支，</a:t>
+            </a:r>
+            <a:r>
+              <a:rPr lang="zh-CN" altLang="en-US" dirty="0"/>
+              <a:t>则表示将本地分支推送与之存在</a:t>
+            </a:r>
+            <a:r>
+              <a:rPr lang="en-US" altLang="zh-CN" dirty="0"/>
+              <a:t>"</a:t>
+            </a:r>
+            <a:r>
+              <a:rPr lang="zh-CN" altLang="en-US" dirty="0"/>
+              <a:t>追踪关系</a:t>
+            </a:r>
+            <a:r>
+              <a:rPr lang="en-US" altLang="zh-CN" dirty="0"/>
+              <a:t>"</a:t>
+            </a:r>
+            <a:r>
+              <a:rPr lang="zh-CN" altLang="en-US" dirty="0"/>
+              <a:t>的远程分支（通常两者同名</a:t>
+            </a:r>
+            <a:r>
+              <a:rPr lang="zh-CN" altLang="en-US" dirty="0" smtClean="0"/>
+              <a:t>）</a:t>
+            </a:r>
+            <a:endParaRPr lang="en-US" altLang="zh-CN" dirty="0" smtClean="0"/>
+          </a:p>
+          <a:p>
+            <a:pPr>
+              <a:buFont typeface="Wingdings" charset="2"/>
+              <a:buChar char="Ø"/>
+            </a:pPr>
+            <a:r>
+              <a:rPr kumimoji="1" lang="zh-CN" altLang="en-US" dirty="0" smtClean="0"/>
+              <a:t>如：</a:t>
+            </a:r>
+            <a:r>
+              <a:rPr kumimoji="1" lang="en-US" altLang="zh-CN" dirty="0" err="1" smtClean="0"/>
+              <a:t>git</a:t>
+            </a:r>
+            <a:r>
+              <a:rPr kumimoji="1" lang="zh-CN" altLang="en-US" dirty="0" smtClean="0"/>
+              <a:t> </a:t>
+            </a:r>
+            <a:r>
+              <a:rPr kumimoji="1" lang="en-US" altLang="zh-CN" dirty="0" smtClean="0"/>
+              <a:t>push</a:t>
+            </a:r>
+            <a:r>
+              <a:rPr kumimoji="1" lang="zh-CN" altLang="en-US" dirty="0" smtClean="0"/>
+              <a:t> </a:t>
+            </a:r>
+            <a:r>
+              <a:rPr kumimoji="1" lang="en-US" altLang="zh-CN" dirty="0" smtClean="0"/>
+              <a:t>origin</a:t>
+            </a:r>
+            <a:r>
+              <a:rPr kumimoji="1" lang="zh-CN" altLang="en-US" dirty="0" smtClean="0"/>
+              <a:t> </a:t>
+            </a:r>
+            <a:r>
+              <a:rPr kumimoji="1" lang="en-US" altLang="zh-CN" dirty="0" smtClean="0"/>
+              <a:t>master</a:t>
+            </a:r>
+          </a:p>
+          <a:p>
+            <a:pPr>
+              <a:buFont typeface="Wingdings" charset="2"/>
+              <a:buChar char="Ø"/>
+            </a:pPr>
+            <a:r>
+              <a:rPr lang="zh-CN" altLang="en-US" dirty="0" smtClean="0"/>
+              <a:t>将</a:t>
+            </a:r>
+            <a:r>
+              <a:rPr lang="zh-CN" altLang="en-US" dirty="0"/>
+              <a:t>本地的 </a:t>
+            </a:r>
+            <a:r>
+              <a:rPr lang="en-US" altLang="zh-CN" dirty="0"/>
+              <a:t>master</a:t>
+            </a:r>
+            <a:r>
+              <a:rPr lang="en-US" altLang="zh-CN" dirty="0"/>
+              <a:t> </a:t>
+            </a:r>
+            <a:r>
+              <a:rPr lang="zh-CN" altLang="en-US" dirty="0"/>
+              <a:t>分支推送到</a:t>
+            </a:r>
+            <a:r>
+              <a:rPr lang="en-US" altLang="zh-CN" dirty="0"/>
+              <a:t>origin</a:t>
+            </a:r>
+            <a:r>
+              <a:rPr lang="zh-CN" altLang="en-US" dirty="0"/>
+              <a:t>主机的</a:t>
+            </a:r>
+            <a:r>
+              <a:rPr lang="en-US" altLang="zh-CN" dirty="0"/>
+              <a:t>master</a:t>
+            </a:r>
+            <a:r>
+              <a:rPr lang="zh-CN" altLang="en-US" dirty="0"/>
+              <a:t>分支</a:t>
+            </a:r>
+            <a:endParaRPr kumimoji="1" lang="zh-CN" altLang="en-US" dirty="0"/>
+          </a:p>
+        </p:txBody>
+      </p:sp>
+    </p:spTree>
+    <p:extLst>
+      <p:ext uri="{BB962C8B-B14F-4D97-AF65-F5344CB8AC3E}">
+        <p14:creationId xmlns:p14="http://schemas.microsoft.com/office/powerpoint/2010/main" val="1638613217"/>
+      </p:ext>
+    </p:extLst>
+  </p:cSld>
+  <p:clrMapOvr>
+    <a:masterClrMapping/>
+  </p:clrMapOvr>
+</p:sld>
+</file>
+
+<file path=ppt/slides/slide38.xml><?xml version="1.0" encoding="utf-8"?>
+<p:sld xmlns:a="http://schemas.openxmlformats.org/drawingml/2006/main" xmlns:r="http://schemas.openxmlformats.org/officeDocument/2006/relationships" xmlns:p="http://schemas.openxmlformats.org/presentationml/2006/main">
+  <p:cSld>
+    <p:spTree>
+      <p:nvGrpSpPr>
+        <p:cNvPr id="1" name=""/>
+        <p:cNvGrpSpPr/>
+        <p:nvPr/>
+      </p:nvGrpSpPr>
+      <p:grpSpPr>
+        <a:xfrm>
+          <a:off x="0" y="0"/>
+          <a:ext cx="0" cy="0"/>
+          <a:chOff x="0" y="0"/>
+          <a:chExt cx="0" cy="0"/>
+        </a:xfrm>
+      </p:grpSpPr>
+      <p:sp>
+        <p:nvSpPr>
+          <p:cNvPr id="3" name="内容占位符 2"/>
+          <p:cNvSpPr>
+            <a:spLocks noGrp="1"/>
+          </p:cNvSpPr>
+          <p:nvPr>
+            <p:ph idx="1"/>
+          </p:nvPr>
+        </p:nvSpPr>
+        <p:spPr>
+          <a:xfrm>
+            <a:off x="457200" y="332656"/>
+            <a:ext cx="8229600" cy="5793507"/>
+          </a:xfrm>
+        </p:spPr>
+        <p:txBody>
+          <a:bodyPr/>
+          <a:lstStyle/>
+          <a:p>
+            <a:r>
+              <a:rPr kumimoji="1" lang="en-US" altLang="zh-CN" dirty="0" smtClean="0"/>
+              <a:t>5.</a:t>
+            </a:r>
+            <a:r>
+              <a:rPr kumimoji="1" lang="zh-CN" altLang="en-US" dirty="0" smtClean="0"/>
+              <a:t> </a:t>
+            </a:r>
+            <a:r>
+              <a:rPr kumimoji="1" lang="en-US" altLang="zh-CN" dirty="0" err="1" smtClean="0"/>
+              <a:t>git</a:t>
+            </a:r>
+            <a:r>
+              <a:rPr kumimoji="1" lang="zh-CN" altLang="en-US" dirty="0" smtClean="0"/>
+              <a:t> </a:t>
+            </a:r>
+            <a:r>
+              <a:rPr kumimoji="1" lang="en-US" altLang="zh-CN" dirty="0" smtClean="0"/>
+              <a:t>push</a:t>
+            </a:r>
+          </a:p>
+          <a:p>
+            <a:r>
+              <a:rPr lang="zh-CN" altLang="en-US" dirty="0"/>
+              <a:t>如果省略本地分支名，则表示删除指定的远程分支，因为这等同于推送一个空的本地分支到远程</a:t>
+            </a:r>
+            <a:r>
+              <a:rPr lang="zh-CN" altLang="en-US" dirty="0" smtClean="0"/>
+              <a:t>分支</a:t>
+            </a:r>
+            <a:endParaRPr lang="en-US" altLang="zh-CN" dirty="0" smtClean="0"/>
+          </a:p>
+          <a:p>
+            <a:r>
+              <a:rPr kumimoji="1" lang="zh-CN" altLang="en-US" dirty="0" smtClean="0"/>
+              <a:t> </a:t>
+            </a:r>
+            <a:r>
+              <a:rPr lang="en-US" altLang="zh-CN" dirty="0" err="1"/>
+              <a:t>git</a:t>
+            </a:r>
+            <a:r>
+              <a:rPr lang="en-US" altLang="zh-CN" dirty="0"/>
+              <a:t> push origin :</a:t>
+            </a:r>
+            <a:r>
+              <a:rPr lang="en-US" altLang="zh-CN" dirty="0" smtClean="0"/>
+              <a:t>master</a:t>
+            </a:r>
+          </a:p>
+          <a:p>
+            <a:r>
+              <a:rPr lang="zh-CN" altLang="en-US" dirty="0"/>
+              <a:t>等同于 </a:t>
+            </a:r>
+            <a:r>
+              <a:rPr lang="en-US" altLang="zh-CN" dirty="0"/>
+              <a:t>$ </a:t>
+            </a:r>
+            <a:r>
+              <a:rPr lang="en-US" altLang="zh-CN" dirty="0" err="1"/>
+              <a:t>git</a:t>
+            </a:r>
+            <a:r>
+              <a:rPr lang="en-US" altLang="zh-CN" dirty="0"/>
+              <a:t> push origin --delete master</a:t>
+            </a:r>
+            <a:endParaRPr kumimoji="1" lang="en-US" altLang="zh-CN" dirty="0" smtClean="0"/>
+          </a:p>
+          <a:p>
+            <a:endParaRPr kumimoji="1" lang="zh-CN" altLang="en-US" dirty="0"/>
+          </a:p>
+        </p:txBody>
+      </p:sp>
+    </p:spTree>
+    <p:extLst>
+      <p:ext uri="{BB962C8B-B14F-4D97-AF65-F5344CB8AC3E}">
+        <p14:creationId xmlns:p14="http://schemas.microsoft.com/office/powerpoint/2010/main" val="185474498"/>
+      </p:ext>
+    </p:extLst>
+  </p:cSld>
+  <p:clrMapOvr>
+    <a:masterClrMapping/>
+  </p:clrMapOvr>
+</p:sld>
+</file>
+
+<file path=ppt/slides/slide39.xml><?xml version="1.0" encoding="utf-8"?>
+<p:sld xmlns:a="http://schemas.openxmlformats.org/drawingml/2006/main" xmlns:r="http://schemas.openxmlformats.org/officeDocument/2006/relationships" xmlns:p="http://schemas.openxmlformats.org/presentationml/2006/main">
+  <p:cSld>
+    <p:spTree>
+      <p:nvGrpSpPr>
+        <p:cNvPr id="1" name=""/>
+        <p:cNvGrpSpPr/>
+        <p:nvPr/>
+      </p:nvGrpSpPr>
+      <p:grpSpPr>
+        <a:xfrm>
+          <a:off x="0" y="0"/>
+          <a:ext cx="0" cy="0"/>
+          <a:chOff x="0" y="0"/>
+          <a:chExt cx="0" cy="0"/>
+        </a:xfrm>
+      </p:grpSpPr>
+      <p:sp>
+        <p:nvSpPr>
+          <p:cNvPr id="2" name="标题 1"/>
+          <p:cNvSpPr>
+            <a:spLocks noGrp="1"/>
+          </p:cNvSpPr>
+          <p:nvPr>
+            <p:ph type="title"/>
+          </p:nvPr>
+        </p:nvSpPr>
+        <p:spPr/>
+        <p:txBody>
+          <a:bodyPr/>
+          <a:lstStyle/>
+          <a:p>
+            <a:endParaRPr kumimoji="1" lang="zh-CN" altLang="en-US"/>
+          </a:p>
+        </p:txBody>
+      </p:sp>
+      <p:sp>
+        <p:nvSpPr>
+          <p:cNvPr id="3" name="内容占位符 2"/>
+          <p:cNvSpPr>
+            <a:spLocks noGrp="1"/>
+          </p:cNvSpPr>
+          <p:nvPr>
+            <p:ph idx="1"/>
+          </p:nvPr>
+        </p:nvSpPr>
+        <p:spPr/>
+        <p:txBody>
+          <a:bodyPr/>
+          <a:lstStyle/>
+          <a:p>
+            <a:endParaRPr kumimoji="1" lang="zh-CN" altLang="en-US"/>
+          </a:p>
+        </p:txBody>
+      </p:sp>
+    </p:spTree>
+    <p:extLst>
+      <p:ext uri="{BB962C8B-B14F-4D97-AF65-F5344CB8AC3E}">
+        <p14:creationId xmlns:p14="http://schemas.microsoft.com/office/powerpoint/2010/main" val="313976100"/>
+      </p:ext>
+    </p:extLst>
+  </p:cSld>
+  <p:clrMapOvr>
+    <a:masterClrMapping/>
+  </p:clrMapOvr>
 </p:sld>
 </file>
 
@@ -12943,11 +14415,7 @@
             </a:r>
             <a:r>
               <a:rPr lang="zh-CN" altLang="en-US" sz="1800" dirty="0"/>
-              <a:t>：提交之后的内容，几乎不能进行撤销或者需要管理员支持，比较麻烦</a:t>
-            </a:r>
-            <a:r>
-              <a:rPr lang="zh-CN" altLang="en-US" sz="1800" dirty="0"/>
-              <a:t>。</a:t>
+              <a:t>：提交之后的内容，几乎不能进行撤销或者需要管理员支持，比较麻烦。</a:t>
             </a:r>
             <a:endParaRPr lang="en-US" altLang="zh-CN" sz="1800" dirty="0"/>
           </a:p>
@@ -13395,13 +14863,7 @@
               <a:rPr lang="en-US" altLang="zh-CN" sz="2900" dirty="0">
                 <a:latin typeface="Comic Sans MS" pitchFamily="66" charset="0"/>
               </a:rPr>
-              <a:t>b</a:t>
-            </a:r>
-            <a:r>
-              <a:rPr lang="en-US" altLang="zh-CN" sz="2900" dirty="0">
-                <a:latin typeface="Comic Sans MS" pitchFamily="66" charset="0"/>
-              </a:rPr>
-              <a:t>rew install </a:t>
+              <a:t>brew install </a:t>
             </a:r>
             <a:r>
               <a:rPr lang="en-US" altLang="zh-CN" sz="2900" dirty="0" err="1">
@@ -13675,9 +15137,6 @@
               </a:rPr>
               <a:t> --global alias.st status </a:t>
             </a:r>
-            <a:endParaRPr lang="en-US" altLang="zh-CN" sz="2400" dirty="0">
-              <a:latin typeface="Comic Sans MS" pitchFamily="66" charset="0"/>
-            </a:endParaRPr>
           </a:p>
           <a:p>
             <a:pPr lvl="1">
@@ -13706,13 +15165,7 @@
               <a:rPr lang="en-US" altLang="zh-CN" sz="2400" dirty="0">
                 <a:latin typeface="Comic Sans MS" pitchFamily="66" charset="0"/>
               </a:rPr>
-              <a:t> --global alias.co </a:t>
-            </a:r>
-            <a:r>
-              <a:rPr lang="en-US" altLang="zh-CN" sz="2400" dirty="0">
-                <a:latin typeface="Comic Sans MS" pitchFamily="66" charset="0"/>
-              </a:rPr>
-              <a:t>checkout</a:t>
+              <a:t> --global alias.co checkout</a:t>
             </a:r>
           </a:p>
           <a:p>

--- a/Git.pptx
+++ b/Git.pptx
@@ -5,7 +5,7 @@
     <p:sldMasterId id="2147483648" r:id="rId1"/>
   </p:sldMasterIdLst>
   <p:notesMasterIdLst>
-    <p:notesMasterId r:id="rId41"/>
+    <p:notesMasterId r:id="rId45"/>
   </p:notesMasterIdLst>
   <p:sldIdLst>
     <p:sldId id="256" r:id="rId2"/>
@@ -47,6 +47,10 @@
     <p:sldId id="296" r:id="rId38"/>
     <p:sldId id="297" r:id="rId39"/>
     <p:sldId id="298" r:id="rId40"/>
+    <p:sldId id="299" r:id="rId41"/>
+    <p:sldId id="300" r:id="rId42"/>
+    <p:sldId id="301" r:id="rId43"/>
+    <p:sldId id="302" r:id="rId44"/>
   </p:sldIdLst>
   <p:sldSz cx="9144000" cy="6858000" type="screen4x3"/>
   <p:notesSz cx="6858000" cy="9144000"/>
@@ -8696,8 +8700,16 @@
           <a:lstStyle/>
           <a:p>
             <a:r>
+              <a:rPr lang="zh-CN" altLang="en-US" dirty="0" smtClean="0"/>
+              <a:t>三、</a:t>
+            </a:r>
+            <a:r>
+              <a:rPr lang="en-US" altLang="zh-CN" dirty="0" err="1" smtClean="0"/>
+              <a:t>Git</a:t>
+            </a:r>
+            <a:r>
               <a:rPr lang="en-US" altLang="zh-CN" dirty="0" smtClean="0"/>
-              <a:t>Git </a:t>
+              <a:t> </a:t>
             </a:r>
             <a:r>
               <a:rPr lang="zh-CN" altLang="en-US" dirty="0" smtClean="0"/>
@@ -11124,8 +11136,16 @@
           <a:lstStyle/>
           <a:p>
             <a:r>
+              <a:rPr lang="zh-CN" altLang="en-US" dirty="0" smtClean="0"/>
+              <a:t>四、</a:t>
+            </a:r>
+            <a:r>
+              <a:rPr lang="en-US" altLang="zh-CN" dirty="0" err="1" smtClean="0"/>
+              <a:t>Git</a:t>
+            </a:r>
+            <a:r>
               <a:rPr lang="en-US" altLang="zh-CN" dirty="0" smtClean="0"/>
-              <a:t>Git </a:t>
+              <a:t> </a:t>
             </a:r>
             <a:r>
               <a:rPr lang="zh-CN" altLang="en-US" dirty="0" smtClean="0"/>
@@ -11934,8 +11954,16 @@
           <a:lstStyle/>
           <a:p>
             <a:r>
+              <a:rPr lang="zh-CN" altLang="en-US" dirty="0" smtClean="0"/>
+              <a:t>一、</a:t>
+            </a:r>
+            <a:r>
+              <a:rPr lang="en-US" altLang="zh-CN" dirty="0" err="1" smtClean="0"/>
+              <a:t>Git</a:t>
+            </a:r>
+            <a:r>
               <a:rPr lang="en-US" altLang="zh-CN" dirty="0" smtClean="0"/>
-              <a:t>Git </a:t>
+              <a:t> </a:t>
             </a:r>
             <a:r>
               <a:rPr lang="zh-CN" altLang="en-US" dirty="0" smtClean="0"/>
@@ -12251,8 +12279,16 @@
           <a:lstStyle/>
           <a:p>
             <a:r>
+              <a:rPr lang="zh-CN" altLang="en-US" dirty="0" smtClean="0"/>
+              <a:t>五、</a:t>
+            </a:r>
+            <a:r>
+              <a:rPr lang="en-US" altLang="zh-CN" dirty="0" err="1" smtClean="0"/>
+              <a:t>Git</a:t>
+            </a:r>
+            <a:r>
               <a:rPr lang="en-US" altLang="zh-CN" dirty="0" smtClean="0"/>
-              <a:t>Git </a:t>
+              <a:t> </a:t>
             </a:r>
             <a:r>
               <a:rPr lang="zh-CN" altLang="en-US" dirty="0" smtClean="0"/>
@@ -13903,7 +13939,19 @@
           <a:bodyPr/>
           <a:lstStyle/>
           <a:p>
-            <a:endParaRPr kumimoji="1" lang="zh-CN" altLang="en-US"/>
+            <a:r>
+              <a:rPr kumimoji="1" lang="zh-CN" altLang="en-US" dirty="0" smtClean="0"/>
+              <a:t>六、</a:t>
+            </a:r>
+            <a:r>
+              <a:rPr kumimoji="1" lang="en-US" altLang="zh-CN" dirty="0" err="1" smtClean="0"/>
+              <a:t>Git</a:t>
+            </a:r>
+            <a:r>
+              <a:rPr kumimoji="1" lang="zh-CN" altLang="en-US" dirty="0" smtClean="0"/>
+              <a:t> 标签</a:t>
+            </a:r>
+            <a:endParaRPr kumimoji="1" lang="zh-CN" altLang="en-US" dirty="0"/>
           </a:p>
         </p:txBody>
       </p:sp>
@@ -13922,7 +13970,48 @@
           <a:bodyPr/>
           <a:lstStyle/>
           <a:p>
-            <a:endParaRPr kumimoji="1" lang="zh-CN" altLang="en-US"/>
+            <a:r>
+              <a:rPr kumimoji="1" lang="en-US" altLang="zh-CN" dirty="0" smtClean="0"/>
+              <a:t>1.</a:t>
+            </a:r>
+            <a:r>
+              <a:rPr kumimoji="1" lang="zh-CN" altLang="en-US" dirty="0" smtClean="0"/>
+              <a:t> 创建标签</a:t>
+            </a:r>
+            <a:endParaRPr kumimoji="1" lang="en-US" altLang="zh-CN" dirty="0" smtClean="0"/>
+          </a:p>
+          <a:p>
+            <a:r>
+              <a:rPr kumimoji="1" lang="en-US" altLang="zh-CN" dirty="0" smtClean="0"/>
+              <a:t>2.</a:t>
+            </a:r>
+            <a:r>
+              <a:rPr kumimoji="1" lang="zh-CN" altLang="en-US" dirty="0" smtClean="0"/>
+              <a:t> 查看标签</a:t>
+            </a:r>
+            <a:endParaRPr kumimoji="1" lang="en-US" altLang="zh-CN" dirty="0" smtClean="0"/>
+          </a:p>
+          <a:p>
+            <a:r>
+              <a:rPr kumimoji="1" lang="en-US" altLang="zh-CN" dirty="0" smtClean="0"/>
+              <a:t>3.</a:t>
+            </a:r>
+            <a:r>
+              <a:rPr kumimoji="1" lang="zh-CN" altLang="en-US" dirty="0" smtClean="0"/>
+              <a:t> 共享标签</a:t>
+            </a:r>
+            <a:endParaRPr kumimoji="1" lang="en-US" altLang="zh-CN" dirty="0" smtClean="0"/>
+          </a:p>
+          <a:p>
+            <a:r>
+              <a:rPr kumimoji="1" lang="en-US" altLang="zh-CN" dirty="0" smtClean="0"/>
+              <a:t>4.</a:t>
+            </a:r>
+            <a:r>
+              <a:rPr kumimoji="1" lang="zh-CN" altLang="en-US" smtClean="0"/>
+              <a:t> 删除标签</a:t>
+            </a:r>
+            <a:endParaRPr kumimoji="1" lang="zh-CN" altLang="en-US" dirty="0"/>
           </a:p>
         </p:txBody>
       </p:sp>
@@ -14056,6 +14145,626 @@
       </p:par>
     </p:tnLst>
   </p:timing>
+</p:sld>
+</file>
+
+<file path=ppt/slides/slide40.xml><?xml version="1.0" encoding="utf-8"?>
+<p:sld xmlns:a="http://schemas.openxmlformats.org/drawingml/2006/main" xmlns:r="http://schemas.openxmlformats.org/officeDocument/2006/relationships" xmlns:p="http://schemas.openxmlformats.org/presentationml/2006/main">
+  <p:cSld>
+    <p:spTree>
+      <p:nvGrpSpPr>
+        <p:cNvPr id="1" name=""/>
+        <p:cNvGrpSpPr/>
+        <p:nvPr/>
+      </p:nvGrpSpPr>
+      <p:grpSpPr>
+        <a:xfrm>
+          <a:off x="0" y="0"/>
+          <a:ext cx="0" cy="0"/>
+          <a:chOff x="0" y="0"/>
+          <a:chExt cx="0" cy="0"/>
+        </a:xfrm>
+      </p:grpSpPr>
+      <p:sp>
+        <p:nvSpPr>
+          <p:cNvPr id="2" name="标题 1"/>
+          <p:cNvSpPr>
+            <a:spLocks noGrp="1"/>
+          </p:cNvSpPr>
+          <p:nvPr>
+            <p:ph type="title"/>
+          </p:nvPr>
+        </p:nvSpPr>
+        <p:spPr/>
+        <p:txBody>
+          <a:bodyPr/>
+          <a:lstStyle/>
+          <a:p>
+            <a:pPr algn="l"/>
+            <a:r>
+              <a:rPr kumimoji="1" lang="en-US" altLang="zh-CN" dirty="0" smtClean="0"/>
+              <a:t>1.</a:t>
+            </a:r>
+            <a:r>
+              <a:rPr kumimoji="1" lang="zh-CN" altLang="en-US" dirty="0" smtClean="0"/>
+              <a:t> 创建标签</a:t>
+            </a:r>
+            <a:endParaRPr kumimoji="1" lang="zh-CN" altLang="en-US" dirty="0"/>
+          </a:p>
+        </p:txBody>
+      </p:sp>
+      <p:sp>
+        <p:nvSpPr>
+          <p:cNvPr id="3" name="内容占位符 2"/>
+          <p:cNvSpPr>
+            <a:spLocks noGrp="1"/>
+          </p:cNvSpPr>
+          <p:nvPr>
+            <p:ph idx="1"/>
+          </p:nvPr>
+        </p:nvSpPr>
+        <p:spPr/>
+        <p:txBody>
+          <a:bodyPr/>
+          <a:lstStyle/>
+          <a:p>
+            <a:r>
+              <a:rPr kumimoji="1" lang="zh-CN" altLang="en-US" dirty="0" smtClean="0"/>
+              <a:t>轻量标签</a:t>
+            </a:r>
+            <a:endParaRPr kumimoji="1" lang="en-US" altLang="zh-CN" dirty="0" smtClean="0"/>
+          </a:p>
+          <a:p>
+            <a:r>
+              <a:rPr kumimoji="1" lang="en-US" altLang="zh-CN" dirty="0" err="1" smtClean="0"/>
+              <a:t>git</a:t>
+            </a:r>
+            <a:r>
+              <a:rPr kumimoji="1" lang="zh-CN" altLang="en-US" dirty="0" smtClean="0"/>
+              <a:t> </a:t>
+            </a:r>
+            <a:r>
+              <a:rPr kumimoji="1" lang="en-US" altLang="zh-CN" dirty="0" smtClean="0"/>
+              <a:t>tag</a:t>
+            </a:r>
+            <a:r>
+              <a:rPr kumimoji="1" lang="zh-CN" altLang="en-US" dirty="0" smtClean="0"/>
+              <a:t> </a:t>
+            </a:r>
+            <a:r>
+              <a:rPr kumimoji="1" lang="en-US" altLang="zh-CN" dirty="0" smtClean="0"/>
+              <a:t>&lt;</a:t>
+            </a:r>
+            <a:r>
+              <a:rPr kumimoji="1" lang="zh-CN" altLang="en-US" dirty="0" smtClean="0"/>
+              <a:t>标签名称</a:t>
+            </a:r>
+            <a:r>
+              <a:rPr kumimoji="1" lang="en-US" altLang="zh-CN" dirty="0" smtClean="0"/>
+              <a:t>&gt;</a:t>
+            </a:r>
+          </a:p>
+          <a:p>
+            <a:endParaRPr kumimoji="1" lang="en-US" altLang="zh-CN" dirty="0"/>
+          </a:p>
+          <a:p>
+            <a:r>
+              <a:rPr kumimoji="1" lang="zh-CN" altLang="en-US" dirty="0" smtClean="0"/>
+              <a:t>附注标签</a:t>
+            </a:r>
+            <a:endParaRPr kumimoji="1" lang="en-US" altLang="zh-CN" dirty="0" smtClean="0"/>
+          </a:p>
+          <a:p>
+            <a:r>
+              <a:rPr kumimoji="1" lang="en-US" altLang="zh-CN" dirty="0" err="1"/>
+              <a:t>g</a:t>
+            </a:r>
+            <a:r>
+              <a:rPr kumimoji="1" lang="en-US" altLang="zh-CN" dirty="0" err="1" smtClean="0"/>
+              <a:t>it</a:t>
+            </a:r>
+            <a:r>
+              <a:rPr kumimoji="1" lang="zh-CN" altLang="en-US" dirty="0" smtClean="0"/>
+              <a:t> </a:t>
+            </a:r>
+            <a:r>
+              <a:rPr kumimoji="1" lang="en-US" altLang="zh-CN" dirty="0" smtClean="0"/>
+              <a:t>tag</a:t>
+            </a:r>
+            <a:r>
+              <a:rPr kumimoji="1" lang="zh-CN" altLang="en-US" dirty="0" smtClean="0"/>
+              <a:t> </a:t>
+            </a:r>
+            <a:r>
+              <a:rPr kumimoji="1" lang="mr-IN" altLang="zh-CN" dirty="0" smtClean="0"/>
+              <a:t>–</a:t>
+            </a:r>
+            <a:r>
+              <a:rPr kumimoji="1" lang="en-US" altLang="zh-CN" dirty="0" smtClean="0"/>
+              <a:t>a</a:t>
+            </a:r>
+            <a:r>
+              <a:rPr kumimoji="1" lang="zh-CN" altLang="en-US" dirty="0" smtClean="0"/>
+              <a:t> </a:t>
+            </a:r>
+            <a:r>
+              <a:rPr kumimoji="1" lang="en-US" altLang="zh-CN" dirty="0" smtClean="0"/>
+              <a:t>&lt;</a:t>
+            </a:r>
+            <a:r>
+              <a:rPr kumimoji="1" lang="zh-CN" altLang="en-US" dirty="0" smtClean="0"/>
+              <a:t>标签名称</a:t>
+            </a:r>
+            <a:r>
+              <a:rPr kumimoji="1" lang="en-US" altLang="zh-CN" dirty="0" smtClean="0"/>
+              <a:t>&gt;</a:t>
+            </a:r>
+            <a:r>
+              <a:rPr kumimoji="1" lang="zh-CN" altLang="en-US" dirty="0" smtClean="0"/>
+              <a:t> </a:t>
+            </a:r>
+            <a:r>
+              <a:rPr kumimoji="1" lang="en-US" altLang="zh-CN" dirty="0" smtClean="0"/>
+              <a:t>-m</a:t>
+            </a:r>
+            <a:r>
+              <a:rPr kumimoji="1" lang="zh-CN" altLang="en-US" dirty="0" smtClean="0"/>
+              <a:t> </a:t>
+            </a:r>
+            <a:r>
+              <a:rPr kumimoji="1" lang="en-US" altLang="zh-CN" dirty="0" smtClean="0"/>
+              <a:t>“</a:t>
+            </a:r>
+            <a:r>
+              <a:rPr kumimoji="1" lang="zh-CN" altLang="en-US" dirty="0" smtClean="0"/>
+              <a:t>描述信息</a:t>
+            </a:r>
+            <a:r>
+              <a:rPr kumimoji="1" lang="en-US" altLang="zh-CN" dirty="0" smtClean="0"/>
+              <a:t>”</a:t>
+            </a:r>
+            <a:endParaRPr kumimoji="1" lang="zh-CN" altLang="en-US" dirty="0"/>
+          </a:p>
+        </p:txBody>
+      </p:sp>
+    </p:spTree>
+    <p:extLst>
+      <p:ext uri="{BB962C8B-B14F-4D97-AF65-F5344CB8AC3E}">
+        <p14:creationId xmlns:p14="http://schemas.microsoft.com/office/powerpoint/2010/main" val="1489386997"/>
+      </p:ext>
+    </p:extLst>
+  </p:cSld>
+  <p:clrMapOvr>
+    <a:masterClrMapping/>
+  </p:clrMapOvr>
+</p:sld>
+</file>
+
+<file path=ppt/slides/slide41.xml><?xml version="1.0" encoding="utf-8"?>
+<p:sld xmlns:a="http://schemas.openxmlformats.org/drawingml/2006/main" xmlns:r="http://schemas.openxmlformats.org/officeDocument/2006/relationships" xmlns:p="http://schemas.openxmlformats.org/presentationml/2006/main">
+  <p:cSld>
+    <p:spTree>
+      <p:nvGrpSpPr>
+        <p:cNvPr id="1" name=""/>
+        <p:cNvGrpSpPr/>
+        <p:nvPr/>
+      </p:nvGrpSpPr>
+      <p:grpSpPr>
+        <a:xfrm>
+          <a:off x="0" y="0"/>
+          <a:ext cx="0" cy="0"/>
+          <a:chOff x="0" y="0"/>
+          <a:chExt cx="0" cy="0"/>
+        </a:xfrm>
+      </p:grpSpPr>
+      <p:sp>
+        <p:nvSpPr>
+          <p:cNvPr id="2" name="标题 1"/>
+          <p:cNvSpPr>
+            <a:spLocks noGrp="1"/>
+          </p:cNvSpPr>
+          <p:nvPr>
+            <p:ph type="title"/>
+          </p:nvPr>
+        </p:nvSpPr>
+        <p:spPr/>
+        <p:txBody>
+          <a:bodyPr/>
+          <a:lstStyle/>
+          <a:p>
+            <a:pPr algn="l"/>
+            <a:r>
+              <a:rPr kumimoji="1" lang="en-US" altLang="zh-CN" dirty="0"/>
+              <a:t>2</a:t>
+            </a:r>
+            <a:r>
+              <a:rPr kumimoji="1" lang="en-US" altLang="zh-CN" dirty="0" smtClean="0"/>
+              <a:t>.</a:t>
+            </a:r>
+            <a:r>
+              <a:rPr kumimoji="1" lang="zh-CN" altLang="en-US" dirty="0" smtClean="0"/>
+              <a:t> 查看标签</a:t>
+            </a:r>
+            <a:endParaRPr kumimoji="1" lang="zh-CN" altLang="en-US" dirty="0"/>
+          </a:p>
+        </p:txBody>
+      </p:sp>
+      <p:sp>
+        <p:nvSpPr>
+          <p:cNvPr id="3" name="内容占位符 2"/>
+          <p:cNvSpPr>
+            <a:spLocks noGrp="1"/>
+          </p:cNvSpPr>
+          <p:nvPr>
+            <p:ph idx="1"/>
+          </p:nvPr>
+        </p:nvSpPr>
+        <p:spPr/>
+        <p:txBody>
+          <a:bodyPr/>
+          <a:lstStyle/>
+          <a:p>
+            <a:r>
+              <a:rPr kumimoji="1" lang="zh-CN" altLang="en-US" dirty="0" smtClean="0"/>
+              <a:t>列出所有标签</a:t>
+            </a:r>
+            <a:endParaRPr kumimoji="1" lang="en-US" altLang="zh-CN" dirty="0" smtClean="0"/>
+          </a:p>
+          <a:p>
+            <a:r>
+              <a:rPr kumimoji="1" lang="en-US" altLang="zh-CN" dirty="0" err="1" smtClean="0"/>
+              <a:t>git</a:t>
+            </a:r>
+            <a:r>
+              <a:rPr kumimoji="1" lang="zh-CN" altLang="en-US" dirty="0" smtClean="0"/>
+              <a:t> </a:t>
+            </a:r>
+            <a:r>
+              <a:rPr kumimoji="1" lang="en-US" altLang="zh-CN" dirty="0" smtClean="0"/>
+              <a:t>tag</a:t>
+            </a:r>
+            <a:r>
+              <a:rPr kumimoji="1" lang="zh-CN" altLang="en-US" dirty="0" smtClean="0"/>
+              <a:t> </a:t>
+            </a:r>
+            <a:endParaRPr kumimoji="1" lang="en-US" altLang="zh-CN" dirty="0" smtClean="0"/>
+          </a:p>
+          <a:p>
+            <a:endParaRPr kumimoji="1" lang="en-US" altLang="zh-CN" dirty="0"/>
+          </a:p>
+          <a:p>
+            <a:r>
+              <a:rPr kumimoji="1" lang="zh-CN" altLang="en-US" dirty="0" smtClean="0"/>
+              <a:t>查看标签版本信息</a:t>
+            </a:r>
+            <a:endParaRPr kumimoji="1" lang="en-US" altLang="zh-CN" dirty="0" smtClean="0"/>
+          </a:p>
+          <a:p>
+            <a:r>
+              <a:rPr kumimoji="1" lang="en-US" altLang="zh-CN" dirty="0" err="1"/>
+              <a:t>g</a:t>
+            </a:r>
+            <a:r>
+              <a:rPr kumimoji="1" lang="en-US" altLang="zh-CN" dirty="0" err="1" smtClean="0"/>
+              <a:t>it</a:t>
+            </a:r>
+            <a:r>
+              <a:rPr kumimoji="1" lang="zh-CN" altLang="en-US" dirty="0" smtClean="0"/>
+              <a:t> </a:t>
+            </a:r>
+            <a:r>
+              <a:rPr kumimoji="1" lang="en-US" altLang="zh-CN" dirty="0" smtClean="0"/>
+              <a:t>show</a:t>
+            </a:r>
+            <a:r>
+              <a:rPr kumimoji="1" lang="zh-CN" altLang="en-US" dirty="0" smtClean="0"/>
+              <a:t> </a:t>
+            </a:r>
+            <a:r>
+              <a:rPr kumimoji="1" lang="en-US" altLang="zh-CN" dirty="0" smtClean="0"/>
+              <a:t>v1.0</a:t>
+            </a:r>
+            <a:endParaRPr kumimoji="1" lang="zh-CN" altLang="en-US" dirty="0"/>
+          </a:p>
+        </p:txBody>
+      </p:sp>
+    </p:spTree>
+    <p:extLst>
+      <p:ext uri="{BB962C8B-B14F-4D97-AF65-F5344CB8AC3E}">
+        <p14:creationId xmlns:p14="http://schemas.microsoft.com/office/powerpoint/2010/main" val="1848278825"/>
+      </p:ext>
+    </p:extLst>
+  </p:cSld>
+  <p:clrMapOvr>
+    <a:masterClrMapping/>
+  </p:clrMapOvr>
+</p:sld>
+</file>
+
+<file path=ppt/slides/slide42.xml><?xml version="1.0" encoding="utf-8"?>
+<p:sld xmlns:a="http://schemas.openxmlformats.org/drawingml/2006/main" xmlns:r="http://schemas.openxmlformats.org/officeDocument/2006/relationships" xmlns:p="http://schemas.openxmlformats.org/presentationml/2006/main">
+  <p:cSld>
+    <p:spTree>
+      <p:nvGrpSpPr>
+        <p:cNvPr id="1" name=""/>
+        <p:cNvGrpSpPr/>
+        <p:nvPr/>
+      </p:nvGrpSpPr>
+      <p:grpSpPr>
+        <a:xfrm>
+          <a:off x="0" y="0"/>
+          <a:ext cx="0" cy="0"/>
+          <a:chOff x="0" y="0"/>
+          <a:chExt cx="0" cy="0"/>
+        </a:xfrm>
+      </p:grpSpPr>
+      <p:sp>
+        <p:nvSpPr>
+          <p:cNvPr id="2" name="标题 1"/>
+          <p:cNvSpPr>
+            <a:spLocks noGrp="1"/>
+          </p:cNvSpPr>
+          <p:nvPr>
+            <p:ph type="title"/>
+          </p:nvPr>
+        </p:nvSpPr>
+        <p:spPr/>
+        <p:txBody>
+          <a:bodyPr/>
+          <a:lstStyle/>
+          <a:p>
+            <a:pPr algn="l"/>
+            <a:r>
+              <a:rPr kumimoji="1" lang="en-US" altLang="zh-CN" dirty="0" smtClean="0"/>
+              <a:t>3.</a:t>
+            </a:r>
+            <a:r>
+              <a:rPr kumimoji="1" lang="zh-CN" altLang="en-US" dirty="0" smtClean="0"/>
+              <a:t> 共享标签</a:t>
+            </a:r>
+            <a:endParaRPr kumimoji="1" lang="zh-CN" altLang="en-US" dirty="0"/>
+          </a:p>
+        </p:txBody>
+      </p:sp>
+      <p:sp>
+        <p:nvSpPr>
+          <p:cNvPr id="3" name="内容占位符 2"/>
+          <p:cNvSpPr>
+            <a:spLocks noGrp="1"/>
+          </p:cNvSpPr>
+          <p:nvPr>
+            <p:ph idx="1"/>
+          </p:nvPr>
+        </p:nvSpPr>
+        <p:spPr/>
+        <p:txBody>
+          <a:bodyPr/>
+          <a:lstStyle/>
+          <a:p>
+            <a:r>
+              <a:rPr kumimoji="1" lang="en-US" altLang="zh-CN" dirty="0" err="1" smtClean="0"/>
+              <a:t>git</a:t>
+            </a:r>
+            <a:r>
+              <a:rPr kumimoji="1" lang="zh-CN" altLang="en-US" dirty="0" smtClean="0"/>
+              <a:t> </a:t>
+            </a:r>
+            <a:r>
+              <a:rPr kumimoji="1" lang="en-US" altLang="zh-CN" dirty="0" smtClean="0"/>
+              <a:t>push</a:t>
+            </a:r>
+            <a:r>
+              <a:rPr kumimoji="1" lang="zh-CN" altLang="en-US" dirty="0" smtClean="0"/>
+              <a:t> 默认不会推送 </a:t>
+            </a:r>
+            <a:r>
+              <a:rPr kumimoji="1" lang="en-US" altLang="zh-CN" dirty="0" smtClean="0"/>
+              <a:t>tag</a:t>
+            </a:r>
+            <a:r>
+              <a:rPr kumimoji="1" lang="zh-CN" altLang="en-US" dirty="0" smtClean="0"/>
+              <a:t> 到远程仓库，需要显示将标签推送到远程仓库</a:t>
+            </a:r>
+            <a:endParaRPr kumimoji="1" lang="en-US" altLang="zh-CN" dirty="0" smtClean="0"/>
+          </a:p>
+          <a:p>
+            <a:r>
+              <a:rPr kumimoji="1" lang="en-US" altLang="zh-CN" dirty="0" err="1" smtClean="0"/>
+              <a:t>git</a:t>
+            </a:r>
+            <a:r>
+              <a:rPr kumimoji="1" lang="zh-CN" altLang="en-US" dirty="0" smtClean="0"/>
+              <a:t> </a:t>
+            </a:r>
+            <a:r>
+              <a:rPr kumimoji="1" lang="en-US" altLang="zh-CN" dirty="0" smtClean="0"/>
+              <a:t>push</a:t>
+            </a:r>
+            <a:r>
+              <a:rPr kumimoji="1" lang="zh-CN" altLang="en-US" dirty="0" smtClean="0"/>
+              <a:t> </a:t>
+            </a:r>
+            <a:r>
+              <a:rPr kumimoji="1" lang="en-US" altLang="zh-CN" dirty="0" smtClean="0"/>
+              <a:t>origin</a:t>
+            </a:r>
+            <a:r>
+              <a:rPr kumimoji="1" lang="zh-CN" altLang="en-US" dirty="0" smtClean="0"/>
+              <a:t> </a:t>
+            </a:r>
+            <a:r>
+              <a:rPr kumimoji="1" lang="en-US" altLang="zh-CN" dirty="0" smtClean="0"/>
+              <a:t>&lt;</a:t>
+            </a:r>
+            <a:r>
+              <a:rPr kumimoji="1" lang="zh-CN" altLang="en-US" dirty="0" smtClean="0"/>
+              <a:t>标签名称</a:t>
+            </a:r>
+            <a:r>
+              <a:rPr kumimoji="1" lang="en-US" altLang="zh-CN" dirty="0" smtClean="0"/>
+              <a:t>&gt;</a:t>
+            </a:r>
+          </a:p>
+        </p:txBody>
+      </p:sp>
+    </p:spTree>
+    <p:extLst>
+      <p:ext uri="{BB962C8B-B14F-4D97-AF65-F5344CB8AC3E}">
+        <p14:creationId xmlns:p14="http://schemas.microsoft.com/office/powerpoint/2010/main" val="791686024"/>
+      </p:ext>
+    </p:extLst>
+  </p:cSld>
+  <p:clrMapOvr>
+    <a:masterClrMapping/>
+  </p:clrMapOvr>
+</p:sld>
+</file>
+
+<file path=ppt/slides/slide43.xml><?xml version="1.0" encoding="utf-8"?>
+<p:sld xmlns:a="http://schemas.openxmlformats.org/drawingml/2006/main" xmlns:r="http://schemas.openxmlformats.org/officeDocument/2006/relationships" xmlns:p="http://schemas.openxmlformats.org/presentationml/2006/main">
+  <p:cSld>
+    <p:spTree>
+      <p:nvGrpSpPr>
+        <p:cNvPr id="1" name=""/>
+        <p:cNvGrpSpPr/>
+        <p:nvPr/>
+      </p:nvGrpSpPr>
+      <p:grpSpPr>
+        <a:xfrm>
+          <a:off x="0" y="0"/>
+          <a:ext cx="0" cy="0"/>
+          <a:chOff x="0" y="0"/>
+          <a:chExt cx="0" cy="0"/>
+        </a:xfrm>
+      </p:grpSpPr>
+      <p:sp>
+        <p:nvSpPr>
+          <p:cNvPr id="2" name="标题 1"/>
+          <p:cNvSpPr>
+            <a:spLocks noGrp="1"/>
+          </p:cNvSpPr>
+          <p:nvPr>
+            <p:ph type="title"/>
+          </p:nvPr>
+        </p:nvSpPr>
+        <p:spPr/>
+        <p:txBody>
+          <a:bodyPr/>
+          <a:lstStyle/>
+          <a:p>
+            <a:pPr algn="l"/>
+            <a:r>
+              <a:rPr kumimoji="1" lang="en-US" altLang="zh-CN" dirty="0" smtClean="0"/>
+              <a:t>4.</a:t>
+            </a:r>
+            <a:r>
+              <a:rPr kumimoji="1" lang="zh-CN" altLang="en-US" dirty="0"/>
+              <a:t> </a:t>
+            </a:r>
+            <a:r>
+              <a:rPr kumimoji="1" lang="zh-CN" altLang="en-US" dirty="0" smtClean="0"/>
+              <a:t>删除标签</a:t>
+            </a:r>
+            <a:endParaRPr kumimoji="1" lang="zh-CN" altLang="en-US" dirty="0"/>
+          </a:p>
+        </p:txBody>
+      </p:sp>
+      <p:sp>
+        <p:nvSpPr>
+          <p:cNvPr id="3" name="内容占位符 2"/>
+          <p:cNvSpPr>
+            <a:spLocks noGrp="1"/>
+          </p:cNvSpPr>
+          <p:nvPr>
+            <p:ph idx="1"/>
+          </p:nvPr>
+        </p:nvSpPr>
+        <p:spPr/>
+        <p:txBody>
+          <a:bodyPr/>
+          <a:lstStyle/>
+          <a:p>
+            <a:r>
+              <a:rPr kumimoji="1" lang="zh-CN" altLang="en-US" dirty="0" smtClean="0"/>
+              <a:t>删除本地标签</a:t>
+            </a:r>
+            <a:endParaRPr kumimoji="1" lang="en-US" altLang="zh-CN" dirty="0" smtClean="0"/>
+          </a:p>
+          <a:p>
+            <a:r>
+              <a:rPr kumimoji="1" lang="en-US" altLang="zh-CN" dirty="0" err="1" smtClean="0"/>
+              <a:t>git</a:t>
+            </a:r>
+            <a:r>
+              <a:rPr kumimoji="1" lang="zh-CN" altLang="en-US" dirty="0" smtClean="0"/>
+              <a:t> </a:t>
+            </a:r>
+            <a:r>
+              <a:rPr kumimoji="1" lang="en-US" altLang="zh-CN" dirty="0" smtClean="0"/>
+              <a:t>tag</a:t>
+            </a:r>
+            <a:r>
+              <a:rPr kumimoji="1" lang="zh-CN" altLang="en-US" dirty="0" smtClean="0"/>
+              <a:t> </a:t>
+            </a:r>
+            <a:r>
+              <a:rPr kumimoji="1" lang="mr-IN" altLang="zh-CN" dirty="0" smtClean="0"/>
+              <a:t>–</a:t>
+            </a:r>
+            <a:r>
+              <a:rPr kumimoji="1" lang="en-US" altLang="zh-CN" dirty="0" smtClean="0"/>
+              <a:t>d</a:t>
+            </a:r>
+            <a:r>
+              <a:rPr kumimoji="1" lang="zh-CN" altLang="en-US" dirty="0" smtClean="0"/>
+              <a:t> </a:t>
+            </a:r>
+            <a:r>
+              <a:rPr kumimoji="1" lang="en-US" altLang="zh-CN" dirty="0" smtClean="0"/>
+              <a:t>&lt;</a:t>
+            </a:r>
+            <a:r>
+              <a:rPr kumimoji="1" lang="zh-CN" altLang="en-US" dirty="0" smtClean="0"/>
+              <a:t>标签名称</a:t>
+            </a:r>
+            <a:r>
+              <a:rPr kumimoji="1" lang="en-US" altLang="zh-CN" dirty="0" smtClean="0"/>
+              <a:t>&gt;</a:t>
+            </a:r>
+          </a:p>
+          <a:p>
+            <a:endParaRPr kumimoji="1" lang="en-US" altLang="zh-CN" dirty="0"/>
+          </a:p>
+          <a:p>
+            <a:r>
+              <a:rPr kumimoji="1" lang="zh-CN" altLang="en-US" dirty="0" smtClean="0"/>
+              <a:t>删除远程仓库标签</a:t>
+            </a:r>
+            <a:endParaRPr kumimoji="1" lang="en-US" altLang="zh-CN" dirty="0" smtClean="0"/>
+          </a:p>
+          <a:p>
+            <a:r>
+              <a:rPr lang="en-US" altLang="zh-CN" dirty="0" err="1"/>
+              <a:t>git</a:t>
+            </a:r>
+            <a:r>
+              <a:rPr lang="en-US" altLang="zh-CN" dirty="0"/>
+              <a:t> push origin :refs/tags/v0.9</a:t>
+            </a:r>
+            <a:endParaRPr kumimoji="1" lang="zh-CN" altLang="en-US" dirty="0"/>
+          </a:p>
+        </p:txBody>
+      </p:sp>
+    </p:spTree>
+    <p:extLst>
+      <p:ext uri="{BB962C8B-B14F-4D97-AF65-F5344CB8AC3E}">
+        <p14:creationId xmlns:p14="http://schemas.microsoft.com/office/powerpoint/2010/main" val="58328556"/>
+      </p:ext>
+    </p:extLst>
+  </p:cSld>
+  <p:clrMapOvr>
+    <a:masterClrMapping/>
+  </p:clrMapOvr>
 </p:sld>
 </file>
 
@@ -14552,8 +15261,16 @@
           <a:lstStyle/>
           <a:p>
             <a:r>
+              <a:rPr lang="zh-CN" altLang="en-US" dirty="0" smtClean="0"/>
+              <a:t>二、</a:t>
+            </a:r>
+            <a:r>
+              <a:rPr lang="en-US" altLang="zh-CN" dirty="0" err="1" smtClean="0"/>
+              <a:t>Git</a:t>
+            </a:r>
+            <a:r>
               <a:rPr lang="en-US" altLang="zh-CN" dirty="0" smtClean="0"/>
-              <a:t>Git </a:t>
+              <a:t> </a:t>
             </a:r>
             <a:r>
               <a:rPr lang="zh-CN" altLang="en-US" dirty="0" smtClean="0"/>

--- a/Git.pptx
+++ b/Git.pptx
@@ -8736,7 +8736,19 @@
           <a:p>
             <a:r>
               <a:rPr lang="en-US" altLang="zh-CN" dirty="0" smtClean="0"/>
-              <a:t>Git </a:t>
+              <a:t>1.</a:t>
+            </a:r>
+            <a:r>
+              <a:rPr lang="zh-CN" altLang="en-US" dirty="0" smtClean="0"/>
+              <a:t> </a:t>
+            </a:r>
+            <a:r>
+              <a:rPr lang="en-US" altLang="zh-CN" dirty="0" err="1" smtClean="0"/>
+              <a:t>Git</a:t>
+            </a:r>
+            <a:r>
+              <a:rPr lang="en-US" altLang="zh-CN" dirty="0" smtClean="0"/>
+              <a:t> </a:t>
             </a:r>
             <a:r>
               <a:rPr lang="zh-CN" altLang="en-US" dirty="0" smtClean="0"/>
@@ -8747,7 +8759,19 @@
           <a:p>
             <a:r>
               <a:rPr lang="en-US" altLang="zh-CN" dirty="0" smtClean="0"/>
-              <a:t>Git </a:t>
+              <a:t>2.</a:t>
+            </a:r>
+            <a:r>
+              <a:rPr lang="zh-CN" altLang="en-US" dirty="0" smtClean="0"/>
+              <a:t> </a:t>
+            </a:r>
+            <a:r>
+              <a:rPr lang="en-US" altLang="zh-CN" dirty="0" err="1" smtClean="0"/>
+              <a:t>Git</a:t>
+            </a:r>
+            <a:r>
+              <a:rPr lang="en-US" altLang="zh-CN" dirty="0" smtClean="0"/>
+              <a:t> </a:t>
             </a:r>
             <a:r>
               <a:rPr lang="zh-CN" altLang="en-US" dirty="0" smtClean="0"/>
@@ -8757,8 +8781,16 @@
           </a:p>
           <a:p>
             <a:r>
+              <a:rPr lang="en-US" altLang="zh-CN" dirty="0" smtClean="0"/>
+              <a:t>3.</a:t>
+            </a:r>
+            <a:r>
               <a:rPr lang="zh-CN" altLang="en-US" dirty="0" smtClean="0"/>
-              <a:t>一些常用命令</a:t>
+              <a:t> 一些</a:t>
+            </a:r>
+            <a:r>
+              <a:rPr lang="zh-CN" altLang="en-US" dirty="0" smtClean="0"/>
+              <a:t>常用命令</a:t>
             </a:r>
             <a:endParaRPr lang="en-US" altLang="zh-CN" dirty="0" smtClean="0"/>
           </a:p>
@@ -8819,7 +8851,19 @@
             <a:pPr algn="l"/>
             <a:r>
               <a:rPr lang="en-US" altLang="zh-CN" dirty="0" smtClean="0"/>
-              <a:t>Git </a:t>
+              <a:t>1.</a:t>
+            </a:r>
+            <a:r>
+              <a:rPr lang="zh-CN" altLang="en-US" dirty="0" smtClean="0"/>
+              <a:t> </a:t>
+            </a:r>
+            <a:r>
+              <a:rPr lang="en-US" altLang="zh-CN" dirty="0" err="1" smtClean="0"/>
+              <a:t>Git</a:t>
+            </a:r>
+            <a:r>
+              <a:rPr lang="en-US" altLang="zh-CN" dirty="0" smtClean="0"/>
+              <a:t> </a:t>
             </a:r>
             <a:r>
               <a:rPr lang="zh-CN" altLang="en-US" dirty="0" smtClean="0"/>
@@ -8905,7 +8949,12 @@
             <p:ph type="title"/>
           </p:nvPr>
         </p:nvSpPr>
-        <p:spPr/>
+        <p:spPr>
+          <a:xfrm>
+            <a:off x="457200" y="260648"/>
+            <a:ext cx="8229600" cy="1143000"/>
+          </a:xfrm>
+        </p:spPr>
         <p:txBody>
           <a:bodyPr/>
           <a:lstStyle/>
@@ -8913,7 +8962,19 @@
             <a:pPr algn="l"/>
             <a:r>
               <a:rPr lang="en-US" altLang="zh-CN" dirty="0" smtClean="0"/>
-              <a:t>Git </a:t>
+              <a:t>2.</a:t>
+            </a:r>
+            <a:r>
+              <a:rPr lang="zh-CN" altLang="en-US" dirty="0" smtClean="0"/>
+              <a:t> </a:t>
+            </a:r>
+            <a:r>
+              <a:rPr lang="en-US" altLang="zh-CN" dirty="0" err="1" smtClean="0"/>
+              <a:t>Git</a:t>
+            </a:r>
+            <a:r>
+              <a:rPr lang="en-US" altLang="zh-CN" dirty="0" smtClean="0"/>
+              <a:t> </a:t>
             </a:r>
             <a:r>
               <a:rPr lang="zh-CN" altLang="en-US" dirty="0" smtClean="0"/>
@@ -9222,7 +9283,19 @@
             <a:pPr algn="l"/>
             <a:r>
               <a:rPr lang="en-US" altLang="zh-CN" dirty="0" smtClean="0"/>
-              <a:t>Git </a:t>
+              <a:t>3.</a:t>
+            </a:r>
+            <a:r>
+              <a:rPr lang="zh-CN" altLang="en-US" dirty="0" smtClean="0"/>
+              <a:t> </a:t>
+            </a:r>
+            <a:r>
+              <a:rPr lang="en-US" altLang="zh-CN" dirty="0" err="1" smtClean="0"/>
+              <a:t>Git</a:t>
+            </a:r>
+            <a:r>
+              <a:rPr lang="en-US" altLang="zh-CN" dirty="0" smtClean="0"/>
+              <a:t> </a:t>
             </a:r>
             <a:r>
               <a:rPr lang="zh-CN" altLang="en-US" dirty="0" smtClean="0"/>
@@ -9989,8 +10062,16 @@
           <a:p>
             <a:pPr algn="l"/>
             <a:r>
+              <a:rPr lang="en-US" altLang="zh-CN" dirty="0" smtClean="0"/>
+              <a:t>3.</a:t>
+            </a:r>
+            <a:r>
               <a:rPr lang="zh-CN" altLang="en-US" dirty="0" smtClean="0"/>
-              <a:t>一些常用命令</a:t>
+              <a:t> 一些</a:t>
+            </a:r>
+            <a:r>
+              <a:rPr lang="zh-CN" altLang="en-US" dirty="0" smtClean="0"/>
+              <a:t>常用命令</a:t>
             </a:r>
             <a:endParaRPr lang="zh-CN" altLang="en-US" dirty="0"/>
           </a:p>
@@ -11172,7 +11253,19 @@
           <a:p>
             <a:r>
               <a:rPr lang="en-US" altLang="zh-CN" dirty="0" smtClean="0"/>
-              <a:t>Git </a:t>
+              <a:t>1.</a:t>
+            </a:r>
+            <a:r>
+              <a:rPr lang="zh-CN" altLang="en-US" dirty="0" smtClean="0"/>
+              <a:t> </a:t>
+            </a:r>
+            <a:r>
+              <a:rPr lang="en-US" altLang="zh-CN" dirty="0" err="1" smtClean="0"/>
+              <a:t>Git</a:t>
+            </a:r>
+            <a:r>
+              <a:rPr lang="en-US" altLang="zh-CN" dirty="0" smtClean="0"/>
+              <a:t> </a:t>
             </a:r>
             <a:r>
               <a:rPr lang="zh-CN" altLang="en-US" dirty="0" smtClean="0"/>
@@ -11183,7 +11276,19 @@
           <a:p>
             <a:r>
               <a:rPr lang="en-US" altLang="zh-CN" dirty="0" smtClean="0"/>
-              <a:t>Git </a:t>
+              <a:t>2.</a:t>
+            </a:r>
+            <a:r>
+              <a:rPr lang="zh-CN" altLang="en-US" dirty="0" smtClean="0"/>
+              <a:t> </a:t>
+            </a:r>
+            <a:r>
+              <a:rPr lang="en-US" altLang="zh-CN" dirty="0" err="1" smtClean="0"/>
+              <a:t>Git</a:t>
+            </a:r>
+            <a:r>
+              <a:rPr lang="en-US" altLang="zh-CN" dirty="0" smtClean="0"/>
+              <a:t> </a:t>
             </a:r>
             <a:r>
               <a:rPr lang="zh-CN" altLang="en-US" dirty="0" smtClean="0"/>
@@ -11193,15 +11298,31 @@
           </a:p>
           <a:p>
             <a:r>
+              <a:rPr lang="en-US" altLang="zh-CN" dirty="0" smtClean="0"/>
+              <a:t>3.</a:t>
+            </a:r>
+            <a:r>
               <a:rPr lang="zh-CN" altLang="en-US" dirty="0" smtClean="0"/>
-              <a:t>分支合并与合并冲突</a:t>
+              <a:t> 分支</a:t>
+            </a:r>
+            <a:r>
+              <a:rPr lang="zh-CN" altLang="en-US" dirty="0" smtClean="0"/>
+              <a:t>合并与合并冲突</a:t>
             </a:r>
             <a:endParaRPr lang="en-US" altLang="zh-CN" dirty="0" smtClean="0"/>
           </a:p>
           <a:p>
             <a:r>
+              <a:rPr lang="en-US" altLang="zh-CN" dirty="0" smtClean="0"/>
+              <a:t>4.</a:t>
+            </a:r>
+            <a:r>
               <a:rPr lang="zh-CN" altLang="en-US" dirty="0" smtClean="0"/>
-              <a:t>一些常用命令</a:t>
+              <a:t> 一些</a:t>
+            </a:r>
+            <a:r>
+              <a:rPr lang="zh-CN" altLang="en-US" dirty="0" smtClean="0"/>
+              <a:t>常用命令</a:t>
             </a:r>
             <a:endParaRPr lang="zh-CN" altLang="en-US" dirty="0"/>
           </a:p>
@@ -11262,7 +11383,19 @@
             <a:pPr algn="l"/>
             <a:r>
               <a:rPr lang="en-US" altLang="zh-CN" dirty="0" smtClean="0"/>
-              <a:t>Git </a:t>
+              <a:t>2.</a:t>
+            </a:r>
+            <a:r>
+              <a:rPr lang="zh-CN" altLang="en-US" dirty="0" smtClean="0"/>
+              <a:t> </a:t>
+            </a:r>
+            <a:r>
+              <a:rPr lang="en-US" altLang="zh-CN" dirty="0" err="1" smtClean="0"/>
+              <a:t>Git</a:t>
+            </a:r>
+            <a:r>
+              <a:rPr lang="en-US" altLang="zh-CN" dirty="0" smtClean="0"/>
+              <a:t> </a:t>
             </a:r>
             <a:r>
               <a:rPr lang="zh-CN" altLang="en-US" dirty="0" smtClean="0"/>
@@ -11644,8 +11777,16 @@
           <a:p>
             <a:pPr algn="l"/>
             <a:r>
+              <a:rPr lang="en-US" altLang="zh-CN" dirty="0" smtClean="0"/>
+              <a:t>3.</a:t>
+            </a:r>
+            <a:r>
               <a:rPr lang="zh-CN" altLang="en-US" dirty="0" smtClean="0"/>
-              <a:t>分支合并与合并冲突</a:t>
+              <a:t> 分支</a:t>
+            </a:r>
+            <a:r>
+              <a:rPr lang="zh-CN" altLang="en-US" dirty="0" smtClean="0"/>
+              <a:t>合并与合并冲突</a:t>
             </a:r>
             <a:endParaRPr lang="zh-CN" altLang="en-US" dirty="0"/>
           </a:p>
@@ -11990,7 +12131,19 @@
           <a:p>
             <a:r>
               <a:rPr lang="en-US" altLang="zh-CN" dirty="0" smtClean="0"/>
-              <a:t>Git </a:t>
+              <a:t>1.</a:t>
+            </a:r>
+            <a:r>
+              <a:rPr lang="zh-CN" altLang="en-US" dirty="0" smtClean="0"/>
+              <a:t> </a:t>
+            </a:r>
+            <a:r>
+              <a:rPr lang="en-US" altLang="zh-CN" dirty="0" err="1" smtClean="0"/>
+              <a:t>Git</a:t>
+            </a:r>
+            <a:r>
+              <a:rPr lang="en-US" altLang="zh-CN" dirty="0" smtClean="0"/>
+              <a:t> </a:t>
             </a:r>
             <a:r>
               <a:rPr lang="zh-CN" altLang="en-US" dirty="0" smtClean="0"/>
@@ -12000,6 +12153,14 @@
           </a:p>
           <a:p>
             <a:r>
+              <a:rPr lang="en-US" altLang="zh-CN" dirty="0" smtClean="0"/>
+              <a:t>2.</a:t>
+            </a:r>
+            <a:r>
+              <a:rPr lang="zh-CN" altLang="en-US" dirty="0" smtClean="0"/>
+              <a:t> </a:t>
+            </a:r>
+            <a:r>
               <a:rPr lang="en-US" altLang="zh-CN" dirty="0" err="1" smtClean="0"/>
               <a:t>Git</a:t>
             </a:r>
@@ -12016,7 +12177,23 @@
           <a:p>
             <a:r>
               <a:rPr lang="en-US" altLang="zh-CN" dirty="0" smtClean="0"/>
-              <a:t>Git VS SVN</a:t>
+              <a:t>3.</a:t>
+            </a:r>
+            <a:r>
+              <a:rPr lang="zh-CN" altLang="en-US" dirty="0" smtClean="0"/>
+              <a:t> </a:t>
+            </a:r>
+            <a:r>
+              <a:rPr lang="en-US" altLang="zh-CN" dirty="0" err="1" smtClean="0"/>
+              <a:t>Git</a:t>
+            </a:r>
+            <a:r>
+              <a:rPr lang="en-US" altLang="zh-CN" dirty="0" smtClean="0"/>
+              <a:t> </a:t>
+            </a:r>
+            <a:r>
+              <a:rPr lang="en-US" altLang="zh-CN" dirty="0" smtClean="0"/>
+              <a:t>VS SVN</a:t>
             </a:r>
           </a:p>
           <a:p>
@@ -12081,8 +12258,16 @@
           <a:p>
             <a:pPr algn="l"/>
             <a:r>
+              <a:rPr lang="en-US" altLang="zh-CN" dirty="0" smtClean="0"/>
+              <a:t>4.</a:t>
+            </a:r>
+            <a:r>
               <a:rPr lang="zh-CN" altLang="en-US" dirty="0" smtClean="0"/>
-              <a:t>一些常用命令</a:t>
+              <a:t> 一些</a:t>
+            </a:r>
+            <a:r>
+              <a:rPr lang="zh-CN" altLang="en-US" dirty="0" smtClean="0"/>
+              <a:t>常用命令</a:t>
             </a:r>
             <a:endParaRPr lang="zh-CN" altLang="en-US" dirty="0"/>
           </a:p>
@@ -12314,15 +12499,31 @@
           <a:lstStyle/>
           <a:p>
             <a:r>
+              <a:rPr lang="en-US" altLang="zh-CN" dirty="0" smtClean="0"/>
+              <a:t>1.</a:t>
+            </a:r>
+            <a:r>
               <a:rPr lang="zh-CN" altLang="en-US" dirty="0" smtClean="0"/>
-              <a:t>远程仓库与本地仓库的关系</a:t>
+              <a:t> 远程</a:t>
+            </a:r>
+            <a:r>
+              <a:rPr lang="zh-CN" altLang="en-US" dirty="0" smtClean="0"/>
+              <a:t>仓库与本地仓库的关系</a:t>
             </a:r>
             <a:endParaRPr lang="en-US" altLang="zh-CN" dirty="0" smtClean="0"/>
           </a:p>
           <a:p>
             <a:r>
+              <a:rPr lang="en-US" altLang="zh-CN" dirty="0" smtClean="0"/>
+              <a:t>2.</a:t>
+            </a:r>
+            <a:r>
               <a:rPr lang="zh-CN" altLang="en-US" dirty="0" smtClean="0"/>
-              <a:t>操作远程仓库的五个命令</a:t>
+              <a:t> 操作</a:t>
+            </a:r>
+            <a:r>
+              <a:rPr lang="zh-CN" altLang="en-US" dirty="0" smtClean="0"/>
+              <a:t>远程仓库的五个命令</a:t>
             </a:r>
             <a:endParaRPr lang="en-US" altLang="zh-CN" dirty="0" smtClean="0"/>
           </a:p>
@@ -12375,7 +12576,12 @@
             <p:ph type="title"/>
           </p:nvPr>
         </p:nvSpPr>
-        <p:spPr/>
+        <p:spPr>
+          <a:xfrm>
+            <a:off x="457200" y="260648"/>
+            <a:ext cx="8229600" cy="1143000"/>
+          </a:xfrm>
+        </p:spPr>
         <p:txBody>
           <a:bodyPr>
             <a:normAutofit/>
@@ -12385,7 +12591,19 @@
             <a:pPr algn="l"/>
             <a:r>
               <a:rPr lang="en-US" altLang="zh-CN" dirty="0" smtClean="0"/>
-              <a:t>Git </a:t>
+              <a:t>1.</a:t>
+            </a:r>
+            <a:r>
+              <a:rPr lang="zh-CN" altLang="en-US" dirty="0" smtClean="0"/>
+              <a:t> </a:t>
+            </a:r>
+            <a:r>
+              <a:rPr lang="en-US" altLang="zh-CN" dirty="0" err="1" smtClean="0"/>
+              <a:t>Git</a:t>
+            </a:r>
+            <a:r>
+              <a:rPr lang="en-US" altLang="zh-CN" dirty="0" smtClean="0"/>
+              <a:t> </a:t>
             </a:r>
             <a:r>
               <a:rPr lang="zh-CN" altLang="en-US" dirty="0" smtClean="0"/>
@@ -12478,8 +12696,16 @@
           <a:p>
             <a:pPr algn="l"/>
             <a:r>
+              <a:rPr lang="en-US" altLang="zh-CN" dirty="0"/>
+              <a:t>2</a:t>
+            </a:r>
+            <a:r>
+              <a:rPr lang="en-US" altLang="zh-CN" smtClean="0"/>
+              <a:t>.</a:t>
+            </a:r>
+            <a:r>
               <a:rPr lang="zh-CN" altLang="en-US" dirty="0" smtClean="0"/>
-              <a:t>操作远程仓库的五个命令</a:t>
+              <a:t> 操作远程仓库的五个命令</a:t>
             </a:r>
             <a:endParaRPr lang="zh-CN" altLang="en-US" dirty="0"/>
           </a:p>
@@ -14008,7 +14234,7 @@
               <a:t>4.</a:t>
             </a:r>
             <a:r>
-              <a:rPr kumimoji="1" lang="zh-CN" altLang="en-US" smtClean="0"/>
+              <a:rPr kumimoji="1" lang="zh-CN" altLang="en-US" dirty="0" smtClean="0"/>
               <a:t> 删除标签</a:t>
             </a:r>
             <a:endParaRPr kumimoji="1" lang="zh-CN" altLang="en-US" dirty="0"/>
@@ -14063,7 +14289,19 @@
             <a:pPr algn="l"/>
             <a:r>
               <a:rPr lang="en-US" altLang="zh-CN" dirty="0" smtClean="0"/>
-              <a:t>Git </a:t>
+              <a:t>1.</a:t>
+            </a:r>
+            <a:r>
+              <a:rPr lang="zh-CN" altLang="en-US" dirty="0" smtClean="0"/>
+              <a:t> </a:t>
+            </a:r>
+            <a:r>
+              <a:rPr lang="en-US" altLang="zh-CN" dirty="0" err="1" smtClean="0"/>
+              <a:t>Git</a:t>
+            </a:r>
+            <a:r>
+              <a:rPr lang="en-US" altLang="zh-CN" dirty="0" smtClean="0"/>
+              <a:t> </a:t>
             </a:r>
             <a:r>
               <a:rPr lang="zh-CN" altLang="en-US" dirty="0" smtClean="0"/>
@@ -14803,7 +15041,19 @@
             <a:pPr algn="l"/>
             <a:r>
               <a:rPr lang="en-US" altLang="zh-CN" dirty="0" smtClean="0"/>
-              <a:t>Git </a:t>
+              <a:t>2.</a:t>
+            </a:r>
+            <a:r>
+              <a:rPr lang="zh-CN" altLang="en-US" dirty="0" smtClean="0"/>
+              <a:t> </a:t>
+            </a:r>
+            <a:r>
+              <a:rPr lang="en-US" altLang="zh-CN" dirty="0" err="1" smtClean="0"/>
+              <a:t>Git</a:t>
+            </a:r>
+            <a:r>
+              <a:rPr lang="en-US" altLang="zh-CN" dirty="0" smtClean="0"/>
+              <a:t> </a:t>
             </a:r>
             <a:r>
               <a:rPr lang="zh-CN" altLang="en-US" dirty="0" smtClean="0"/>
@@ -14980,7 +15230,23 @@
             <a:pPr algn="l"/>
             <a:r>
               <a:rPr lang="en-US" altLang="zh-CN" dirty="0" smtClean="0"/>
-              <a:t>Git VS SVN</a:t>
+              <a:t>3.</a:t>
+            </a:r>
+            <a:r>
+              <a:rPr lang="zh-CN" altLang="en-US" dirty="0" smtClean="0"/>
+              <a:t> </a:t>
+            </a:r>
+            <a:r>
+              <a:rPr lang="en-US" altLang="zh-CN" dirty="0" err="1" smtClean="0"/>
+              <a:t>Git</a:t>
+            </a:r>
+            <a:r>
+              <a:rPr lang="en-US" altLang="zh-CN" dirty="0" smtClean="0"/>
+              <a:t> </a:t>
+            </a:r>
+            <a:r>
+              <a:rPr lang="en-US" altLang="zh-CN" dirty="0" smtClean="0"/>
+              <a:t>VS SVN</a:t>
             </a:r>
             <a:endParaRPr lang="zh-CN" altLang="en-US" dirty="0"/>
           </a:p>
@@ -15297,7 +15563,19 @@
           <a:p>
             <a:r>
               <a:rPr lang="en-US" altLang="zh-CN" dirty="0" smtClean="0"/>
-              <a:t>Git </a:t>
+              <a:t>1.</a:t>
+            </a:r>
+            <a:r>
+              <a:rPr lang="zh-CN" altLang="en-US" dirty="0" smtClean="0"/>
+              <a:t> </a:t>
+            </a:r>
+            <a:r>
+              <a:rPr lang="en-US" altLang="zh-CN" dirty="0" err="1" smtClean="0"/>
+              <a:t>Git</a:t>
+            </a:r>
+            <a:r>
+              <a:rPr lang="en-US" altLang="zh-CN" dirty="0" smtClean="0"/>
+              <a:t> </a:t>
             </a:r>
             <a:r>
               <a:rPr lang="zh-CN" altLang="en-US" dirty="0" smtClean="0"/>
@@ -15308,7 +15586,19 @@
           <a:p>
             <a:r>
               <a:rPr lang="en-US" altLang="zh-CN" dirty="0" smtClean="0"/>
-              <a:t>Git </a:t>
+              <a:t>2.</a:t>
+            </a:r>
+            <a:r>
+              <a:rPr lang="zh-CN" altLang="en-US" dirty="0" smtClean="0"/>
+              <a:t> </a:t>
+            </a:r>
+            <a:r>
+              <a:rPr lang="en-US" altLang="zh-CN" dirty="0" err="1" smtClean="0"/>
+              <a:t>Git</a:t>
+            </a:r>
+            <a:r>
+              <a:rPr lang="en-US" altLang="zh-CN" dirty="0" smtClean="0"/>
+              <a:t> </a:t>
             </a:r>
             <a:r>
               <a:rPr lang="zh-CN" altLang="en-US" dirty="0" smtClean="0"/>
@@ -15379,7 +15669,19 @@
             <a:pPr algn="l"/>
             <a:r>
               <a:rPr lang="en-US" altLang="zh-CN" dirty="0" smtClean="0"/>
-              <a:t>Git </a:t>
+              <a:t>1.</a:t>
+            </a:r>
+            <a:r>
+              <a:rPr lang="zh-CN" altLang="en-US" dirty="0" smtClean="0"/>
+              <a:t> </a:t>
+            </a:r>
+            <a:r>
+              <a:rPr lang="en-US" altLang="zh-CN" dirty="0" err="1" smtClean="0"/>
+              <a:t>Git</a:t>
+            </a:r>
+            <a:r>
+              <a:rPr lang="en-US" altLang="zh-CN" dirty="0" smtClean="0"/>
+              <a:t> </a:t>
             </a:r>
             <a:r>
               <a:rPr lang="zh-CN" altLang="en-US" dirty="0" smtClean="0"/>
@@ -15696,8 +15998,20 @@
           <a:p>
             <a:pPr algn="l"/>
             <a:r>
-              <a:rPr lang="en-US" altLang="zh-CN" dirty="0"/>
-              <a:t>Git </a:t>
+              <a:rPr lang="en-US" altLang="zh-CN" dirty="0" smtClean="0"/>
+              <a:t>2.</a:t>
+            </a:r>
+            <a:r>
+              <a:rPr lang="zh-CN" altLang="en-US" dirty="0" smtClean="0"/>
+              <a:t> </a:t>
+            </a:r>
+            <a:r>
+              <a:rPr lang="en-US" altLang="zh-CN" dirty="0" err="1" smtClean="0"/>
+              <a:t>Git</a:t>
+            </a:r>
+            <a:r>
+              <a:rPr lang="en-US" altLang="zh-CN" dirty="0" smtClean="0"/>
+              <a:t> </a:t>
             </a:r>
             <a:r>
               <a:rPr lang="zh-CN" altLang="en-US" dirty="0"/>

--- a/Git.pptx
+++ b/Git.pptx
@@ -12700,7 +12700,7 @@
               <a:t>2</a:t>
             </a:r>
             <a:r>
-              <a:rPr lang="en-US" altLang="zh-CN" smtClean="0"/>
+              <a:rPr lang="en-US" altLang="zh-CN" dirty="0" smtClean="0"/>
               <a:t>.</a:t>
             </a:r>
             <a:r>
@@ -14946,11 +14946,11 @@
               <a:t> </a:t>
             </a:r>
             <a:r>
-              <a:rPr kumimoji="1" lang="mr-IN" altLang="zh-CN" dirty="0" smtClean="0"/>
-              <a:t>–</a:t>
-            </a:r>
-            <a:r>
-              <a:rPr kumimoji="1" lang="en-US" altLang="zh-CN" dirty="0" smtClean="0"/>
+              <a:rPr kumimoji="1" lang="en-US" altLang="zh-CN" dirty="0"/>
+              <a:t>-</a:t>
+            </a:r>
+            <a:r>
+              <a:rPr kumimoji="1" lang="en-US" altLang="zh-CN" smtClean="0"/>
               <a:t>d</a:t>
             </a:r>
             <a:r>

--- a/Git.pptx
+++ b/Git.pptx
@@ -5,7 +5,7 @@
     <p:sldMasterId id="2147483648" r:id="rId1"/>
   </p:sldMasterIdLst>
   <p:notesMasterIdLst>
-    <p:notesMasterId r:id="rId45"/>
+    <p:notesMasterId r:id="rId49"/>
   </p:notesMasterIdLst>
   <p:sldIdLst>
     <p:sldId id="256" r:id="rId2"/>
@@ -31,26 +31,30 @@
     <p:sldId id="282" r:id="rId22"/>
     <p:sldId id="283" r:id="rId23"/>
     <p:sldId id="268" r:id="rId24"/>
-    <p:sldId id="279" r:id="rId25"/>
-    <p:sldId id="284" r:id="rId26"/>
-    <p:sldId id="285" r:id="rId27"/>
-    <p:sldId id="286" r:id="rId28"/>
-    <p:sldId id="288" r:id="rId29"/>
-    <p:sldId id="289" r:id="rId30"/>
-    <p:sldId id="287" r:id="rId31"/>
-    <p:sldId id="269" r:id="rId32"/>
-    <p:sldId id="290" r:id="rId33"/>
-    <p:sldId id="291" r:id="rId34"/>
-    <p:sldId id="292" r:id="rId35"/>
-    <p:sldId id="294" r:id="rId36"/>
-    <p:sldId id="295" r:id="rId37"/>
-    <p:sldId id="296" r:id="rId38"/>
-    <p:sldId id="297" r:id="rId39"/>
-    <p:sldId id="298" r:id="rId40"/>
-    <p:sldId id="299" r:id="rId41"/>
-    <p:sldId id="300" r:id="rId42"/>
-    <p:sldId id="301" r:id="rId43"/>
-    <p:sldId id="302" r:id="rId44"/>
+    <p:sldId id="306" r:id="rId25"/>
+    <p:sldId id="305" r:id="rId26"/>
+    <p:sldId id="279" r:id="rId27"/>
+    <p:sldId id="284" r:id="rId28"/>
+    <p:sldId id="285" r:id="rId29"/>
+    <p:sldId id="286" r:id="rId30"/>
+    <p:sldId id="288" r:id="rId31"/>
+    <p:sldId id="289" r:id="rId32"/>
+    <p:sldId id="287" r:id="rId33"/>
+    <p:sldId id="269" r:id="rId34"/>
+    <p:sldId id="290" r:id="rId35"/>
+    <p:sldId id="291" r:id="rId36"/>
+    <p:sldId id="292" r:id="rId37"/>
+    <p:sldId id="294" r:id="rId38"/>
+    <p:sldId id="295" r:id="rId39"/>
+    <p:sldId id="296" r:id="rId40"/>
+    <p:sldId id="297" r:id="rId41"/>
+    <p:sldId id="298" r:id="rId42"/>
+    <p:sldId id="299" r:id="rId43"/>
+    <p:sldId id="300" r:id="rId44"/>
+    <p:sldId id="301" r:id="rId45"/>
+    <p:sldId id="302" r:id="rId46"/>
+    <p:sldId id="307" r:id="rId47"/>
+    <p:sldId id="308" r:id="rId48"/>
   </p:sldIdLst>
   <p:sldSz cx="9144000" cy="6858000" type="screen4x3"/>
   <p:notesSz cx="6858000" cy="9144000"/>
@@ -151,7 +155,7 @@
   </p:defaultTextStyle>
   <p:extLst>
     <p:ext uri="{EFAFB233-063F-42B5-8137-9DF3F51BA10A}">
-      <p15:sldGuideLst xmlns:p15="http://schemas.microsoft.com/office/powerpoint/2012/main">
+      <p15:sldGuideLst xmlns:p15="http://schemas.microsoft.com/office/powerpoint/2012/main" xmlns="">
         <p15:guide id="1" orient="horz" pos="2160">
           <p15:clr>
             <a:srgbClr val="A4A3A4"/>
@@ -250,7 +254,7 @@
           <a:p>
             <a:fld id="{68756859-F8E9-40CD-A6DB-0FF7431EF82C}" type="datetimeFigureOut">
               <a:rPr lang="zh-CN" altLang="en-US" smtClean="0"/>
-              <a:t>2018/7/9</a:t>
+              <a:t>2018/7/10</a:t>
             </a:fld>
             <a:endParaRPr lang="zh-CN" altLang="en-US"/>
           </a:p>
@@ -2440,7 +2444,7 @@
           <a:p>
             <a:fld id="{EE044C98-682F-4688-A6B8-967BE5448E40}" type="slidenum">
               <a:rPr lang="zh-CN" altLang="en-US" smtClean="0"/>
-              <a:t>27</a:t>
+              <a:t>29</a:t>
             </a:fld>
             <a:endParaRPr lang="zh-CN" altLang="en-US"/>
           </a:p>
@@ -2839,7 +2843,7 @@
           <a:p>
             <a:fld id="{EE044C98-682F-4688-A6B8-967BE5448E40}" type="slidenum">
               <a:rPr lang="zh-CN" altLang="en-US" smtClean="0"/>
-              <a:t>28</a:t>
+              <a:t>30</a:t>
             </a:fld>
             <a:endParaRPr lang="zh-CN" altLang="en-US"/>
           </a:p>
@@ -5556,7 +5560,7 @@
           <a:p>
             <a:fld id="{EE044C98-682F-4688-A6B8-967BE5448E40}" type="slidenum">
               <a:rPr lang="zh-CN" altLang="en-US" smtClean="0"/>
-              <a:t>29</a:t>
+              <a:t>31</a:t>
             </a:fld>
             <a:endParaRPr lang="zh-CN" altLang="en-US"/>
           </a:p>
@@ -5640,7 +5644,7 @@
           <a:p>
             <a:fld id="{EE044C98-682F-4688-A6B8-967BE5448E40}" type="slidenum">
               <a:rPr lang="zh-CN" altLang="en-US" smtClean="0"/>
-              <a:t>31</a:t>
+              <a:t>33</a:t>
             </a:fld>
             <a:endParaRPr lang="zh-CN" altLang="en-US"/>
           </a:p>
@@ -5840,7 +5844,7 @@
           <a:p>
             <a:fld id="{530820CF-B880-4189-942D-D702A7CBA730}" type="datetimeFigureOut">
               <a:rPr lang="zh-CN" altLang="en-US" smtClean="0"/>
-              <a:t>2018/7/9</a:t>
+              <a:t>2018/7/10</a:t>
             </a:fld>
             <a:endParaRPr lang="zh-CN" altLang="en-US"/>
           </a:p>
@@ -6005,7 +6009,7 @@
           <a:p>
             <a:fld id="{530820CF-B880-4189-942D-D702A7CBA730}" type="datetimeFigureOut">
               <a:rPr lang="zh-CN" altLang="en-US" smtClean="0"/>
-              <a:t>2018/7/9</a:t>
+              <a:t>2018/7/10</a:t>
             </a:fld>
             <a:endParaRPr lang="zh-CN" altLang="en-US"/>
           </a:p>
@@ -6180,7 +6184,7 @@
           <a:p>
             <a:fld id="{530820CF-B880-4189-942D-D702A7CBA730}" type="datetimeFigureOut">
               <a:rPr lang="zh-CN" altLang="en-US" smtClean="0"/>
-              <a:t>2018/7/9</a:t>
+              <a:t>2018/7/10</a:t>
             </a:fld>
             <a:endParaRPr lang="zh-CN" altLang="en-US"/>
           </a:p>
@@ -6345,7 +6349,7 @@
           <a:p>
             <a:fld id="{530820CF-B880-4189-942D-D702A7CBA730}" type="datetimeFigureOut">
               <a:rPr lang="zh-CN" altLang="en-US" smtClean="0"/>
-              <a:t>2018/7/9</a:t>
+              <a:t>2018/7/10</a:t>
             </a:fld>
             <a:endParaRPr lang="zh-CN" altLang="en-US"/>
           </a:p>
@@ -6586,7 +6590,7 @@
           <a:p>
             <a:fld id="{530820CF-B880-4189-942D-D702A7CBA730}" type="datetimeFigureOut">
               <a:rPr lang="zh-CN" altLang="en-US" smtClean="0"/>
-              <a:t>2018/7/9</a:t>
+              <a:t>2018/7/10</a:t>
             </a:fld>
             <a:endParaRPr lang="zh-CN" altLang="en-US"/>
           </a:p>
@@ -6869,7 +6873,7 @@
           <a:p>
             <a:fld id="{530820CF-B880-4189-942D-D702A7CBA730}" type="datetimeFigureOut">
               <a:rPr lang="zh-CN" altLang="en-US" smtClean="0"/>
-              <a:t>2018/7/9</a:t>
+              <a:t>2018/7/10</a:t>
             </a:fld>
             <a:endParaRPr lang="zh-CN" altLang="en-US"/>
           </a:p>
@@ -7286,7 +7290,7 @@
           <a:p>
             <a:fld id="{530820CF-B880-4189-942D-D702A7CBA730}" type="datetimeFigureOut">
               <a:rPr lang="zh-CN" altLang="en-US" smtClean="0"/>
-              <a:t>2018/7/9</a:t>
+              <a:t>2018/7/10</a:t>
             </a:fld>
             <a:endParaRPr lang="zh-CN" altLang="en-US"/>
           </a:p>
@@ -7399,7 +7403,7 @@
           <a:p>
             <a:fld id="{530820CF-B880-4189-942D-D702A7CBA730}" type="datetimeFigureOut">
               <a:rPr lang="zh-CN" altLang="en-US" smtClean="0"/>
-              <a:t>2018/7/9</a:t>
+              <a:t>2018/7/10</a:t>
             </a:fld>
             <a:endParaRPr lang="zh-CN" altLang="en-US"/>
           </a:p>
@@ -7489,7 +7493,7 @@
           <a:p>
             <a:fld id="{530820CF-B880-4189-942D-D702A7CBA730}" type="datetimeFigureOut">
               <a:rPr lang="zh-CN" altLang="en-US" smtClean="0"/>
-              <a:t>2018/7/9</a:t>
+              <a:t>2018/7/10</a:t>
             </a:fld>
             <a:endParaRPr lang="zh-CN" altLang="en-US"/>
           </a:p>
@@ -7761,7 +7765,7 @@
           <a:p>
             <a:fld id="{530820CF-B880-4189-942D-D702A7CBA730}" type="datetimeFigureOut">
               <a:rPr lang="zh-CN" altLang="en-US" smtClean="0"/>
-              <a:t>2018/7/9</a:t>
+              <a:t>2018/7/10</a:t>
             </a:fld>
             <a:endParaRPr lang="zh-CN" altLang="en-US"/>
           </a:p>
@@ -8009,7 +8013,7 @@
           <a:p>
             <a:fld id="{530820CF-B880-4189-942D-D702A7CBA730}" type="datetimeFigureOut">
               <a:rPr lang="zh-CN" altLang="en-US" smtClean="0"/>
-              <a:t>2018/7/9</a:t>
+              <a:t>2018/7/10</a:t>
             </a:fld>
             <a:endParaRPr lang="zh-CN" altLang="en-US"/>
           </a:p>
@@ -8217,7 +8221,7 @@
           <a:p>
             <a:fld id="{530820CF-B880-4189-942D-D702A7CBA730}" type="datetimeFigureOut">
               <a:rPr lang="zh-CN" altLang="en-US" smtClean="0"/>
-              <a:t>2018/7/9</a:t>
+              <a:t>2018/7/10</a:t>
             </a:fld>
             <a:endParaRPr lang="zh-CN" altLang="en-US"/>
           </a:p>
@@ -8605,14 +8609,14 @@
           <a:lstStyle/>
           <a:p>
             <a:r>
-              <a:rPr lang="zh-CN" altLang="en-US" sz="8800" dirty="0" smtClean="0"/>
+              <a:rPr lang="zh-CN" altLang="en-US" sz="8800" b="1" dirty="0" smtClean="0"/>
               <a:t>图解 </a:t>
             </a:r>
             <a:r>
-              <a:rPr lang="en-US" altLang="zh-CN" sz="8800" dirty="0" smtClean="0"/>
+              <a:rPr lang="en-US" altLang="zh-CN" sz="8800" b="1" dirty="0" smtClean="0"/>
               <a:t>Git</a:t>
             </a:r>
-            <a:endParaRPr lang="zh-CN" altLang="en-US" sz="8800" dirty="0"/>
+            <a:endParaRPr lang="zh-CN" altLang="en-US" sz="8800" b="1" dirty="0"/>
           </a:p>
         </p:txBody>
       </p:sp>
@@ -8734,14 +8738,10 @@
           <a:bodyPr/>
           <a:lstStyle/>
           <a:p>
-            <a:r>
-              <a:rPr lang="en-US" altLang="zh-CN" dirty="0" smtClean="0"/>
-              <a:t>1.</a:t>
-            </a:r>
-            <a:r>
-              <a:rPr lang="zh-CN" altLang="en-US" dirty="0" smtClean="0"/>
-              <a:t> </a:t>
-            </a:r>
+            <a:pPr marL="514350" indent="-514350">
+              <a:buFont typeface="+mj-lt"/>
+              <a:buAutoNum type="arabicPeriod"/>
+            </a:pPr>
             <a:r>
               <a:rPr lang="en-US" altLang="zh-CN" dirty="0" err="1" smtClean="0"/>
               <a:t>Git</a:t>
@@ -8757,14 +8757,10 @@
             <a:endParaRPr lang="en-US" altLang="zh-CN" dirty="0" smtClean="0"/>
           </a:p>
           <a:p>
-            <a:r>
-              <a:rPr lang="en-US" altLang="zh-CN" dirty="0" smtClean="0"/>
-              <a:t>2.</a:t>
-            </a:r>
-            <a:r>
-              <a:rPr lang="zh-CN" altLang="en-US" dirty="0" smtClean="0"/>
-              <a:t> </a:t>
-            </a:r>
+            <a:pPr marL="514350" indent="-514350">
+              <a:buFont typeface="+mj-lt"/>
+              <a:buAutoNum type="arabicPeriod"/>
+            </a:pPr>
             <a:r>
               <a:rPr lang="en-US" altLang="zh-CN" dirty="0" err="1" smtClean="0"/>
               <a:t>Git</a:t>
@@ -8780,13 +8776,13 @@
             <a:endParaRPr lang="en-US" altLang="zh-CN" dirty="0" smtClean="0"/>
           </a:p>
           <a:p>
-            <a:r>
-              <a:rPr lang="en-US" altLang="zh-CN" dirty="0" smtClean="0"/>
-              <a:t>3.</a:t>
-            </a:r>
+            <a:pPr marL="514350" indent="-514350">
+              <a:buFont typeface="+mj-lt"/>
+              <a:buAutoNum type="arabicPeriod"/>
+            </a:pPr>
             <a:r>
               <a:rPr lang="zh-CN" altLang="en-US" dirty="0" smtClean="0"/>
-              <a:t> 一些</a:t>
+              <a:t>一些</a:t>
             </a:r>
             <a:r>
               <a:rPr lang="zh-CN" altLang="en-US" dirty="0" smtClean="0"/>
@@ -8941,51 +8937,6 @@
       </p:grpSpPr>
       <p:sp>
         <p:nvSpPr>
-          <p:cNvPr id="2" name="标题 1"/>
-          <p:cNvSpPr>
-            <a:spLocks noGrp="1"/>
-          </p:cNvSpPr>
-          <p:nvPr>
-            <p:ph type="title"/>
-          </p:nvPr>
-        </p:nvSpPr>
-        <p:spPr>
-          <a:xfrm>
-            <a:off x="457200" y="260648"/>
-            <a:ext cx="8229600" cy="1143000"/>
-          </a:xfrm>
-        </p:spPr>
-        <p:txBody>
-          <a:bodyPr/>
-          <a:lstStyle/>
-          <a:p>
-            <a:pPr algn="l"/>
-            <a:r>
-              <a:rPr lang="en-US" altLang="zh-CN" dirty="0" smtClean="0"/>
-              <a:t>2.</a:t>
-            </a:r>
-            <a:r>
-              <a:rPr lang="zh-CN" altLang="en-US" dirty="0" smtClean="0"/>
-              <a:t> </a:t>
-            </a:r>
-            <a:r>
-              <a:rPr lang="en-US" altLang="zh-CN" dirty="0" err="1" smtClean="0"/>
-              <a:t>Git</a:t>
-            </a:r>
-            <a:r>
-              <a:rPr lang="en-US" altLang="zh-CN" dirty="0" smtClean="0"/>
-              <a:t> </a:t>
-            </a:r>
-            <a:r>
-              <a:rPr lang="zh-CN" altLang="en-US" dirty="0" smtClean="0"/>
-              <a:t>基本概念</a:t>
-            </a:r>
-            <a:endParaRPr lang="zh-CN" altLang="en-US" dirty="0"/>
-          </a:p>
-        </p:txBody>
-      </p:sp>
-      <p:sp>
-        <p:nvSpPr>
           <p:cNvPr id="3" name="内容占位符 2"/>
           <p:cNvSpPr>
             <a:spLocks noGrp="1"/>
@@ -8994,10 +8945,15 @@
             <p:ph idx="1"/>
           </p:nvPr>
         </p:nvSpPr>
-        <p:spPr/>
+        <p:spPr>
+          <a:xfrm>
+            <a:off x="457200" y="620688"/>
+            <a:ext cx="8229600" cy="5505475"/>
+          </a:xfrm>
+        </p:spPr>
         <p:txBody>
           <a:bodyPr>
-            <a:normAutofit fontScale="62500" lnSpcReduction="20000"/>
+            <a:normAutofit fontScale="70000" lnSpcReduction="20000"/>
           </a:bodyPr>
           <a:lstStyle/>
           <a:p>
@@ -9282,8 +9238,12 @@
           <a:p>
             <a:pPr algn="l"/>
             <a:r>
+              <a:rPr lang="en-US" altLang="zh-CN" dirty="0"/>
+              <a:t>2</a:t>
+            </a:r>
+            <a:r>
               <a:rPr lang="en-US" altLang="zh-CN" dirty="0" smtClean="0"/>
-              <a:t>3.</a:t>
+              <a:t>.</a:t>
             </a:r>
             <a:r>
               <a:rPr lang="zh-CN" altLang="en-US" dirty="0" smtClean="0"/>
@@ -10067,11 +10027,7 @@
             </a:r>
             <a:r>
               <a:rPr lang="zh-CN" altLang="en-US" dirty="0" smtClean="0"/>
-              <a:t> 一些</a:t>
-            </a:r>
-            <a:r>
-              <a:rPr lang="zh-CN" altLang="en-US" dirty="0" smtClean="0"/>
-              <a:t>常用命令</a:t>
+              <a:t> 一些常用命令</a:t>
             </a:r>
             <a:endParaRPr lang="zh-CN" altLang="en-US" dirty="0"/>
           </a:p>
@@ -11251,14 +11207,10 @@
           <a:bodyPr/>
           <a:lstStyle/>
           <a:p>
-            <a:r>
-              <a:rPr lang="en-US" altLang="zh-CN" dirty="0" smtClean="0"/>
-              <a:t>1.</a:t>
-            </a:r>
-            <a:r>
-              <a:rPr lang="zh-CN" altLang="en-US" dirty="0" smtClean="0"/>
-              <a:t> </a:t>
-            </a:r>
+            <a:pPr marL="514350" indent="-514350">
+              <a:buFont typeface="+mj-lt"/>
+              <a:buAutoNum type="arabicPeriod"/>
+            </a:pPr>
             <a:r>
               <a:rPr lang="en-US" altLang="zh-CN" dirty="0" err="1" smtClean="0"/>
               <a:t>Git</a:t>
@@ -11269,19 +11221,15 @@
             </a:r>
             <a:r>
               <a:rPr lang="zh-CN" altLang="en-US" dirty="0" smtClean="0"/>
-              <a:t>分支简介</a:t>
+              <a:t>存储结构</a:t>
             </a:r>
             <a:endParaRPr lang="en-US" altLang="zh-CN" dirty="0" smtClean="0"/>
           </a:p>
           <a:p>
-            <a:r>
-              <a:rPr lang="en-US" altLang="zh-CN" dirty="0" smtClean="0"/>
-              <a:t>2.</a:t>
-            </a:r>
-            <a:r>
-              <a:rPr lang="zh-CN" altLang="en-US" dirty="0" smtClean="0"/>
-              <a:t> </a:t>
-            </a:r>
+            <a:pPr marL="514350" indent="-514350">
+              <a:buFont typeface="+mj-lt"/>
+              <a:buAutoNum type="arabicPeriod"/>
+            </a:pPr>
             <a:r>
               <a:rPr lang="en-US" altLang="zh-CN" dirty="0" err="1" smtClean="0"/>
               <a:t>Git</a:t>
@@ -11297,13 +11245,13 @@
             <a:endParaRPr lang="en-US" altLang="zh-CN" dirty="0" smtClean="0"/>
           </a:p>
           <a:p>
-            <a:r>
-              <a:rPr lang="en-US" altLang="zh-CN" dirty="0" smtClean="0"/>
-              <a:t>3.</a:t>
-            </a:r>
+            <a:pPr marL="514350" indent="-514350">
+              <a:buFont typeface="+mj-lt"/>
+              <a:buAutoNum type="arabicPeriod"/>
+            </a:pPr>
             <a:r>
               <a:rPr lang="zh-CN" altLang="en-US" dirty="0" smtClean="0"/>
-              <a:t> 分支</a:t>
+              <a:t>分支</a:t>
             </a:r>
             <a:r>
               <a:rPr lang="zh-CN" altLang="en-US" dirty="0" smtClean="0"/>
@@ -11312,13 +11260,13 @@
             <a:endParaRPr lang="en-US" altLang="zh-CN" dirty="0" smtClean="0"/>
           </a:p>
           <a:p>
-            <a:r>
-              <a:rPr lang="en-US" altLang="zh-CN" dirty="0" smtClean="0"/>
-              <a:t>4.</a:t>
-            </a:r>
+            <a:pPr marL="514350" indent="-514350">
+              <a:buFont typeface="+mj-lt"/>
+              <a:buAutoNum type="arabicPeriod"/>
+            </a:pPr>
             <a:r>
               <a:rPr lang="zh-CN" altLang="en-US" dirty="0" smtClean="0"/>
-              <a:t> 一些</a:t>
+              <a:t>一些</a:t>
             </a:r>
             <a:r>
               <a:rPr lang="zh-CN" altLang="en-US" dirty="0" smtClean="0"/>
@@ -11382,6 +11330,291 @@
           <a:p>
             <a:pPr algn="l"/>
             <a:r>
+              <a:rPr lang="en-US" altLang="zh-CN" dirty="0"/>
+              <a:t>1. </a:t>
+            </a:r>
+            <a:r>
+              <a:rPr lang="en-US" altLang="zh-CN" dirty="0" err="1"/>
+              <a:t>Git</a:t>
+            </a:r>
+            <a:r>
+              <a:rPr lang="en-US" altLang="zh-CN" dirty="0"/>
+              <a:t> </a:t>
+            </a:r>
+            <a:r>
+              <a:rPr lang="zh-CN" altLang="en-US" dirty="0"/>
+              <a:t>存储结构</a:t>
+            </a:r>
+          </a:p>
+        </p:txBody>
+      </p:sp>
+      <p:pic>
+        <p:nvPicPr>
+          <p:cNvPr id="5" name="内容占位符 4"/>
+          <p:cNvPicPr>
+            <a:picLocks noGrp="1" noChangeAspect="1"/>
+          </p:cNvPicPr>
+          <p:nvPr>
+            <p:ph sz="half" idx="1"/>
+          </p:nvPr>
+        </p:nvPicPr>
+        <p:blipFill>
+          <a:blip r:embed="rId2">
+            <a:extLst>
+              <a:ext uri="{28A0092B-C50C-407E-A947-70E740481C1C}">
+                <a14:useLocalDpi xmlns:a14="http://schemas.microsoft.com/office/drawing/2010/main" val="0"/>
+              </a:ext>
+            </a:extLst>
+          </a:blip>
+          <a:stretch>
+            <a:fillRect/>
+          </a:stretch>
+        </p:blipFill>
+        <p:spPr>
+          <a:xfrm>
+            <a:off x="179512" y="1700809"/>
+            <a:ext cx="4316288" cy="3816424"/>
+          </a:xfrm>
+        </p:spPr>
+      </p:pic>
+      <p:sp>
+        <p:nvSpPr>
+          <p:cNvPr id="4" name="内容占位符 3"/>
+          <p:cNvSpPr>
+            <a:spLocks noGrp="1"/>
+          </p:cNvSpPr>
+          <p:nvPr>
+            <p:ph sz="half" idx="2"/>
+          </p:nvPr>
+        </p:nvSpPr>
+        <p:spPr/>
+        <p:txBody>
+          <a:bodyPr/>
+          <a:lstStyle/>
+          <a:p>
+            <a:r>
+              <a:rPr lang="en-US" altLang="zh-CN" dirty="0"/>
+              <a:t>Blob</a:t>
+            </a:r>
+            <a:r>
+              <a:rPr lang="zh-CN" altLang="en-US" dirty="0"/>
+              <a:t> </a:t>
+            </a:r>
+            <a:r>
+              <a:rPr lang="en-US" altLang="zh-CN" dirty="0"/>
+              <a:t>– </a:t>
+            </a:r>
+            <a:r>
+              <a:rPr lang="zh-CN" altLang="en-US" dirty="0"/>
+              <a:t>存储文件内容</a:t>
+            </a:r>
+            <a:endParaRPr lang="en-US" altLang="zh-CN" dirty="0"/>
+          </a:p>
+          <a:p>
+            <a:r>
+              <a:rPr lang="en-US" altLang="zh-CN" dirty="0"/>
+              <a:t>Tree – </a:t>
+            </a:r>
+            <a:r>
+              <a:rPr lang="zh-CN" altLang="en-US" dirty="0"/>
+              <a:t>存储目录结构和文件名称</a:t>
+            </a:r>
+            <a:endParaRPr lang="en-US" altLang="zh-CN" dirty="0"/>
+          </a:p>
+          <a:p>
+            <a:r>
+              <a:rPr lang="en-US" altLang="zh-CN" dirty="0"/>
+              <a:t>Commit –</a:t>
+            </a:r>
+            <a:r>
+              <a:rPr lang="zh-CN" altLang="en-US" dirty="0"/>
+              <a:t> 存储提交的说明，组成</a:t>
+            </a:r>
+            <a:r>
+              <a:rPr lang="en-US" altLang="zh-CN" dirty="0" err="1"/>
+              <a:t>Git</a:t>
+            </a:r>
+            <a:r>
+              <a:rPr lang="zh-CN" altLang="en-US" dirty="0"/>
+              <a:t>的提交图谱</a:t>
+            </a:r>
+            <a:endParaRPr lang="en-US" altLang="zh-CN" dirty="0"/>
+          </a:p>
+          <a:p>
+            <a:r>
+              <a:rPr lang="en-US" altLang="zh-CN" dirty="0"/>
+              <a:t>Tag – </a:t>
+            </a:r>
+            <a:r>
+              <a:rPr lang="zh-CN" altLang="en-US" dirty="0"/>
+              <a:t>存储带注释的标签（</a:t>
+            </a:r>
+            <a:r>
+              <a:rPr lang="en-US" altLang="zh-CN" dirty="0"/>
+              <a:t>tag</a:t>
+            </a:r>
+            <a:r>
+              <a:rPr lang="zh-CN" altLang="en-US" dirty="0"/>
+              <a:t>）</a:t>
+            </a:r>
+            <a:endParaRPr lang="en-US" altLang="zh-CN" dirty="0"/>
+          </a:p>
+          <a:p>
+            <a:endParaRPr lang="zh-CN" altLang="en-US" dirty="0"/>
+          </a:p>
+        </p:txBody>
+      </p:sp>
+    </p:spTree>
+    <p:extLst>
+      <p:ext uri="{BB962C8B-B14F-4D97-AF65-F5344CB8AC3E}">
+        <p14:creationId xmlns:p14="http://schemas.microsoft.com/office/powerpoint/2010/main" val="893466803"/>
+      </p:ext>
+    </p:extLst>
+  </p:cSld>
+  <p:clrMapOvr>
+    <a:masterClrMapping/>
+  </p:clrMapOvr>
+  <p:timing>
+    <p:tnLst>
+      <p:par>
+        <p:cTn id="1" dur="indefinite" restart="never" nodeType="tmRoot"/>
+      </p:par>
+    </p:tnLst>
+  </p:timing>
+</p:sld>
+</file>
+
+<file path=ppt/slides/slide25.xml><?xml version="1.0" encoding="utf-8"?>
+<p:sld xmlns:a="http://schemas.openxmlformats.org/drawingml/2006/main" xmlns:r="http://schemas.openxmlformats.org/officeDocument/2006/relationships" xmlns:p="http://schemas.openxmlformats.org/presentationml/2006/main">
+  <p:cSld>
+    <p:spTree>
+      <p:nvGrpSpPr>
+        <p:cNvPr id="1" name=""/>
+        <p:cNvGrpSpPr/>
+        <p:nvPr/>
+      </p:nvGrpSpPr>
+      <p:grpSpPr>
+        <a:xfrm>
+          <a:off x="0" y="0"/>
+          <a:ext cx="0" cy="0"/>
+          <a:chOff x="0" y="0"/>
+          <a:chExt cx="0" cy="0"/>
+        </a:xfrm>
+      </p:grpSpPr>
+      <p:sp>
+        <p:nvSpPr>
+          <p:cNvPr id="3" name="内容占位符 2"/>
+          <p:cNvSpPr>
+            <a:spLocks noGrp="1"/>
+          </p:cNvSpPr>
+          <p:nvPr>
+            <p:ph idx="1"/>
+          </p:nvPr>
+        </p:nvSpPr>
+        <p:spPr>
+          <a:xfrm>
+            <a:off x="457200" y="404664"/>
+            <a:ext cx="8229600" cy="5721499"/>
+          </a:xfrm>
+        </p:spPr>
+        <p:txBody>
+          <a:bodyPr/>
+          <a:lstStyle/>
+          <a:p>
+            <a:r>
+              <a:rPr lang="en-US" altLang="zh-CN" dirty="0" err="1"/>
+              <a:t>Git</a:t>
+            </a:r>
+            <a:r>
+              <a:rPr lang="en-US" altLang="zh-CN" dirty="0"/>
+              <a:t> </a:t>
+            </a:r>
+            <a:r>
+              <a:rPr lang="zh-CN" altLang="en-US" dirty="0"/>
+              <a:t>存储的是一个一个文件的快照，而不是存储</a:t>
+            </a:r>
+            <a:r>
+              <a:rPr lang="zh-CN" altLang="en-US" dirty="0" smtClean="0"/>
+              <a:t>差异</a:t>
+            </a:r>
+            <a:endParaRPr lang="en-US" altLang="zh-CN" dirty="0" smtClean="0"/>
+          </a:p>
+          <a:p>
+            <a:endParaRPr lang="en-US" altLang="zh-CN" dirty="0"/>
+          </a:p>
+          <a:p>
+            <a:endParaRPr lang="en-US" altLang="zh-CN" dirty="0" smtClean="0"/>
+          </a:p>
+          <a:p>
+            <a:r>
+              <a:rPr lang="zh-CN" altLang="en-US" dirty="0" smtClean="0"/>
+              <a:t>分支</a:t>
+            </a:r>
+            <a:r>
+              <a:rPr lang="zh-CN" altLang="en-US" dirty="0"/>
+              <a:t>的创建与切换也只是引用指针的切换，速度非常快</a:t>
+            </a:r>
+            <a:endParaRPr lang="en-US" altLang="zh-CN" dirty="0"/>
+          </a:p>
+          <a:p>
+            <a:endParaRPr lang="zh-CN" altLang="en-US" dirty="0"/>
+          </a:p>
+        </p:txBody>
+      </p:sp>
+    </p:spTree>
+    <p:extLst>
+      <p:ext uri="{BB962C8B-B14F-4D97-AF65-F5344CB8AC3E}">
+        <p14:creationId xmlns:p14="http://schemas.microsoft.com/office/powerpoint/2010/main" val="3541973207"/>
+      </p:ext>
+    </p:extLst>
+  </p:cSld>
+  <p:clrMapOvr>
+    <a:masterClrMapping/>
+  </p:clrMapOvr>
+  <p:timing>
+    <p:tnLst>
+      <p:par>
+        <p:cTn id="1" dur="indefinite" restart="never" nodeType="tmRoot"/>
+      </p:par>
+    </p:tnLst>
+  </p:timing>
+</p:sld>
+</file>
+
+<file path=ppt/slides/slide26.xml><?xml version="1.0" encoding="utf-8"?>
+<p:sld xmlns:a="http://schemas.openxmlformats.org/drawingml/2006/main" xmlns:r="http://schemas.openxmlformats.org/officeDocument/2006/relationships" xmlns:p="http://schemas.openxmlformats.org/presentationml/2006/main">
+  <p:cSld>
+    <p:spTree>
+      <p:nvGrpSpPr>
+        <p:cNvPr id="1" name=""/>
+        <p:cNvGrpSpPr/>
+        <p:nvPr/>
+      </p:nvGrpSpPr>
+      <p:grpSpPr>
+        <a:xfrm>
+          <a:off x="0" y="0"/>
+          <a:ext cx="0" cy="0"/>
+          <a:chOff x="0" y="0"/>
+          <a:chExt cx="0" cy="0"/>
+        </a:xfrm>
+      </p:grpSpPr>
+      <p:sp>
+        <p:nvSpPr>
+          <p:cNvPr id="2" name="标题 1"/>
+          <p:cNvSpPr>
+            <a:spLocks noGrp="1"/>
+          </p:cNvSpPr>
+          <p:nvPr>
+            <p:ph type="title"/>
+          </p:nvPr>
+        </p:nvSpPr>
+        <p:spPr/>
+        <p:txBody>
+          <a:bodyPr/>
+          <a:lstStyle/>
+          <a:p>
+            <a:pPr algn="l"/>
+            <a:r>
               <a:rPr lang="en-US" altLang="zh-CN" dirty="0" smtClean="0"/>
               <a:t>2.</a:t>
             </a:r>
@@ -11512,7 +11745,7 @@
 </p:sld>
 </file>
 
-<file path=ppt/slides/slide25.xml><?xml version="1.0" encoding="utf-8"?>
+<file path=ppt/slides/slide27.xml><?xml version="1.0" encoding="utf-8"?>
 <p:sld xmlns:a="http://schemas.openxmlformats.org/drawingml/2006/main" xmlns:r="http://schemas.openxmlformats.org/officeDocument/2006/relationships" xmlns:p="http://schemas.openxmlformats.org/presentationml/2006/main">
   <p:cSld>
     <p:spTree>
@@ -11641,7 +11874,7 @@
 </p:sld>
 </file>
 
-<file path=ppt/slides/slide26.xml><?xml version="1.0" encoding="utf-8"?>
+<file path=ppt/slides/slide28.xml><?xml version="1.0" encoding="utf-8"?>
 <p:sld xmlns:a="http://schemas.openxmlformats.org/drawingml/2006/main" xmlns:r="http://schemas.openxmlformats.org/officeDocument/2006/relationships" xmlns:p="http://schemas.openxmlformats.org/presentationml/2006/main">
   <p:cSld>
     <p:spTree>
@@ -11743,7 +11976,7 @@
 </p:sld>
 </file>
 
-<file path=ppt/slides/slide27.xml><?xml version="1.0" encoding="utf-8"?>
+<file path=ppt/slides/slide29.xml><?xml version="1.0" encoding="utf-8"?>
 <p:sld xmlns:a="http://schemas.openxmlformats.org/drawingml/2006/main" xmlns:r="http://schemas.openxmlformats.org/officeDocument/2006/relationships" xmlns:p="http://schemas.openxmlformats.org/presentationml/2006/main">
   <p:cSld>
     <p:spTree>
@@ -11782,11 +12015,7 @@
             </a:r>
             <a:r>
               <a:rPr lang="zh-CN" altLang="en-US" dirty="0" smtClean="0"/>
-              <a:t> 分支</a:t>
-            </a:r>
-            <a:r>
-              <a:rPr lang="zh-CN" altLang="en-US" dirty="0" smtClean="0"/>
-              <a:t>合并与合并冲突</a:t>
+              <a:t> 分支合并与合并冲突</a:t>
             </a:r>
             <a:endParaRPr lang="zh-CN" altLang="en-US" dirty="0"/>
           </a:p>
@@ -11872,7 +12101,157 @@
 </p:sld>
 </file>
 
-<file path=ppt/slides/slide28.xml><?xml version="1.0" encoding="utf-8"?>
+<file path=ppt/slides/slide3.xml><?xml version="1.0" encoding="utf-8"?>
+<p:sld xmlns:a="http://schemas.openxmlformats.org/drawingml/2006/main" xmlns:r="http://schemas.openxmlformats.org/officeDocument/2006/relationships" xmlns:p="http://schemas.openxmlformats.org/presentationml/2006/main">
+  <p:cSld>
+    <p:spTree>
+      <p:nvGrpSpPr>
+        <p:cNvPr id="1" name=""/>
+        <p:cNvGrpSpPr/>
+        <p:nvPr/>
+      </p:nvGrpSpPr>
+      <p:grpSpPr>
+        <a:xfrm>
+          <a:off x="0" y="0"/>
+          <a:ext cx="0" cy="0"/>
+          <a:chOff x="0" y="0"/>
+          <a:chExt cx="0" cy="0"/>
+        </a:xfrm>
+      </p:grpSpPr>
+      <p:sp>
+        <p:nvSpPr>
+          <p:cNvPr id="2" name="标题 1"/>
+          <p:cNvSpPr>
+            <a:spLocks noGrp="1"/>
+          </p:cNvSpPr>
+          <p:nvPr>
+            <p:ph type="title"/>
+          </p:nvPr>
+        </p:nvSpPr>
+        <p:spPr/>
+        <p:txBody>
+          <a:bodyPr/>
+          <a:lstStyle/>
+          <a:p>
+            <a:r>
+              <a:rPr lang="zh-CN" altLang="en-US" dirty="0" smtClean="0"/>
+              <a:t>一、</a:t>
+            </a:r>
+            <a:r>
+              <a:rPr lang="en-US" altLang="zh-CN" dirty="0" err="1" smtClean="0"/>
+              <a:t>Git</a:t>
+            </a:r>
+            <a:r>
+              <a:rPr lang="en-US" altLang="zh-CN" dirty="0" smtClean="0"/>
+              <a:t> </a:t>
+            </a:r>
+            <a:r>
+              <a:rPr lang="zh-CN" altLang="en-US" dirty="0" smtClean="0"/>
+              <a:t>简介</a:t>
+            </a:r>
+            <a:endParaRPr lang="zh-CN" altLang="en-US" dirty="0"/>
+          </a:p>
+        </p:txBody>
+      </p:sp>
+      <p:sp>
+        <p:nvSpPr>
+          <p:cNvPr id="3" name="内容占位符 2"/>
+          <p:cNvSpPr>
+            <a:spLocks noGrp="1"/>
+          </p:cNvSpPr>
+          <p:nvPr>
+            <p:ph idx="1"/>
+          </p:nvPr>
+        </p:nvSpPr>
+        <p:spPr/>
+        <p:txBody>
+          <a:bodyPr/>
+          <a:lstStyle/>
+          <a:p>
+            <a:pPr marL="514350" indent="-514350">
+              <a:buFont typeface="+mj-lt"/>
+              <a:buAutoNum type="arabicPeriod"/>
+            </a:pPr>
+            <a:r>
+              <a:rPr lang="en-US" altLang="zh-CN" dirty="0" err="1" smtClean="0"/>
+              <a:t>Git</a:t>
+            </a:r>
+            <a:r>
+              <a:rPr lang="en-US" altLang="zh-CN" dirty="0" smtClean="0"/>
+              <a:t> </a:t>
+            </a:r>
+            <a:r>
+              <a:rPr lang="zh-CN" altLang="en-US" dirty="0" smtClean="0"/>
+              <a:t>是什么</a:t>
+            </a:r>
+            <a:endParaRPr lang="en-US" altLang="zh-CN" dirty="0" smtClean="0"/>
+          </a:p>
+          <a:p>
+            <a:pPr marL="514350" indent="-514350">
+              <a:buFont typeface="+mj-lt"/>
+              <a:buAutoNum type="arabicPeriod"/>
+            </a:pPr>
+            <a:r>
+              <a:rPr lang="en-US" altLang="zh-CN" dirty="0" err="1" smtClean="0"/>
+              <a:t>Git</a:t>
+            </a:r>
+            <a:r>
+              <a:rPr lang="en-US" altLang="zh-CN" dirty="0" smtClean="0"/>
+              <a:t> </a:t>
+            </a:r>
+            <a:r>
+              <a:rPr lang="zh-CN" altLang="en-US" dirty="0" smtClean="0"/>
+              <a:t>诞生</a:t>
+            </a:r>
+            <a:endParaRPr lang="en-US" altLang="zh-CN" dirty="0" smtClean="0"/>
+          </a:p>
+          <a:p>
+            <a:pPr marL="514350" indent="-514350">
+              <a:buFont typeface="+mj-lt"/>
+              <a:buAutoNum type="arabicPeriod"/>
+            </a:pPr>
+            <a:r>
+              <a:rPr lang="en-US" altLang="zh-CN" dirty="0" err="1" smtClean="0"/>
+              <a:t>Git</a:t>
+            </a:r>
+            <a:r>
+              <a:rPr lang="en-US" altLang="zh-CN" dirty="0" smtClean="0"/>
+              <a:t> </a:t>
+            </a:r>
+            <a:r>
+              <a:rPr lang="en-US" altLang="zh-CN" dirty="0" smtClean="0"/>
+              <a:t>VS SVN</a:t>
+            </a:r>
+          </a:p>
+          <a:p>
+            <a:pPr marL="0" indent="0">
+              <a:buNone/>
+            </a:pPr>
+            <a:endParaRPr lang="zh-CN" altLang="en-US" dirty="0"/>
+          </a:p>
+        </p:txBody>
+      </p:sp>
+    </p:spTree>
+    <p:extLst>
+      <p:ext uri="{BB962C8B-B14F-4D97-AF65-F5344CB8AC3E}">
+        <p14:creationId xmlns:p14="http://schemas.microsoft.com/office/powerpoint/2010/main" val="2647426307"/>
+      </p:ext>
+    </p:extLst>
+  </p:cSld>
+  <p:clrMapOvr>
+    <a:masterClrMapping/>
+  </p:clrMapOvr>
+  <p:timing>
+    <p:tnLst>
+      <p:par>
+        <p:cTn id="1" dur="indefinite" restart="never" nodeType="tmRoot"/>
+      </p:par>
+    </p:tnLst>
+  </p:timing>
+</p:sld>
+</file>
+
+<file path=ppt/slides/slide30.xml><?xml version="1.0" encoding="utf-8"?>
 <p:sld xmlns:a="http://schemas.openxmlformats.org/drawingml/2006/main" xmlns:r="http://schemas.openxmlformats.org/officeDocument/2006/relationships" xmlns:p="http://schemas.openxmlformats.org/presentationml/2006/main">
   <p:cSld>
     <p:spTree>
@@ -11971,7 +12350,7 @@
 </p:sld>
 </file>
 
-<file path=ppt/slides/slide29.xml><?xml version="1.0" encoding="utf-8"?>
+<file path=ppt/slides/slide31.xml><?xml version="1.0" encoding="utf-8"?>
 <p:sld xmlns:a="http://schemas.openxmlformats.org/drawingml/2006/main" xmlns:r="http://schemas.openxmlformats.org/officeDocument/2006/relationships" xmlns:p="http://schemas.openxmlformats.org/presentationml/2006/main">
   <p:cSld>
     <p:spTree>
@@ -12062,7 +12441,7 @@
 </p:sld>
 </file>
 
-<file path=ppt/slides/slide3.xml><?xml version="1.0" encoding="utf-8"?>
+<file path=ppt/slides/slide32.xml><?xml version="1.0" encoding="utf-8"?>
 <p:sld xmlns:a="http://schemas.openxmlformats.org/drawingml/2006/main" xmlns:r="http://schemas.openxmlformats.org/officeDocument/2006/relationships" xmlns:p="http://schemas.openxmlformats.org/presentationml/2006/main">
   <p:cSld>
     <p:spTree>
@@ -12094,21 +12473,14 @@
           <a:bodyPr/>
           <a:lstStyle/>
           <a:p>
+            <a:pPr algn="l"/>
+            <a:r>
+              <a:rPr lang="en-US" altLang="zh-CN" dirty="0" smtClean="0"/>
+              <a:t>4.</a:t>
+            </a:r>
             <a:r>
               <a:rPr lang="zh-CN" altLang="en-US" dirty="0" smtClean="0"/>
-              <a:t>一、</a:t>
-            </a:r>
-            <a:r>
-              <a:rPr lang="en-US" altLang="zh-CN" dirty="0" err="1" smtClean="0"/>
-              <a:t>Git</a:t>
-            </a:r>
-            <a:r>
-              <a:rPr lang="en-US" altLang="zh-CN" dirty="0" smtClean="0"/>
-              <a:t> </a:t>
-            </a:r>
-            <a:r>
-              <a:rPr lang="zh-CN" altLang="en-US" dirty="0" smtClean="0"/>
-              <a:t>简介</a:t>
+              <a:t> 一些常用命令</a:t>
             </a:r>
             <a:endParaRPr lang="zh-CN" altLang="en-US" dirty="0"/>
           </a:p>
@@ -12130,70 +12502,118 @@
           <a:lstStyle/>
           <a:p>
             <a:r>
+              <a:rPr lang="en-US" altLang="zh-CN" dirty="0" err="1"/>
+              <a:t>g</a:t>
+            </a:r>
+            <a:r>
+              <a:rPr lang="en-US" altLang="zh-CN" dirty="0" err="1" smtClean="0"/>
+              <a:t>it</a:t>
+            </a:r>
+            <a:r>
               <a:rPr lang="en-US" altLang="zh-CN" dirty="0" smtClean="0"/>
-              <a:t>1.</a:t>
-            </a:r>
-            <a:r>
-              <a:rPr lang="zh-CN" altLang="en-US" dirty="0" smtClean="0"/>
-              <a:t> </a:t>
+              <a:t> branch –a</a:t>
+            </a:r>
+          </a:p>
+          <a:p>
+            <a:r>
+              <a:rPr lang="en-US" altLang="zh-CN" dirty="0" err="1"/>
+              <a:t>g</a:t>
             </a:r>
             <a:r>
               <a:rPr lang="en-US" altLang="zh-CN" dirty="0" err="1" smtClean="0"/>
-              <a:t>Git</a:t>
+              <a:t>it</a:t>
             </a:r>
             <a:r>
               <a:rPr lang="en-US" altLang="zh-CN" dirty="0" smtClean="0"/>
-              <a:t> </a:t>
-            </a:r>
-            <a:r>
-              <a:rPr lang="zh-CN" altLang="en-US" dirty="0" smtClean="0"/>
-              <a:t>是什么</a:t>
-            </a:r>
-            <a:endParaRPr lang="en-US" altLang="zh-CN" dirty="0" smtClean="0"/>
-          </a:p>
-          <a:p>
+              <a:t> branch –r</a:t>
+            </a:r>
+          </a:p>
+          <a:p>
+            <a:r>
+              <a:rPr lang="en-US" altLang="zh-CN" dirty="0" err="1"/>
+              <a:t>g</a:t>
+            </a:r>
+            <a:r>
+              <a:rPr lang="en-US" altLang="zh-CN" dirty="0" err="1" smtClean="0"/>
+              <a:t>it</a:t>
+            </a:r>
             <a:r>
               <a:rPr lang="en-US" altLang="zh-CN" dirty="0" smtClean="0"/>
-              <a:t>2.</a:t>
-            </a:r>
-            <a:r>
-              <a:rPr lang="zh-CN" altLang="en-US" dirty="0" smtClean="0"/>
-              <a:t> </a:t>
+              <a:t> branch –d &lt;</a:t>
             </a:r>
             <a:r>
               <a:rPr lang="en-US" altLang="zh-CN" dirty="0" err="1" smtClean="0"/>
-              <a:t>Git</a:t>
+              <a:t>branch_name</a:t>
             </a:r>
             <a:r>
               <a:rPr lang="en-US" altLang="zh-CN" dirty="0" smtClean="0"/>
-              <a:t> </a:t>
-            </a:r>
-            <a:r>
-              <a:rPr lang="zh-CN" altLang="en-US" dirty="0" smtClean="0"/>
-              <a:t>诞生</a:t>
-            </a:r>
-            <a:endParaRPr lang="en-US" altLang="zh-CN" dirty="0" smtClean="0"/>
-          </a:p>
-          <a:p>
+              <a:t>&gt;</a:t>
+            </a:r>
+          </a:p>
+          <a:p>
+            <a:r>
+              <a:rPr lang="en-US" altLang="zh-CN" dirty="0" err="1"/>
+              <a:t>g</a:t>
+            </a:r>
+            <a:r>
+              <a:rPr lang="en-US" altLang="zh-CN" dirty="0" err="1" smtClean="0"/>
+              <a:t>it</a:t>
+            </a:r>
             <a:r>
               <a:rPr lang="en-US" altLang="zh-CN" dirty="0" smtClean="0"/>
-              <a:t>3.</a:t>
-            </a:r>
-            <a:r>
-              <a:rPr lang="zh-CN" altLang="en-US" dirty="0" smtClean="0"/>
-              <a:t> </a:t>
+              <a:t> checkout &lt;</a:t>
             </a:r>
             <a:r>
               <a:rPr lang="en-US" altLang="zh-CN" dirty="0" err="1" smtClean="0"/>
-              <a:t>Git</a:t>
+              <a:t>branch_name</a:t>
             </a:r>
             <a:r>
               <a:rPr lang="en-US" altLang="zh-CN" dirty="0" smtClean="0"/>
-              <a:t> </a:t>
+              <a:t>&gt;</a:t>
+            </a:r>
+          </a:p>
+          <a:p>
+            <a:r>
+              <a:rPr lang="en-US" altLang="zh-CN" dirty="0" err="1"/>
+              <a:t>g</a:t>
+            </a:r>
+            <a:r>
+              <a:rPr lang="en-US" altLang="zh-CN" dirty="0" err="1" smtClean="0"/>
+              <a:t>it</a:t>
             </a:r>
             <a:r>
               <a:rPr lang="en-US" altLang="zh-CN" dirty="0" smtClean="0"/>
-              <a:t>VS SVN</a:t>
+              <a:t> checkout –b &lt;</a:t>
+            </a:r>
+            <a:r>
+              <a:rPr lang="en-US" altLang="zh-CN" dirty="0" err="1" smtClean="0"/>
+              <a:t>branch_name</a:t>
+            </a:r>
+            <a:r>
+              <a:rPr lang="en-US" altLang="zh-CN" dirty="0" smtClean="0"/>
+              <a:t>&gt;</a:t>
+            </a:r>
+          </a:p>
+          <a:p>
+            <a:r>
+              <a:rPr lang="en-US" altLang="zh-CN" dirty="0" err="1"/>
+              <a:t>g</a:t>
+            </a:r>
+            <a:r>
+              <a:rPr lang="en-US" altLang="zh-CN" dirty="0" err="1" smtClean="0"/>
+              <a:t>it</a:t>
+            </a:r>
+            <a:r>
+              <a:rPr lang="en-US" altLang="zh-CN" dirty="0" smtClean="0"/>
+              <a:t> merge &lt;</a:t>
+            </a:r>
+            <a:r>
+              <a:rPr lang="en-US" altLang="zh-CN" dirty="0" err="1" smtClean="0"/>
+              <a:t>branch_name</a:t>
+            </a:r>
+            <a:r>
+              <a:rPr lang="en-US" altLang="zh-CN" dirty="0" smtClean="0"/>
+              <a:t>&gt;</a:t>
             </a:r>
           </a:p>
           <a:p>
@@ -12207,7 +12627,7 @@
     </p:spTree>
     <p:extLst>
       <p:ext uri="{BB962C8B-B14F-4D97-AF65-F5344CB8AC3E}">
-        <p14:creationId xmlns:p14="http://schemas.microsoft.com/office/powerpoint/2010/main" val="2647426307"/>
+        <p14:creationId xmlns:p14="http://schemas.microsoft.com/office/powerpoint/2010/main" val="2162050757"/>
       </p:ext>
     </p:extLst>
   </p:cSld>
@@ -12224,7 +12644,7 @@
 </p:sld>
 </file>
 
-<file path=ppt/slides/slide30.xml><?xml version="1.0" encoding="utf-8"?>
+<file path=ppt/slides/slide33.xml><?xml version="1.0" encoding="utf-8"?>
 <p:sld xmlns:a="http://schemas.openxmlformats.org/drawingml/2006/main" xmlns:r="http://schemas.openxmlformats.org/officeDocument/2006/relationships" xmlns:p="http://schemas.openxmlformats.org/presentationml/2006/main">
   <p:cSld>
     <p:spTree>
@@ -12256,18 +12676,21 @@
           <a:bodyPr/>
           <a:lstStyle/>
           <a:p>
-            <a:pPr algn="l"/>
+            <a:r>
+              <a:rPr lang="zh-CN" altLang="en-US" dirty="0" smtClean="0"/>
+              <a:t>五、</a:t>
+            </a:r>
+            <a:r>
+              <a:rPr lang="en-US" altLang="zh-CN" dirty="0" err="1" smtClean="0"/>
+              <a:t>Git</a:t>
+            </a:r>
             <a:r>
               <a:rPr lang="en-US" altLang="zh-CN" dirty="0" smtClean="0"/>
-              <a:t>4.</a:t>
+              <a:t> </a:t>
             </a:r>
             <a:r>
               <a:rPr lang="zh-CN" altLang="en-US" dirty="0" smtClean="0"/>
-              <a:t> 一些</a:t>
-            </a:r>
-            <a:r>
-              <a:rPr lang="zh-CN" altLang="en-US" dirty="0" smtClean="0"/>
-              <a:t>常用命令</a:t>
+              <a:t>远程仓库</a:t>
             </a:r>
             <a:endParaRPr lang="zh-CN" altLang="en-US" dirty="0"/>
           </a:p>
@@ -12288,223 +12711,13 @@
           <a:bodyPr/>
           <a:lstStyle/>
           <a:p>
-            <a:r>
-              <a:rPr lang="en-US" altLang="zh-CN" dirty="0" err="1"/>
-              <a:t>g</a:t>
-            </a:r>
-            <a:r>
-              <a:rPr lang="en-US" altLang="zh-CN" dirty="0" err="1" smtClean="0"/>
-              <a:t>it</a:t>
-            </a:r>
-            <a:r>
-              <a:rPr lang="en-US" altLang="zh-CN" dirty="0" smtClean="0"/>
-              <a:t> branch –a</a:t>
-            </a:r>
-          </a:p>
-          <a:p>
-            <a:r>
-              <a:rPr lang="en-US" altLang="zh-CN" dirty="0" err="1"/>
-              <a:t>g</a:t>
-            </a:r>
-            <a:r>
-              <a:rPr lang="en-US" altLang="zh-CN" dirty="0" err="1" smtClean="0"/>
-              <a:t>it</a:t>
-            </a:r>
-            <a:r>
-              <a:rPr lang="en-US" altLang="zh-CN" dirty="0" smtClean="0"/>
-              <a:t> branch –r</a:t>
-            </a:r>
-          </a:p>
-          <a:p>
-            <a:r>
-              <a:rPr lang="en-US" altLang="zh-CN" dirty="0" err="1"/>
-              <a:t>g</a:t>
-            </a:r>
-            <a:r>
-              <a:rPr lang="en-US" altLang="zh-CN" dirty="0" err="1" smtClean="0"/>
-              <a:t>it</a:t>
-            </a:r>
-            <a:r>
-              <a:rPr lang="en-US" altLang="zh-CN" dirty="0" smtClean="0"/>
-              <a:t> branch –d &lt;</a:t>
-            </a:r>
-            <a:r>
-              <a:rPr lang="en-US" altLang="zh-CN" dirty="0" err="1" smtClean="0"/>
-              <a:t>branch_name</a:t>
-            </a:r>
-            <a:r>
-              <a:rPr lang="en-US" altLang="zh-CN" dirty="0" smtClean="0"/>
-              <a:t>&gt;</a:t>
-            </a:r>
-          </a:p>
-          <a:p>
-            <a:r>
-              <a:rPr lang="en-US" altLang="zh-CN" dirty="0" err="1"/>
-              <a:t>g</a:t>
-            </a:r>
-            <a:r>
-              <a:rPr lang="en-US" altLang="zh-CN" dirty="0" err="1" smtClean="0"/>
-              <a:t>it</a:t>
-            </a:r>
-            <a:r>
-              <a:rPr lang="en-US" altLang="zh-CN" dirty="0" smtClean="0"/>
-              <a:t> checkout &lt;</a:t>
-            </a:r>
-            <a:r>
-              <a:rPr lang="en-US" altLang="zh-CN" dirty="0" err="1" smtClean="0"/>
-              <a:t>branch_name</a:t>
-            </a:r>
-            <a:r>
-              <a:rPr lang="en-US" altLang="zh-CN" dirty="0" smtClean="0"/>
-              <a:t>&gt;</a:t>
-            </a:r>
-          </a:p>
-          <a:p>
-            <a:r>
-              <a:rPr lang="en-US" altLang="zh-CN" dirty="0" err="1"/>
-              <a:t>g</a:t>
-            </a:r>
-            <a:r>
-              <a:rPr lang="en-US" altLang="zh-CN" dirty="0" err="1" smtClean="0"/>
-              <a:t>it</a:t>
-            </a:r>
-            <a:r>
-              <a:rPr lang="en-US" altLang="zh-CN" dirty="0" smtClean="0"/>
-              <a:t> checkout –b &lt;</a:t>
-            </a:r>
-            <a:r>
-              <a:rPr lang="en-US" altLang="zh-CN" dirty="0" err="1" smtClean="0"/>
-              <a:t>branch_name</a:t>
-            </a:r>
-            <a:r>
-              <a:rPr lang="en-US" altLang="zh-CN" dirty="0" smtClean="0"/>
-              <a:t>&gt;</a:t>
-            </a:r>
-          </a:p>
-          <a:p>
-            <a:r>
-              <a:rPr lang="en-US" altLang="zh-CN" dirty="0" err="1"/>
-              <a:t>g</a:t>
-            </a:r>
-            <a:r>
-              <a:rPr lang="en-US" altLang="zh-CN" dirty="0" err="1" smtClean="0"/>
-              <a:t>it</a:t>
-            </a:r>
-            <a:r>
-              <a:rPr lang="en-US" altLang="zh-CN" dirty="0" smtClean="0"/>
-              <a:t> merge &lt;</a:t>
-            </a:r>
-            <a:r>
-              <a:rPr lang="en-US" altLang="zh-CN" dirty="0" err="1" smtClean="0"/>
-              <a:t>branch_name</a:t>
-            </a:r>
-            <a:r>
-              <a:rPr lang="en-US" altLang="zh-CN" dirty="0" smtClean="0"/>
-              <a:t>&gt;</a:t>
-            </a:r>
-          </a:p>
-          <a:p>
-            <a:pPr marL="0" indent="0">
-              <a:buNone/>
+            <a:pPr marL="514350" indent="-514350">
+              <a:buFont typeface="+mj-lt"/>
+              <a:buAutoNum type="arabicPeriod"/>
             </a:pPr>
-            <a:endParaRPr lang="zh-CN" altLang="en-US" dirty="0"/>
-          </a:p>
-        </p:txBody>
-      </p:sp>
-    </p:spTree>
-    <p:extLst>
-      <p:ext uri="{BB962C8B-B14F-4D97-AF65-F5344CB8AC3E}">
-        <p14:creationId xmlns:p14="http://schemas.microsoft.com/office/powerpoint/2010/main" val="2162050757"/>
-      </p:ext>
-    </p:extLst>
-  </p:cSld>
-  <p:clrMapOvr>
-    <a:masterClrMapping/>
-  </p:clrMapOvr>
-  <p:timing>
-    <p:tnLst>
-      <p:par>
-        <p:cTn id="1" dur="indefinite" restart="never" nodeType="tmRoot"/>
-      </p:par>
-    </p:tnLst>
-  </p:timing>
-</p:sld>
-</file>
-
-<file path=ppt/slides/slide31.xml><?xml version="1.0" encoding="utf-8"?>
-<p:sld xmlns:a="http://schemas.openxmlformats.org/drawingml/2006/main" xmlns:r="http://schemas.openxmlformats.org/officeDocument/2006/relationships" xmlns:p="http://schemas.openxmlformats.org/presentationml/2006/main">
-  <p:cSld>
-    <p:spTree>
-      <p:nvGrpSpPr>
-        <p:cNvPr id="1" name=""/>
-        <p:cNvGrpSpPr/>
-        <p:nvPr/>
-      </p:nvGrpSpPr>
-      <p:grpSpPr>
-        <a:xfrm>
-          <a:off x="0" y="0"/>
-          <a:ext cx="0" cy="0"/>
-          <a:chOff x="0" y="0"/>
-          <a:chExt cx="0" cy="0"/>
-        </a:xfrm>
-      </p:grpSpPr>
-      <p:sp>
-        <p:nvSpPr>
-          <p:cNvPr id="2" name="标题 1"/>
-          <p:cNvSpPr>
-            <a:spLocks noGrp="1"/>
-          </p:cNvSpPr>
-          <p:nvPr>
-            <p:ph type="title"/>
-          </p:nvPr>
-        </p:nvSpPr>
-        <p:spPr/>
-        <p:txBody>
-          <a:bodyPr/>
-          <a:lstStyle/>
-          <a:p>
             <a:r>
               <a:rPr lang="zh-CN" altLang="en-US" dirty="0" smtClean="0"/>
-              <a:t>五、</a:t>
-            </a:r>
-            <a:r>
-              <a:rPr lang="en-US" altLang="zh-CN" dirty="0" err="1" smtClean="0"/>
-              <a:t>Git</a:t>
-            </a:r>
-            <a:r>
-              <a:rPr lang="en-US" altLang="zh-CN" dirty="0" smtClean="0"/>
-              <a:t> </a:t>
-            </a:r>
-            <a:r>
-              <a:rPr lang="zh-CN" altLang="en-US" dirty="0" smtClean="0"/>
-              <a:t>远程仓库</a:t>
-            </a:r>
-            <a:endParaRPr lang="zh-CN" altLang="en-US" dirty="0"/>
-          </a:p>
-        </p:txBody>
-      </p:sp>
-      <p:sp>
-        <p:nvSpPr>
-          <p:cNvPr id="3" name="内容占位符 2"/>
-          <p:cNvSpPr>
-            <a:spLocks noGrp="1"/>
-          </p:cNvSpPr>
-          <p:nvPr>
-            <p:ph idx="1"/>
-          </p:nvPr>
-        </p:nvSpPr>
-        <p:spPr/>
-        <p:txBody>
-          <a:bodyPr/>
-          <a:lstStyle/>
-          <a:p>
-            <a:r>
-              <a:rPr lang="en-US" altLang="zh-CN" dirty="0" smtClean="0"/>
-              <a:t>1.</a:t>
-            </a:r>
-            <a:r>
-              <a:rPr lang="zh-CN" altLang="en-US" dirty="0" smtClean="0"/>
-              <a:t> 远程</a:t>
+              <a:t>远程</a:t>
             </a:r>
             <a:r>
               <a:rPr lang="zh-CN" altLang="en-US" dirty="0" smtClean="0"/>
@@ -12513,13 +12726,13 @@
             <a:endParaRPr lang="en-US" altLang="zh-CN" dirty="0" smtClean="0"/>
           </a:p>
           <a:p>
-            <a:r>
-              <a:rPr lang="en-US" altLang="zh-CN" dirty="0" smtClean="0"/>
-              <a:t>2.</a:t>
-            </a:r>
+            <a:pPr marL="514350" indent="-514350">
+              <a:buFont typeface="+mj-lt"/>
+              <a:buAutoNum type="arabicPeriod"/>
+            </a:pPr>
             <a:r>
               <a:rPr lang="zh-CN" altLang="en-US" dirty="0" smtClean="0"/>
-              <a:t> 操作</a:t>
+              <a:t>操作</a:t>
             </a:r>
             <a:r>
               <a:rPr lang="zh-CN" altLang="en-US" dirty="0" smtClean="0"/>
@@ -12549,7 +12762,7 @@
 </p:sld>
 </file>
 
-<file path=ppt/slides/slide32.xml><?xml version="1.0" encoding="utf-8"?>
+<file path=ppt/slides/slide34.xml><?xml version="1.0" encoding="utf-8"?>
 <p:sld xmlns:a="http://schemas.openxmlformats.org/drawingml/2006/main" xmlns:r="http://schemas.openxmlformats.org/officeDocument/2006/relationships" xmlns:p="http://schemas.openxmlformats.org/presentationml/2006/main">
   <p:cSld>
     <p:spTree>
@@ -12662,7 +12875,7 @@
 </p:sld>
 </file>
 
-<file path=ppt/slides/slide33.xml><?xml version="1.0" encoding="utf-8"?>
+<file path=ppt/slides/slide35.xml><?xml version="1.0" encoding="utf-8"?>
 <p:sld xmlns:a="http://schemas.openxmlformats.org/drawingml/2006/main" xmlns:r="http://schemas.openxmlformats.org/officeDocument/2006/relationships" xmlns:p="http://schemas.openxmlformats.org/presentationml/2006/main">
   <p:cSld>
     <p:spTree>
@@ -12724,7 +12937,7 @@
         <p:spPr/>
         <p:txBody>
           <a:bodyPr>
-            <a:normAutofit lnSpcReduction="10000"/>
+            <a:normAutofit/>
           </a:bodyPr>
           <a:lstStyle/>
           <a:p>
@@ -12750,32 +12963,40 @@
             </a:r>
           </a:p>
           <a:p>
-            <a:pPr lvl="1">
+            <a:pPr lvl="2">
               <a:buFont typeface="Wingdings" charset="2"/>
               <a:buChar char="Ø"/>
             </a:pPr>
             <a:r>
               <a:rPr lang="zh-CN" altLang="en-US" dirty="0" smtClean="0"/>
-              <a:t>该命令的作用</a:t>
+              <a:t> 该</a:t>
             </a:r>
             <a:r>
               <a:rPr lang="zh-CN" altLang="en-US" dirty="0" smtClean="0"/>
-              <a:t>就是从远程仓库克隆一个版本库</a:t>
+              <a:t>命令的作用就是从远程仓库克隆一个版本库</a:t>
             </a:r>
             <a:endParaRPr lang="en-US" altLang="zh-CN" dirty="0" smtClean="0"/>
           </a:p>
           <a:p>
-            <a:pPr lvl="1">
+            <a:pPr lvl="2">
               <a:buFont typeface="Wingdings" charset="2"/>
               <a:buChar char="Ø"/>
             </a:pPr>
             <a:r>
-              <a:rPr lang="en-US" altLang="zh-CN" dirty="0" err="1"/>
+              <a:rPr lang="en-US" altLang="zh-CN" dirty="0" smtClean="0"/>
+              <a:t> </a:t>
+            </a:r>
+            <a:r>
+              <a:rPr lang="en-US" altLang="zh-CN" dirty="0" err="1" smtClean="0"/>
               <a:t>git</a:t>
             </a:r>
             <a:r>
+              <a:rPr lang="en-US" altLang="zh-CN" dirty="0" smtClean="0"/>
+              <a:t> </a:t>
+            </a:r>
+            <a:r>
               <a:rPr lang="en-US" altLang="zh-CN" dirty="0"/>
-              <a:t> clone</a:t>
+              <a:t>clone</a:t>
             </a:r>
             <a:r>
               <a:rPr lang="zh-CN" altLang="en-US" dirty="0"/>
@@ -12847,7 +13068,7 @@
             <a:endParaRPr lang="en-US" altLang="zh-CN" sz="3200" dirty="0" smtClean="0"/>
           </a:p>
           <a:p>
-            <a:pPr marL="857250" lvl="2" indent="-457200">
+            <a:pPr marL="1314450" lvl="3" indent="-457200">
               <a:buFont typeface="Wingdings" charset="2"/>
               <a:buChar char="Ø"/>
             </a:pPr>
@@ -12858,7 +13079,7 @@
             <a:endParaRPr lang="en-US" altLang="zh-CN" dirty="0" smtClean="0"/>
           </a:p>
           <a:p>
-            <a:pPr marL="857250" lvl="2" indent="-457200">
+            <a:pPr marL="1314450" lvl="3" indent="-457200">
               <a:buFont typeface="Wingdings" charset="2"/>
               <a:buChar char="Ø"/>
             </a:pPr>
@@ -12889,7 +13110,7 @@
             <a:endParaRPr lang="en-US" altLang="zh-CN" dirty="0" smtClean="0"/>
           </a:p>
           <a:p>
-            <a:pPr marL="857250" lvl="2" indent="-457200">
+            <a:pPr marL="1314450" lvl="3" indent="-457200">
               <a:buFont typeface="Wingdings" charset="2"/>
               <a:buChar char="Ø"/>
             </a:pPr>
@@ -12924,7 +13145,7 @@
             <a:endParaRPr lang="en-US" altLang="zh-CN" dirty="0" smtClean="0"/>
           </a:p>
           <a:p>
-            <a:pPr marL="857250" lvl="2" indent="-457200">
+            <a:pPr marL="1314450" lvl="3" indent="-457200">
               <a:buFont typeface="Wingdings" charset="2"/>
               <a:buChar char="Ø"/>
             </a:pPr>
@@ -12987,7 +13208,7 @@
             <a:endParaRPr lang="en-US" altLang="zh-CN" dirty="0" smtClean="0"/>
           </a:p>
           <a:p>
-            <a:pPr marL="857250" lvl="2" indent="-457200">
+            <a:pPr marL="1314450" lvl="3" indent="-457200">
               <a:buFont typeface="Wingdings" charset="2"/>
               <a:buChar char="Ø"/>
             </a:pPr>
@@ -13051,7 +13272,7 @@
 </p:sld>
 </file>
 
-<file path=ppt/slides/slide34.xml><?xml version="1.0" encoding="utf-8"?>
+<file path=ppt/slides/slide36.xml><?xml version="1.0" encoding="utf-8"?>
 <p:sld xmlns:a="http://schemas.openxmlformats.org/drawingml/2006/main" xmlns:r="http://schemas.openxmlformats.org/officeDocument/2006/relationships" xmlns:p="http://schemas.openxmlformats.org/presentationml/2006/main">
   <p:cSld>
     <p:spTree>
@@ -13081,7 +13302,7 @@
         <p:spPr>
           <a:xfrm>
             <a:off x="457200" y="620688"/>
-            <a:ext cx="8229600" cy="5505475"/>
+            <a:ext cx="8229600" cy="5760640"/>
           </a:xfrm>
         </p:spPr>
         <p:txBody>
@@ -13142,7 +13363,7 @@
             </a:r>
           </a:p>
           <a:p>
-            <a:pPr lvl="1">
+            <a:pPr lvl="2">
               <a:buFont typeface="Wingdings" charset="2"/>
               <a:buChar char="Ø"/>
             </a:pPr>
@@ -13165,7 +13386,7 @@
             <a:endParaRPr lang="en-US" altLang="zh-CN" dirty="0" smtClean="0"/>
           </a:p>
           <a:p>
-            <a:pPr lvl="1">
+            <a:pPr lvl="2">
               <a:buFont typeface="Wingdings" charset="2"/>
               <a:buChar char="Ø"/>
             </a:pPr>
@@ -13181,6 +13402,13 @@
               <a:rPr lang="zh-CN" altLang="en-US" dirty="0" smtClean="0"/>
               <a:t>影响</a:t>
             </a:r>
+            <a:endParaRPr lang="en-US" altLang="zh-CN" dirty="0" smtClean="0"/>
+          </a:p>
+          <a:p>
+            <a:pPr lvl="2">
+              <a:buFont typeface="Wingdings" charset="2"/>
+              <a:buChar char="Ø"/>
+            </a:pPr>
             <a:endParaRPr lang="en-US" altLang="zh-CN" dirty="0" smtClean="0"/>
           </a:p>
           <a:p>
@@ -13250,7 +13478,7 @@
             </a:r>
           </a:p>
           <a:p>
-            <a:pPr marL="857250" lvl="2" indent="-457200">
+            <a:pPr marL="1314450" lvl="3" indent="-457200">
               <a:buFont typeface="Wingdings" charset="2"/>
               <a:buChar char="Ø"/>
             </a:pPr>
@@ -13261,7 +13489,7 @@
             <a:endParaRPr lang="en-US" altLang="zh-CN" dirty="0" smtClean="0"/>
           </a:p>
           <a:p>
-            <a:pPr marL="857250" lvl="2" indent="-457200">
+            <a:pPr marL="1314450" lvl="3" indent="-457200">
               <a:buFont typeface="Wingdings" charset="2"/>
               <a:buChar char="Ø"/>
             </a:pPr>
@@ -13296,7 +13524,7 @@
             <a:endParaRPr kumimoji="1" lang="en-US" altLang="zh-CN" dirty="0" smtClean="0"/>
           </a:p>
           <a:p>
-            <a:pPr marL="857250" lvl="2" indent="-457200">
+            <a:pPr marL="1314450" lvl="3" indent="-457200">
               <a:buFont typeface="Wingdings" charset="2"/>
               <a:buChar char="Ø"/>
             </a:pPr>
@@ -13346,10 +13574,17 @@
   <p:clrMapOvr>
     <a:masterClrMapping/>
   </p:clrMapOvr>
+  <p:timing>
+    <p:tnLst>
+      <p:par>
+        <p:cTn id="1" dur="indefinite" restart="never" nodeType="tmRoot"/>
+      </p:par>
+    </p:tnLst>
+  </p:timing>
 </p:sld>
 </file>
 
-<file path=ppt/slides/slide35.xml><?xml version="1.0" encoding="utf-8"?>
+<file path=ppt/slides/slide37.xml><?xml version="1.0" encoding="utf-8"?>
 <p:sld xmlns:a="http://schemas.openxmlformats.org/drawingml/2006/main" xmlns:r="http://schemas.openxmlformats.org/officeDocument/2006/relationships" xmlns:p="http://schemas.openxmlformats.org/presentationml/2006/main">
   <p:cSld>
     <p:spTree>
@@ -13384,7 +13619,7 @@
         </p:spPr>
         <p:txBody>
           <a:bodyPr>
-            <a:normAutofit lnSpcReduction="10000"/>
+            <a:normAutofit/>
           </a:bodyPr>
           <a:lstStyle/>
           <a:p>
@@ -13420,7 +13655,7 @@
             <a:endParaRPr kumimoji="1" lang="en-US" altLang="zh-CN" dirty="0" smtClean="0"/>
           </a:p>
           <a:p>
-            <a:pPr lvl="1">
+            <a:pPr lvl="2">
               <a:buFont typeface="Wingdings" charset="2"/>
               <a:buChar char="Ø"/>
             </a:pPr>
@@ -13435,7 +13670,7 @@
             <a:endParaRPr kumimoji="1" lang="en-US" altLang="zh-CN" dirty="0" smtClean="0"/>
           </a:p>
           <a:p>
-            <a:pPr lvl="1">
+            <a:pPr lvl="2">
               <a:buFont typeface="Wingdings" charset="2"/>
               <a:buChar char="Ø"/>
             </a:pPr>
@@ -13480,7 +13715,7 @@
             <a:endParaRPr kumimoji="1" lang="en-US" altLang="zh-CN" dirty="0"/>
           </a:p>
           <a:p>
-            <a:pPr lvl="1">
+            <a:pPr lvl="2">
               <a:buFont typeface="Wingdings" charset="2"/>
               <a:buChar char="Ø"/>
             </a:pPr>
@@ -13503,7 +13738,7 @@
             <a:endParaRPr lang="en-US" altLang="zh-CN" dirty="0" smtClean="0"/>
           </a:p>
           <a:p>
-            <a:pPr lvl="1">
+            <a:pPr lvl="2">
               <a:buFont typeface="Wingdings" charset="2"/>
               <a:buChar char="Ø"/>
             </a:pPr>
@@ -13544,7 +13779,7 @@
             <a:endParaRPr lang="en-US" altLang="zh-CN" dirty="0"/>
           </a:p>
           <a:p>
-            <a:pPr lvl="1">
+            <a:pPr lvl="2">
               <a:buFont typeface="Wingdings" charset="2"/>
               <a:buChar char="Ø"/>
             </a:pPr>
@@ -13559,7 +13794,7 @@
             <a:endParaRPr lang="en-US" altLang="zh-CN" dirty="0" smtClean="0"/>
           </a:p>
           <a:p>
-            <a:pPr lvl="1">
+            <a:pPr lvl="2">
               <a:buFont typeface="Wingdings" charset="2"/>
               <a:buChar char="Ø"/>
             </a:pPr>
@@ -13603,10 +13838,17 @@
   <p:clrMapOvr>
     <a:masterClrMapping/>
   </p:clrMapOvr>
+  <p:timing>
+    <p:tnLst>
+      <p:par>
+        <p:cTn id="1" dur="indefinite" restart="never" nodeType="tmRoot"/>
+      </p:par>
+    </p:tnLst>
+  </p:timing>
 </p:sld>
 </file>
 
-<file path=ppt/slides/slide36.xml><?xml version="1.0" encoding="utf-8"?>
+<file path=ppt/slides/slide38.xml><?xml version="1.0" encoding="utf-8"?>
 <p:sld xmlns:a="http://schemas.openxmlformats.org/drawingml/2006/main" xmlns:r="http://schemas.openxmlformats.org/officeDocument/2006/relationships" xmlns:p="http://schemas.openxmlformats.org/presentationml/2006/main">
   <p:cSld>
     <p:spTree>
@@ -13650,7 +13892,7 @@
             <a:endParaRPr lang="en-US" altLang="zh-CN" dirty="0"/>
           </a:p>
           <a:p>
-            <a:pPr>
+            <a:pPr lvl="1">
               <a:buFont typeface="Wingdings" charset="2"/>
               <a:buChar char="Ø"/>
             </a:pPr>
@@ -13713,30 +13955,45 @@
             <a:endParaRPr lang="en-US" altLang="zh-CN" dirty="0" smtClean="0"/>
           </a:p>
           <a:p>
-            <a:r>
-              <a:rPr kumimoji="1" lang="zh-CN" altLang="en-US" dirty="0"/>
-              <a:t>手动建立追踪关系</a:t>
-            </a:r>
-            <a:endParaRPr kumimoji="1" lang="en-US" altLang="zh-CN" dirty="0"/>
-          </a:p>
-          <a:p>
-            <a:pPr>
+            <a:pPr lvl="1">
               <a:buFont typeface="Wingdings" charset="2"/>
               <a:buChar char="Ø"/>
             </a:pPr>
-            <a:r>
-              <a:rPr lang="en-US" altLang="zh-CN" dirty="0" err="1" smtClean="0"/>
+            <a:endParaRPr lang="en-US" altLang="zh-CN" dirty="0" smtClean="0"/>
+          </a:p>
+          <a:p>
+            <a:r>
+              <a:rPr kumimoji="1" lang="zh-CN" altLang="en-US" dirty="0"/>
+              <a:t>手动建立追踪关系</a:t>
+            </a:r>
+            <a:endParaRPr kumimoji="1" lang="en-US" altLang="zh-CN" dirty="0"/>
+          </a:p>
+          <a:p>
+            <a:pPr lvl="1">
+              <a:buFont typeface="Wingdings" charset="2"/>
+              <a:buChar char="Ø"/>
+            </a:pPr>
+            <a:r>
+              <a:rPr lang="en-US" altLang="zh-CN" dirty="0" err="1" smtClean="0">
+                <a:latin typeface="Comic Sans MS" pitchFamily="66" charset="0"/>
+              </a:rPr>
               <a:t>git</a:t>
             </a:r>
             <a:r>
-              <a:rPr lang="en-US" altLang="zh-CN" dirty="0" smtClean="0"/>
+              <a:rPr lang="en-US" altLang="zh-CN" dirty="0" smtClean="0">
+                <a:latin typeface="Comic Sans MS" pitchFamily="66" charset="0"/>
+              </a:rPr>
               <a:t> </a:t>
             </a:r>
             <a:r>
-              <a:rPr lang="en-US" altLang="zh-CN" dirty="0"/>
+              <a:rPr lang="en-US" altLang="zh-CN" dirty="0">
+                <a:latin typeface="Comic Sans MS" pitchFamily="66" charset="0"/>
+              </a:rPr>
               <a:t>branch --set-upstream master origin/next</a:t>
             </a:r>
-            <a:endParaRPr kumimoji="1" lang="zh-CN" altLang="en-US" dirty="0"/>
+            <a:endParaRPr kumimoji="1" lang="zh-CN" altLang="en-US" dirty="0">
+              <a:latin typeface="Comic Sans MS" pitchFamily="66" charset="0"/>
+            </a:endParaRPr>
           </a:p>
         </p:txBody>
       </p:sp>
@@ -13750,10 +14007,17 @@
   <p:clrMapOvr>
     <a:masterClrMapping/>
   </p:clrMapOvr>
+  <p:timing>
+    <p:tnLst>
+      <p:par>
+        <p:cTn id="1" dur="indefinite" restart="never" nodeType="tmRoot"/>
+      </p:par>
+    </p:tnLst>
+  </p:timing>
 </p:sld>
 </file>
 
-<file path=ppt/slides/slide37.xml><?xml version="1.0" encoding="utf-8"?>
+<file path=ppt/slides/slide39.xml><?xml version="1.0" encoding="utf-8"?>
 <p:sld xmlns:a="http://schemas.openxmlformats.org/drawingml/2006/main" xmlns:r="http://schemas.openxmlformats.org/officeDocument/2006/relationships" xmlns:p="http://schemas.openxmlformats.org/presentationml/2006/main">
   <p:cSld>
     <p:spTree>
@@ -13788,7 +14052,7 @@
         </p:spPr>
         <p:txBody>
           <a:bodyPr>
-            <a:normAutofit lnSpcReduction="10000"/>
+            <a:normAutofit/>
           </a:bodyPr>
           <a:lstStyle/>
           <a:p>
@@ -13814,7 +14078,7 @@
             </a:r>
           </a:p>
           <a:p>
-            <a:pPr>
+            <a:pPr lvl="1">
               <a:buFont typeface="Wingdings" charset="2"/>
               <a:buChar char="Ø"/>
             </a:pPr>
@@ -13841,7 +14105,7 @@
             <a:endParaRPr lang="en-US" altLang="zh-CN" dirty="0" smtClean="0"/>
           </a:p>
           <a:p>
-            <a:pPr>
+            <a:pPr lvl="1">
               <a:buFont typeface="Wingdings" charset="2"/>
               <a:buChar char="Ø"/>
             </a:pPr>
@@ -13879,7 +14143,7 @@
             </a:r>
           </a:p>
           <a:p>
-            <a:pPr>
+            <a:pPr lvl="1">
               <a:buFont typeface="Wingdings" charset="2"/>
               <a:buChar char="Ø"/>
             </a:pPr>
@@ -13914,7 +14178,7 @@
             <a:endParaRPr lang="en-US" altLang="zh-CN" dirty="0" smtClean="0"/>
           </a:p>
           <a:p>
-            <a:pPr>
+            <a:pPr lvl="1">
               <a:buFont typeface="Wingdings" charset="2"/>
               <a:buChar char="Ø"/>
             </a:pPr>
@@ -13952,7 +14216,7 @@
             </a:r>
           </a:p>
           <a:p>
-            <a:pPr>
+            <a:pPr lvl="1">
               <a:buFont typeface="Wingdings" charset="2"/>
               <a:buChar char="Ø"/>
             </a:pPr>
@@ -13966,11 +14230,7 @@
             </a:r>
             <a:r>
               <a:rPr lang="en-US" altLang="zh-CN" dirty="0"/>
-              <a:t>master</a:t>
-            </a:r>
-            <a:r>
-              <a:rPr lang="en-US" altLang="zh-CN" dirty="0"/>
-              <a:t> </a:t>
+              <a:t>master </a:t>
             </a:r>
             <a:r>
               <a:rPr lang="zh-CN" altLang="en-US" dirty="0"/>
@@ -14006,251 +14266,13 @@
   <p:clrMapOvr>
     <a:masterClrMapping/>
   </p:clrMapOvr>
-</p:sld>
-</file>
-
-<file path=ppt/slides/slide38.xml><?xml version="1.0" encoding="utf-8"?>
-<p:sld xmlns:a="http://schemas.openxmlformats.org/drawingml/2006/main" xmlns:r="http://schemas.openxmlformats.org/officeDocument/2006/relationships" xmlns:p="http://schemas.openxmlformats.org/presentationml/2006/main">
-  <p:cSld>
-    <p:spTree>
-      <p:nvGrpSpPr>
-        <p:cNvPr id="1" name=""/>
-        <p:cNvGrpSpPr/>
-        <p:nvPr/>
-      </p:nvGrpSpPr>
-      <p:grpSpPr>
-        <a:xfrm>
-          <a:off x="0" y="0"/>
-          <a:ext cx="0" cy="0"/>
-          <a:chOff x="0" y="0"/>
-          <a:chExt cx="0" cy="0"/>
-        </a:xfrm>
-      </p:grpSpPr>
-      <p:sp>
-        <p:nvSpPr>
-          <p:cNvPr id="3" name="内容占位符 2"/>
-          <p:cNvSpPr>
-            <a:spLocks noGrp="1"/>
-          </p:cNvSpPr>
-          <p:nvPr>
-            <p:ph idx="1"/>
-          </p:nvPr>
-        </p:nvSpPr>
-        <p:spPr>
-          <a:xfrm>
-            <a:off x="457200" y="332656"/>
-            <a:ext cx="8229600" cy="5793507"/>
-          </a:xfrm>
-        </p:spPr>
-        <p:txBody>
-          <a:bodyPr/>
-          <a:lstStyle/>
-          <a:p>
-            <a:r>
-              <a:rPr kumimoji="1" lang="en-US" altLang="zh-CN" dirty="0" smtClean="0"/>
-              <a:t>5.</a:t>
-            </a:r>
-            <a:r>
-              <a:rPr kumimoji="1" lang="zh-CN" altLang="en-US" dirty="0" smtClean="0"/>
-              <a:t> </a:t>
-            </a:r>
-            <a:r>
-              <a:rPr kumimoji="1" lang="en-US" altLang="zh-CN" dirty="0" err="1" smtClean="0"/>
-              <a:t>git</a:t>
-            </a:r>
-            <a:r>
-              <a:rPr kumimoji="1" lang="zh-CN" altLang="en-US" dirty="0" smtClean="0"/>
-              <a:t> </a:t>
-            </a:r>
-            <a:r>
-              <a:rPr kumimoji="1" lang="en-US" altLang="zh-CN" dirty="0" smtClean="0"/>
-              <a:t>push</a:t>
-            </a:r>
-          </a:p>
-          <a:p>
-            <a:r>
-              <a:rPr lang="zh-CN" altLang="en-US" dirty="0"/>
-              <a:t>如果省略本地分支名，则表示删除指定的远程分支，因为这等同于推送一个空的本地分支到远程</a:t>
-            </a:r>
-            <a:r>
-              <a:rPr lang="zh-CN" altLang="en-US" dirty="0" smtClean="0"/>
-              <a:t>分支</a:t>
-            </a:r>
-            <a:endParaRPr lang="en-US" altLang="zh-CN" dirty="0" smtClean="0"/>
-          </a:p>
-          <a:p>
-            <a:r>
-              <a:rPr kumimoji="1" lang="zh-CN" altLang="en-US" dirty="0" smtClean="0"/>
-              <a:t> </a:t>
-            </a:r>
-            <a:r>
-              <a:rPr lang="en-US" altLang="zh-CN" dirty="0" err="1"/>
-              <a:t>git</a:t>
-            </a:r>
-            <a:r>
-              <a:rPr lang="en-US" altLang="zh-CN" dirty="0"/>
-              <a:t> push origin :</a:t>
-            </a:r>
-            <a:r>
-              <a:rPr lang="en-US" altLang="zh-CN" dirty="0" smtClean="0"/>
-              <a:t>master</a:t>
-            </a:r>
-          </a:p>
-          <a:p>
-            <a:r>
-              <a:rPr lang="zh-CN" altLang="en-US" dirty="0"/>
-              <a:t>等同于 </a:t>
-            </a:r>
-            <a:r>
-              <a:rPr lang="en-US" altLang="zh-CN" dirty="0"/>
-              <a:t>$ </a:t>
-            </a:r>
-            <a:r>
-              <a:rPr lang="en-US" altLang="zh-CN" dirty="0" err="1"/>
-              <a:t>git</a:t>
-            </a:r>
-            <a:r>
-              <a:rPr lang="en-US" altLang="zh-CN" dirty="0"/>
-              <a:t> push origin --delete master</a:t>
-            </a:r>
-            <a:endParaRPr kumimoji="1" lang="en-US" altLang="zh-CN" dirty="0" smtClean="0"/>
-          </a:p>
-          <a:p>
-            <a:endParaRPr kumimoji="1" lang="zh-CN" altLang="en-US" dirty="0"/>
-          </a:p>
-        </p:txBody>
-      </p:sp>
-    </p:spTree>
-    <p:extLst>
-      <p:ext uri="{BB962C8B-B14F-4D97-AF65-F5344CB8AC3E}">
-        <p14:creationId xmlns:p14="http://schemas.microsoft.com/office/powerpoint/2010/main" val="185474498"/>
-      </p:ext>
-    </p:extLst>
-  </p:cSld>
-  <p:clrMapOvr>
-    <a:masterClrMapping/>
-  </p:clrMapOvr>
-</p:sld>
-</file>
-
-<file path=ppt/slides/slide39.xml><?xml version="1.0" encoding="utf-8"?>
-<p:sld xmlns:a="http://schemas.openxmlformats.org/drawingml/2006/main" xmlns:r="http://schemas.openxmlformats.org/officeDocument/2006/relationships" xmlns:p="http://schemas.openxmlformats.org/presentationml/2006/main">
-  <p:cSld>
-    <p:spTree>
-      <p:nvGrpSpPr>
-        <p:cNvPr id="1" name=""/>
-        <p:cNvGrpSpPr/>
-        <p:nvPr/>
-      </p:nvGrpSpPr>
-      <p:grpSpPr>
-        <a:xfrm>
-          <a:off x="0" y="0"/>
-          <a:ext cx="0" cy="0"/>
-          <a:chOff x="0" y="0"/>
-          <a:chExt cx="0" cy="0"/>
-        </a:xfrm>
-      </p:grpSpPr>
-      <p:sp>
-        <p:nvSpPr>
-          <p:cNvPr id="2" name="标题 1"/>
-          <p:cNvSpPr>
-            <a:spLocks noGrp="1"/>
-          </p:cNvSpPr>
-          <p:nvPr>
-            <p:ph type="title"/>
-          </p:nvPr>
-        </p:nvSpPr>
-        <p:spPr/>
-        <p:txBody>
-          <a:bodyPr/>
-          <a:lstStyle/>
-          <a:p>
-            <a:r>
-              <a:rPr kumimoji="1" lang="zh-CN" altLang="en-US" dirty="0" smtClean="0"/>
-              <a:t>六、</a:t>
-            </a:r>
-            <a:r>
-              <a:rPr kumimoji="1" lang="en-US" altLang="zh-CN" dirty="0" err="1" smtClean="0"/>
-              <a:t>Git</a:t>
-            </a:r>
-            <a:r>
-              <a:rPr kumimoji="1" lang="zh-CN" altLang="en-US" dirty="0" smtClean="0"/>
-              <a:t> 标签</a:t>
-            </a:r>
-            <a:endParaRPr kumimoji="1" lang="zh-CN" altLang="en-US" dirty="0"/>
-          </a:p>
-        </p:txBody>
-      </p:sp>
-      <p:sp>
-        <p:nvSpPr>
-          <p:cNvPr id="3" name="内容占位符 2"/>
-          <p:cNvSpPr>
-            <a:spLocks noGrp="1"/>
-          </p:cNvSpPr>
-          <p:nvPr>
-            <p:ph idx="1"/>
-          </p:nvPr>
-        </p:nvSpPr>
-        <p:spPr/>
-        <p:txBody>
-          <a:bodyPr/>
-          <a:lstStyle/>
-          <a:p>
-            <a:r>
-              <a:rPr kumimoji="1" lang="en-US" altLang="zh-CN" dirty="0" smtClean="0"/>
-              <a:t>1.</a:t>
-            </a:r>
-            <a:r>
-              <a:rPr kumimoji="1" lang="zh-CN" altLang="en-US" dirty="0" smtClean="0"/>
-              <a:t> 创建标签</a:t>
-            </a:r>
-            <a:endParaRPr kumimoji="1" lang="en-US" altLang="zh-CN" dirty="0" smtClean="0"/>
-          </a:p>
-          <a:p>
-            <a:r>
-              <a:rPr kumimoji="1" lang="en-US" altLang="zh-CN" dirty="0" smtClean="0"/>
-              <a:t>2.</a:t>
-            </a:r>
-            <a:r>
-              <a:rPr kumimoji="1" lang="zh-CN" altLang="en-US" dirty="0" smtClean="0"/>
-              <a:t> 查看标签</a:t>
-            </a:r>
-            <a:endParaRPr kumimoji="1" lang="en-US" altLang="zh-CN" dirty="0" smtClean="0"/>
-          </a:p>
-          <a:p>
-            <a:r>
-              <a:rPr kumimoji="1" lang="en-US" altLang="zh-CN" dirty="0" smtClean="0"/>
-              <a:t>3.</a:t>
-            </a:r>
-            <a:r>
-              <a:rPr kumimoji="1" lang="zh-CN" altLang="en-US" dirty="0" smtClean="0"/>
-              <a:t> 共享标签</a:t>
-            </a:r>
-            <a:endParaRPr kumimoji="1" lang="en-US" altLang="zh-CN" dirty="0" smtClean="0"/>
-          </a:p>
-          <a:p>
-            <a:r>
-              <a:rPr kumimoji="1" lang="en-US" altLang="zh-CN" dirty="0" smtClean="0"/>
-              <a:t>4.</a:t>
-            </a:r>
-            <a:r>
-              <a:rPr kumimoji="1" lang="zh-CN" altLang="en-US" dirty="0" smtClean="0"/>
-              <a:t> 删除标签</a:t>
-            </a:r>
-            <a:endParaRPr kumimoji="1" lang="zh-CN" altLang="en-US" dirty="0"/>
-          </a:p>
-        </p:txBody>
-      </p:sp>
-    </p:spTree>
-    <p:extLst>
-      <p:ext uri="{BB962C8B-B14F-4D97-AF65-F5344CB8AC3E}">
-        <p14:creationId xmlns:p14="http://schemas.microsoft.com/office/powerpoint/2010/main" val="313976100"/>
-      </p:ext>
-    </p:extLst>
-  </p:cSld>
-  <p:clrMapOvr>
-    <a:masterClrMapping/>
-  </p:clrMapOvr>
+  <p:timing>
+    <p:tnLst>
+      <p:par>
+        <p:cTn id="1" dur="indefinite" restart="never" nodeType="tmRoot"/>
+      </p:par>
+    </p:tnLst>
+  </p:timing>
 </p:sld>
 </file>
 
@@ -14323,27 +14345,19 @@
         </p:nvSpPr>
         <p:spPr/>
         <p:txBody>
-          <a:bodyPr/>
+          <a:bodyPr anchor="t"/>
           <a:lstStyle/>
           <a:p>
             <a:pPr marL="0" indent="0">
               <a:buNone/>
             </a:pPr>
-            <a:endParaRPr lang="en-US" altLang="zh-CN" dirty="0" smtClean="0"/>
-          </a:p>
-          <a:p>
-            <a:pPr marL="0" indent="0">
-              <a:buNone/>
-            </a:pPr>
-            <a:endParaRPr lang="en-US" altLang="zh-CN" dirty="0" smtClean="0"/>
-          </a:p>
-          <a:p>
-            <a:pPr marL="0" indent="0">
-              <a:buNone/>
-            </a:pPr>
+            <a:r>
+              <a:rPr lang="en-US" altLang="zh-CN" dirty="0" err="1" smtClean="0"/>
+              <a:t>Git</a:t>
+            </a:r>
             <a:r>
               <a:rPr lang="en-US" altLang="zh-CN" dirty="0" smtClean="0"/>
-              <a:t>Git </a:t>
+              <a:t> </a:t>
             </a:r>
             <a:r>
               <a:rPr lang="zh-CN" altLang="en-US" dirty="0"/>
@@ -14405,34 +14419,6 @@
       </p:grpSpPr>
       <p:sp>
         <p:nvSpPr>
-          <p:cNvPr id="2" name="标题 1"/>
-          <p:cNvSpPr>
-            <a:spLocks noGrp="1"/>
-          </p:cNvSpPr>
-          <p:nvPr>
-            <p:ph type="title"/>
-          </p:nvPr>
-        </p:nvSpPr>
-        <p:spPr/>
-        <p:txBody>
-          <a:bodyPr/>
-          <a:lstStyle/>
-          <a:p>
-            <a:pPr algn="l"/>
-            <a:r>
-              <a:rPr kumimoji="1" lang="en-US" altLang="zh-CN" dirty="0" smtClean="0"/>
-              <a:t>1.</a:t>
-            </a:r>
-            <a:r>
-              <a:rPr kumimoji="1" lang="zh-CN" altLang="en-US" dirty="0" smtClean="0"/>
-              <a:t> 创建标签</a:t>
-            </a:r>
-            <a:endParaRPr kumimoji="1" lang="zh-CN" altLang="en-US" dirty="0"/>
-          </a:p>
-        </p:txBody>
-      </p:sp>
-      <p:sp>
-        <p:nvSpPr>
           <p:cNvPr id="3" name="内容占位符 2"/>
           <p:cNvSpPr>
             <a:spLocks noGrp="1"/>
@@ -14441,18 +14427,24 @@
             <p:ph idx="1"/>
           </p:nvPr>
         </p:nvSpPr>
-        <p:spPr/>
+        <p:spPr>
+          <a:xfrm>
+            <a:off x="457200" y="332656"/>
+            <a:ext cx="8229600" cy="5793507"/>
+          </a:xfrm>
+        </p:spPr>
         <p:txBody>
           <a:bodyPr/>
           <a:lstStyle/>
           <a:p>
             <a:r>
+              <a:rPr kumimoji="1" lang="en-US" altLang="zh-CN" dirty="0" smtClean="0"/>
+              <a:t>5.</a:t>
+            </a:r>
+            <a:r>
               <a:rPr kumimoji="1" lang="zh-CN" altLang="en-US" dirty="0" smtClean="0"/>
-              <a:t>轻量标签</a:t>
-            </a:r>
-            <a:endParaRPr kumimoji="1" lang="en-US" altLang="zh-CN" dirty="0" smtClean="0"/>
-          </a:p>
-          <a:p>
+              <a:t> </a:t>
+            </a:r>
             <a:r>
               <a:rPr kumimoji="1" lang="en-US" altLang="zh-CN" dirty="0" err="1" smtClean="0"/>
               <a:t>git</a:t>
@@ -14463,104 +14455,74 @@
             </a:r>
             <a:r>
               <a:rPr kumimoji="1" lang="en-US" altLang="zh-CN" dirty="0" smtClean="0"/>
-              <a:t>tag</a:t>
-            </a:r>
+              <a:t>push</a:t>
+            </a:r>
+          </a:p>
+          <a:p>
+            <a:pPr lvl="1">
+              <a:buFont typeface="Wingdings" pitchFamily="2" charset="2"/>
+              <a:buChar char="Ø"/>
+            </a:pPr>
+            <a:r>
+              <a:rPr lang="zh-CN" altLang="en-US" dirty="0" smtClean="0"/>
+              <a:t>如果</a:t>
+            </a:r>
+            <a:r>
+              <a:rPr lang="zh-CN" altLang="en-US" dirty="0"/>
+              <a:t>省略本地分支名，则表示删除指定的远程分支，因为这等同于推送一个空的本地分支到远程</a:t>
+            </a:r>
+            <a:r>
+              <a:rPr lang="zh-CN" altLang="en-US" dirty="0" smtClean="0"/>
+              <a:t>分支</a:t>
+            </a:r>
+            <a:endParaRPr lang="en-US" altLang="zh-CN" dirty="0" smtClean="0"/>
+          </a:p>
+          <a:p>
+            <a:pPr lvl="1">
+              <a:buFont typeface="Wingdings" pitchFamily="2" charset="2"/>
+              <a:buChar char="Ø"/>
+            </a:pPr>
             <a:r>
               <a:rPr kumimoji="1" lang="zh-CN" altLang="en-US" dirty="0" smtClean="0"/>
               <a:t> </a:t>
             </a:r>
             <a:r>
-              <a:rPr kumimoji="1" lang="en-US" altLang="zh-CN" dirty="0" smtClean="0"/>
-              <a:t>&lt;</a:t>
-            </a:r>
-            <a:r>
-              <a:rPr kumimoji="1" lang="zh-CN" altLang="en-US" dirty="0" smtClean="0"/>
-              <a:t>标签名称</a:t>
-            </a:r>
-            <a:r>
-              <a:rPr kumimoji="1" lang="en-US" altLang="zh-CN" dirty="0" smtClean="0"/>
-              <a:t>&gt;</a:t>
-            </a:r>
-          </a:p>
-          <a:p>
-            <a:endParaRPr kumimoji="1" lang="en-US" altLang="zh-CN" dirty="0"/>
-          </a:p>
-          <a:p>
-            <a:r>
-              <a:rPr kumimoji="1" lang="zh-CN" altLang="en-US" dirty="0" smtClean="0"/>
-              <a:t>附注标签</a:t>
+              <a:rPr lang="en-US" altLang="zh-CN" dirty="0" err="1"/>
+              <a:t>git</a:t>
+            </a:r>
+            <a:r>
+              <a:rPr lang="en-US" altLang="zh-CN" dirty="0"/>
+              <a:t> push origin :</a:t>
+            </a:r>
+            <a:r>
+              <a:rPr lang="en-US" altLang="zh-CN" dirty="0" smtClean="0"/>
+              <a:t>master</a:t>
+            </a:r>
+          </a:p>
+          <a:p>
+            <a:pPr lvl="1">
+              <a:buFont typeface="Wingdings" pitchFamily="2" charset="2"/>
+              <a:buChar char="Ø"/>
+            </a:pPr>
+            <a:r>
+              <a:rPr lang="zh-CN" altLang="en-US" dirty="0"/>
+              <a:t>等同于 </a:t>
+            </a:r>
+            <a:r>
+              <a:rPr lang="en-US" altLang="zh-CN" dirty="0"/>
+              <a:t>$ </a:t>
+            </a:r>
+            <a:r>
+              <a:rPr lang="en-US" altLang="zh-CN" dirty="0" err="1"/>
+              <a:t>git</a:t>
+            </a:r>
+            <a:r>
+              <a:rPr lang="en-US" altLang="zh-CN" dirty="0"/>
+              <a:t> push origin --delete master</a:t>
             </a:r>
             <a:endParaRPr kumimoji="1" lang="en-US" altLang="zh-CN" dirty="0" smtClean="0"/>
           </a:p>
           <a:p>
-            <a:r>
-              <a:rPr kumimoji="1" lang="en-US" altLang="zh-CN" dirty="0" err="1"/>
-              <a:t>g</a:t>
-            </a:r>
-            <a:r>
-              <a:rPr kumimoji="1" lang="en-US" altLang="zh-CN" dirty="0" err="1" smtClean="0"/>
-              <a:t>it</a:t>
-            </a:r>
-            <a:r>
-              <a:rPr kumimoji="1" lang="zh-CN" altLang="en-US" dirty="0" smtClean="0"/>
-              <a:t> </a:t>
-            </a:r>
-            <a:r>
-              <a:rPr kumimoji="1" lang="en-US" altLang="zh-CN" dirty="0" smtClean="0"/>
-              <a:t>tag</a:t>
-            </a:r>
-            <a:r>
-              <a:rPr kumimoji="1" lang="zh-CN" altLang="en-US" dirty="0" smtClean="0"/>
-              <a:t> </a:t>
-            </a:r>
-            <a:r>
-              <a:rPr kumimoji="1" lang="mr-IN" altLang="zh-CN" dirty="0" smtClean="0"/>
-              <a:t>–</a:t>
-            </a:r>
-            <a:r>
-              <a:rPr kumimoji="1" lang="en-US" altLang="zh-CN" dirty="0" smtClean="0"/>
-              <a:t>a</a:t>
-            </a:r>
-            <a:r>
-              <a:rPr kumimoji="1" lang="zh-CN" altLang="en-US" dirty="0" smtClean="0"/>
-              <a:t> </a:t>
-            </a:r>
-            <a:r>
-              <a:rPr kumimoji="1" lang="en-US" altLang="zh-CN" dirty="0" smtClean="0"/>
-              <a:t>&lt;</a:t>
-            </a:r>
-            <a:r>
-              <a:rPr kumimoji="1" lang="zh-CN" altLang="en-US" dirty="0" smtClean="0"/>
-              <a:t>标签名称</a:t>
-            </a:r>
-            <a:r>
-              <a:rPr kumimoji="1" lang="en-US" altLang="zh-CN" dirty="0" smtClean="0"/>
-              <a:t>&gt;</a:t>
-            </a:r>
-            <a:r>
-              <a:rPr kumimoji="1" lang="zh-CN" altLang="en-US" dirty="0" smtClean="0"/>
-              <a:t> </a:t>
-            </a:r>
-            <a:r>
-              <a:rPr kumimoji="1" lang="en-US" altLang="zh-CN" dirty="0" smtClean="0"/>
-              <a:t>-m</a:t>
-            </a:r>
-            <a:r>
-              <a:rPr kumimoji="1" lang="zh-CN" altLang="en-US" dirty="0" smtClean="0"/>
-              <a:t> </a:t>
-            </a:r>
-            <a:r>
-              <a:rPr kumimoji="1" lang="en-US" altLang="zh-CN" dirty="0" smtClean="0"/>
-              <a:t>“</a:t>
-            </a:r>
-            <a:r>
-              <a:rPr kumimoji="1" lang="zh-CN" altLang="en-US" dirty="0" smtClean="0"/>
-              <a:t>描述信息</a:t>
-            </a:r>
-            <a:r>
-              <a:rPr kumimoji="1" lang="en-US" altLang="zh-CN" dirty="0" smtClean="0"/>
-              <a:t>”</a:t>
-            </a:r>
             <a:endParaRPr kumimoji="1" lang="zh-CN" altLang="en-US" dirty="0"/>
           </a:p>
         </p:txBody>
@@ -14568,13 +14530,20 @@
     </p:spTree>
     <p:extLst>
       <p:ext uri="{BB962C8B-B14F-4D97-AF65-F5344CB8AC3E}">
-        <p14:creationId xmlns:p14="http://schemas.microsoft.com/office/powerpoint/2010/main" val="1489386997"/>
+        <p14:creationId xmlns:p14="http://schemas.microsoft.com/office/powerpoint/2010/main" val="185474498"/>
       </p:ext>
     </p:extLst>
   </p:cSld>
   <p:clrMapOvr>
     <a:masterClrMapping/>
   </p:clrMapOvr>
+  <p:timing>
+    <p:tnLst>
+      <p:par>
+        <p:cTn id="1" dur="indefinite" restart="never" nodeType="tmRoot"/>
+      </p:par>
+    </p:tnLst>
+  </p:timing>
 </p:sld>
 </file>
 
@@ -14610,18 +14579,17 @@
           <a:bodyPr/>
           <a:lstStyle/>
           <a:p>
-            <a:pPr algn="l"/>
-            <a:r>
-              <a:rPr kumimoji="1" lang="en-US" altLang="zh-CN" dirty="0"/>
-              <a:t>2</a:t>
-            </a:r>
-            <a:r>
-              <a:rPr kumimoji="1" lang="en-US" altLang="zh-CN" dirty="0" smtClean="0"/>
-              <a:t>.</a:t>
-            </a:r>
             <a:r>
               <a:rPr kumimoji="1" lang="zh-CN" altLang="en-US" dirty="0" smtClean="0"/>
-              <a:t> 查看标签</a:t>
+              <a:t>六、</a:t>
+            </a:r>
+            <a:r>
+              <a:rPr kumimoji="1" lang="en-US" altLang="zh-CN" dirty="0" err="1" smtClean="0"/>
+              <a:t>Git</a:t>
+            </a:r>
+            <a:r>
+              <a:rPr kumimoji="1" lang="zh-CN" altLang="en-US" dirty="0" smtClean="0"/>
+              <a:t> 标签</a:t>
             </a:r>
             <a:endParaRPr kumimoji="1" lang="zh-CN" altLang="en-US" dirty="0"/>
           </a:p>
@@ -14642,65 +14610,62 @@
           <a:bodyPr/>
           <a:lstStyle/>
           <a:p>
+            <a:pPr marL="514350" indent="-514350">
+              <a:buFont typeface="+mj-lt"/>
+              <a:buAutoNum type="arabicPeriod"/>
+            </a:pPr>
             <a:r>
               <a:rPr kumimoji="1" lang="zh-CN" altLang="en-US" dirty="0" smtClean="0"/>
-              <a:t>列出所有标签</a:t>
+              <a:t>创建</a:t>
+            </a:r>
+            <a:r>
+              <a:rPr kumimoji="1" lang="zh-CN" altLang="en-US" dirty="0" smtClean="0"/>
+              <a:t>标签</a:t>
             </a:r>
             <a:endParaRPr kumimoji="1" lang="en-US" altLang="zh-CN" dirty="0" smtClean="0"/>
           </a:p>
           <a:p>
-            <a:r>
-              <a:rPr kumimoji="1" lang="en-US" altLang="zh-CN" dirty="0" err="1" smtClean="0"/>
-              <a:t>git</a:t>
-            </a:r>
+            <a:pPr marL="514350" indent="-514350">
+              <a:buFont typeface="+mj-lt"/>
+              <a:buAutoNum type="arabicPeriod"/>
+            </a:pPr>
             <a:r>
               <a:rPr kumimoji="1" lang="zh-CN" altLang="en-US" dirty="0" smtClean="0"/>
-              <a:t> </a:t>
-            </a:r>
-            <a:r>
-              <a:rPr kumimoji="1" lang="en-US" altLang="zh-CN" dirty="0" smtClean="0"/>
-              <a:t>tag</a:t>
+              <a:t>查看</a:t>
             </a:r>
             <a:r>
               <a:rPr kumimoji="1" lang="zh-CN" altLang="en-US" dirty="0" smtClean="0"/>
-              <a:t> </a:t>
+              <a:t>标签</a:t>
             </a:r>
             <a:endParaRPr kumimoji="1" lang="en-US" altLang="zh-CN" dirty="0" smtClean="0"/>
           </a:p>
           <a:p>
-            <a:endParaRPr kumimoji="1" lang="en-US" altLang="zh-CN" dirty="0"/>
-          </a:p>
-          <a:p>
+            <a:pPr marL="514350" indent="-514350">
+              <a:buFont typeface="+mj-lt"/>
+              <a:buAutoNum type="arabicPeriod"/>
+            </a:pPr>
             <a:r>
               <a:rPr kumimoji="1" lang="zh-CN" altLang="en-US" dirty="0" smtClean="0"/>
-              <a:t>查看标签版本信息</a:t>
+              <a:t>共享</a:t>
+            </a:r>
+            <a:r>
+              <a:rPr kumimoji="1" lang="zh-CN" altLang="en-US" dirty="0" smtClean="0"/>
+              <a:t>标签</a:t>
             </a:r>
             <a:endParaRPr kumimoji="1" lang="en-US" altLang="zh-CN" dirty="0" smtClean="0"/>
           </a:p>
           <a:p>
-            <a:r>
-              <a:rPr kumimoji="1" lang="en-US" altLang="zh-CN" dirty="0" err="1"/>
-              <a:t>g</a:t>
-            </a:r>
-            <a:r>
-              <a:rPr kumimoji="1" lang="en-US" altLang="zh-CN" dirty="0" err="1" smtClean="0"/>
-              <a:t>it</a:t>
-            </a:r>
+            <a:pPr marL="514350" indent="-514350">
+              <a:buFont typeface="+mj-lt"/>
+              <a:buAutoNum type="arabicPeriod"/>
+            </a:pPr>
             <a:r>
               <a:rPr kumimoji="1" lang="zh-CN" altLang="en-US" dirty="0" smtClean="0"/>
-              <a:t> </a:t>
-            </a:r>
-            <a:r>
-              <a:rPr kumimoji="1" lang="en-US" altLang="zh-CN" dirty="0" smtClean="0"/>
-              <a:t>show</a:t>
+              <a:t>删除</a:t>
             </a:r>
             <a:r>
               <a:rPr kumimoji="1" lang="zh-CN" altLang="en-US" dirty="0" smtClean="0"/>
-              <a:t> </a:t>
-            </a:r>
-            <a:r>
-              <a:rPr kumimoji="1" lang="en-US" altLang="zh-CN" dirty="0" smtClean="0"/>
-              <a:t>v1.0</a:t>
+              <a:t>标签</a:t>
             </a:r>
             <a:endParaRPr kumimoji="1" lang="zh-CN" altLang="en-US" dirty="0"/>
           </a:p>
@@ -14709,13 +14674,20 @@
     </p:spTree>
     <p:extLst>
       <p:ext uri="{BB962C8B-B14F-4D97-AF65-F5344CB8AC3E}">
-        <p14:creationId xmlns:p14="http://schemas.microsoft.com/office/powerpoint/2010/main" val="1848278825"/>
+        <p14:creationId xmlns:p14="http://schemas.microsoft.com/office/powerpoint/2010/main" val="313976100"/>
       </p:ext>
     </p:extLst>
   </p:cSld>
   <p:clrMapOvr>
     <a:masterClrMapping/>
   </p:clrMapOvr>
+  <p:timing>
+    <p:tnLst>
+      <p:par>
+        <p:cTn id="1" dur="indefinite" restart="never" nodeType="tmRoot"/>
+      </p:par>
+    </p:tnLst>
+  </p:timing>
 </p:sld>
 </file>
 
@@ -14754,11 +14726,11 @@
             <a:pPr algn="l"/>
             <a:r>
               <a:rPr kumimoji="1" lang="en-US" altLang="zh-CN" dirty="0" smtClean="0"/>
-              <a:t>3.</a:t>
+              <a:t>1.</a:t>
             </a:r>
             <a:r>
               <a:rPr kumimoji="1" lang="zh-CN" altLang="en-US" dirty="0" smtClean="0"/>
-              <a:t> 共享标签</a:t>
+              <a:t> 创建标签</a:t>
             </a:r>
             <a:endParaRPr kumimoji="1" lang="zh-CN" altLang="en-US" dirty="0"/>
           </a:p>
@@ -14779,6 +14751,21 @@
           <a:bodyPr/>
           <a:lstStyle/>
           <a:p>
+            <a:pPr lvl="1">
+              <a:buFont typeface="Wingdings" pitchFamily="2" charset="2"/>
+              <a:buChar char="Ø"/>
+            </a:pPr>
+            <a:r>
+              <a:rPr kumimoji="1" lang="zh-CN" altLang="en-US" dirty="0" smtClean="0"/>
+              <a:t>轻量标签</a:t>
+            </a:r>
+            <a:endParaRPr kumimoji="1" lang="en-US" altLang="zh-CN" dirty="0" smtClean="0"/>
+          </a:p>
+          <a:p>
+            <a:pPr lvl="2">
+              <a:buFont typeface="Wingdings" pitchFamily="2" charset="2"/>
+              <a:buChar char="ü"/>
+            </a:pPr>
             <a:r>
               <a:rPr kumimoji="1" lang="en-US" altLang="zh-CN" dirty="0" err="1" smtClean="0"/>
               <a:t>git</a:t>
@@ -14789,11 +14776,59 @@
             </a:r>
             <a:r>
               <a:rPr kumimoji="1" lang="en-US" altLang="zh-CN" dirty="0" smtClean="0"/>
-              <a:t>push</a:t>
+              <a:t>tag</a:t>
             </a:r>
             <a:r>
               <a:rPr kumimoji="1" lang="zh-CN" altLang="en-US" dirty="0" smtClean="0"/>
-              <a:t> 默认不会推送 </a:t>
+              <a:t> </a:t>
+            </a:r>
+            <a:r>
+              <a:rPr kumimoji="1" lang="en-US" altLang="zh-CN" dirty="0" smtClean="0"/>
+              <a:t>&lt;</a:t>
+            </a:r>
+            <a:r>
+              <a:rPr kumimoji="1" lang="zh-CN" altLang="en-US" dirty="0" smtClean="0"/>
+              <a:t>标签名称</a:t>
+            </a:r>
+            <a:r>
+              <a:rPr kumimoji="1" lang="en-US" altLang="zh-CN" dirty="0" smtClean="0"/>
+              <a:t>&gt;</a:t>
+            </a:r>
+          </a:p>
+          <a:p>
+            <a:pPr lvl="2">
+              <a:buFont typeface="Wingdings" pitchFamily="2" charset="2"/>
+              <a:buChar char="Ø"/>
+            </a:pPr>
+            <a:endParaRPr kumimoji="1" lang="en-US" altLang="zh-CN" dirty="0"/>
+          </a:p>
+          <a:p>
+            <a:pPr lvl="1">
+              <a:buFont typeface="Wingdings" pitchFamily="2" charset="2"/>
+              <a:buChar char="Ø"/>
+            </a:pPr>
+            <a:r>
+              <a:rPr kumimoji="1" lang="zh-CN" altLang="en-US" dirty="0" smtClean="0"/>
+              <a:t>附注标签</a:t>
+            </a:r>
+            <a:endParaRPr kumimoji="1" lang="en-US" altLang="zh-CN" dirty="0" smtClean="0"/>
+          </a:p>
+          <a:p>
+            <a:pPr lvl="2">
+              <a:buFont typeface="Wingdings" pitchFamily="2" charset="2"/>
+              <a:buChar char="ü"/>
+            </a:pPr>
+            <a:r>
+              <a:rPr kumimoji="1" lang="en-US" altLang="zh-CN" dirty="0" err="1"/>
+              <a:t>g</a:t>
+            </a:r>
+            <a:r>
+              <a:rPr kumimoji="1" lang="en-US" altLang="zh-CN" dirty="0" err="1" smtClean="0"/>
+              <a:t>it</a:t>
+            </a:r>
+            <a:r>
+              <a:rPr kumimoji="1" lang="zh-CN" altLang="en-US" dirty="0" smtClean="0"/>
+              <a:t> </a:t>
             </a:r>
             <a:r>
               <a:rPr kumimoji="1" lang="en-US" altLang="zh-CN" dirty="0" smtClean="0"/>
@@ -14801,14 +14836,15 @@
             </a:r>
             <a:r>
               <a:rPr kumimoji="1" lang="zh-CN" altLang="en-US" dirty="0" smtClean="0"/>
-              <a:t> 到远程仓库，需要显示将标签推送到远程仓库</a:t>
-            </a:r>
-            <a:endParaRPr kumimoji="1" lang="en-US" altLang="zh-CN" dirty="0" smtClean="0"/>
-          </a:p>
-          <a:p>
-            <a:r>
-              <a:rPr kumimoji="1" lang="en-US" altLang="zh-CN" dirty="0" err="1" smtClean="0"/>
-              <a:t>git</a:t>
+              <a:t> </a:t>
+            </a:r>
+            <a:r>
+              <a:rPr kumimoji="1" lang="mr-IN" altLang="zh-CN" dirty="0" smtClean="0"/>
+              <a:t>–</a:t>
+            </a:r>
+            <a:r>
+              <a:rPr kumimoji="1" lang="en-US" altLang="zh-CN" dirty="0" smtClean="0"/>
+              <a:t>a</a:t>
             </a:r>
             <a:r>
               <a:rPr kumimoji="1" lang="zh-CN" altLang="en-US" dirty="0" smtClean="0"/>
@@ -14816,7 +14852,15 @@
             </a:r>
             <a:r>
               <a:rPr kumimoji="1" lang="en-US" altLang="zh-CN" dirty="0" smtClean="0"/>
-              <a:t>push</a:t>
+              <a:t>&lt;</a:t>
+            </a:r>
+            <a:r>
+              <a:rPr kumimoji="1" lang="zh-CN" altLang="en-US" dirty="0" smtClean="0"/>
+              <a:t>标签名称</a:t>
+            </a:r>
+            <a:r>
+              <a:rPr kumimoji="1" lang="en-US" altLang="zh-CN" dirty="0" smtClean="0"/>
+              <a:t>&gt;</a:t>
             </a:r>
             <a:r>
               <a:rPr kumimoji="1" lang="zh-CN" altLang="en-US" dirty="0" smtClean="0"/>
@@ -14824,7 +14868,7 @@
             </a:r>
             <a:r>
               <a:rPr kumimoji="1" lang="en-US" altLang="zh-CN" dirty="0" smtClean="0"/>
-              <a:t>origin</a:t>
+              <a:t>-m</a:t>
             </a:r>
             <a:r>
               <a:rPr kumimoji="1" lang="zh-CN" altLang="en-US" dirty="0" smtClean="0"/>
@@ -14832,29 +14876,37 @@
             </a:r>
             <a:r>
               <a:rPr kumimoji="1" lang="en-US" altLang="zh-CN" dirty="0" smtClean="0"/>
-              <a:t>&lt;</a:t>
+              <a:t>“</a:t>
             </a:r>
             <a:r>
               <a:rPr kumimoji="1" lang="zh-CN" altLang="en-US" dirty="0" smtClean="0"/>
-              <a:t>标签名称</a:t>
+              <a:t>描述信息</a:t>
             </a:r>
             <a:r>
               <a:rPr kumimoji="1" lang="en-US" altLang="zh-CN" dirty="0" smtClean="0"/>
-              <a:t>&gt;</a:t>
-            </a:r>
+              <a:t>”</a:t>
+            </a:r>
+            <a:endParaRPr kumimoji="1" lang="zh-CN" altLang="en-US" dirty="0"/>
           </a:p>
         </p:txBody>
       </p:sp>
     </p:spTree>
     <p:extLst>
       <p:ext uri="{BB962C8B-B14F-4D97-AF65-F5344CB8AC3E}">
-        <p14:creationId xmlns:p14="http://schemas.microsoft.com/office/powerpoint/2010/main" val="791686024"/>
+        <p14:creationId xmlns:p14="http://schemas.microsoft.com/office/powerpoint/2010/main" val="1489386997"/>
       </p:ext>
     </p:extLst>
   </p:cSld>
   <p:clrMapOvr>
     <a:masterClrMapping/>
   </p:clrMapOvr>
+  <p:timing>
+    <p:tnLst>
+      <p:par>
+        <p:cTn id="1" dur="indefinite" restart="never" nodeType="tmRoot"/>
+      </p:par>
+    </p:tnLst>
+  </p:timing>
 </p:sld>
 </file>
 
@@ -14892,16 +14944,16 @@
           <a:p>
             <a:pPr algn="l"/>
             <a:r>
+              <a:rPr kumimoji="1" lang="en-US" altLang="zh-CN" dirty="0"/>
+              <a:t>2</a:t>
+            </a:r>
+            <a:r>
               <a:rPr kumimoji="1" lang="en-US" altLang="zh-CN" dirty="0" smtClean="0"/>
-              <a:t>4.</a:t>
-            </a:r>
-            <a:r>
-              <a:rPr kumimoji="1" lang="zh-CN" altLang="en-US" dirty="0"/>
-              <a:t> </a:t>
+              <a:t>.</a:t>
             </a:r>
             <a:r>
               <a:rPr kumimoji="1" lang="zh-CN" altLang="en-US" dirty="0" smtClean="0"/>
-              <a:t>删除标签</a:t>
+              <a:t> 查看标签</a:t>
             </a:r>
             <a:endParaRPr kumimoji="1" lang="zh-CN" altLang="en-US" dirty="0"/>
           </a:p>
@@ -14922,13 +14974,21 @@
           <a:bodyPr/>
           <a:lstStyle/>
           <a:p>
+            <a:pPr lvl="1">
+              <a:buFont typeface="Wingdings" pitchFamily="2" charset="2"/>
+              <a:buChar char="Ø"/>
+            </a:pPr>
             <a:r>
               <a:rPr kumimoji="1" lang="zh-CN" altLang="en-US" dirty="0" smtClean="0"/>
-              <a:t>删除本地标签</a:t>
+              <a:t>列出所有标签</a:t>
             </a:r>
             <a:endParaRPr kumimoji="1" lang="en-US" altLang="zh-CN" dirty="0" smtClean="0"/>
           </a:p>
           <a:p>
+            <a:pPr lvl="2">
+              <a:buFont typeface="Wingdings" pitchFamily="2" charset="2"/>
+              <a:buChar char="ü"/>
+            </a:pPr>
             <a:r>
               <a:rPr kumimoji="1" lang="en-US" altLang="zh-CN" dirty="0" err="1" smtClean="0"/>
               <a:t>git</a:t>
@@ -14945,12 +15005,349 @@
               <a:rPr kumimoji="1" lang="zh-CN" altLang="en-US" dirty="0" smtClean="0"/>
               <a:t> </a:t>
             </a:r>
+            <a:endParaRPr kumimoji="1" lang="en-US" altLang="zh-CN" dirty="0" smtClean="0"/>
+          </a:p>
+          <a:p>
+            <a:pPr lvl="1">
+              <a:buFont typeface="Wingdings" pitchFamily="2" charset="2"/>
+              <a:buChar char="Ø"/>
+            </a:pPr>
+            <a:endParaRPr kumimoji="1" lang="en-US" altLang="zh-CN" dirty="0"/>
+          </a:p>
+          <a:p>
+            <a:pPr lvl="1">
+              <a:buFont typeface="Wingdings" pitchFamily="2" charset="2"/>
+              <a:buChar char="Ø"/>
+            </a:pPr>
+            <a:r>
+              <a:rPr kumimoji="1" lang="zh-CN" altLang="en-US" dirty="0" smtClean="0"/>
+              <a:t>查看标签版本信息</a:t>
+            </a:r>
+            <a:endParaRPr kumimoji="1" lang="en-US" altLang="zh-CN" dirty="0" smtClean="0"/>
+          </a:p>
+          <a:p>
+            <a:pPr lvl="2">
+              <a:buFont typeface="Wingdings" pitchFamily="2" charset="2"/>
+              <a:buChar char="ü"/>
+            </a:pPr>
+            <a:r>
+              <a:rPr kumimoji="1" lang="en-US" altLang="zh-CN" dirty="0" err="1"/>
+              <a:t>g</a:t>
+            </a:r>
+            <a:r>
+              <a:rPr kumimoji="1" lang="en-US" altLang="zh-CN" dirty="0" err="1" smtClean="0"/>
+              <a:t>it</a:t>
+            </a:r>
+            <a:r>
+              <a:rPr kumimoji="1" lang="zh-CN" altLang="en-US" dirty="0" smtClean="0"/>
+              <a:t> </a:t>
+            </a:r>
+            <a:r>
+              <a:rPr kumimoji="1" lang="en-US" altLang="zh-CN" dirty="0" smtClean="0"/>
+              <a:t>show</a:t>
+            </a:r>
+            <a:r>
+              <a:rPr kumimoji="1" lang="zh-CN" altLang="en-US" dirty="0" smtClean="0"/>
+              <a:t> </a:t>
+            </a:r>
+            <a:r>
+              <a:rPr kumimoji="1" lang="en-US" altLang="zh-CN" dirty="0" smtClean="0"/>
+              <a:t>v1.0</a:t>
+            </a:r>
+            <a:endParaRPr kumimoji="1" lang="zh-CN" altLang="en-US" dirty="0"/>
+          </a:p>
+        </p:txBody>
+      </p:sp>
+    </p:spTree>
+    <p:extLst>
+      <p:ext uri="{BB962C8B-B14F-4D97-AF65-F5344CB8AC3E}">
+        <p14:creationId xmlns:p14="http://schemas.microsoft.com/office/powerpoint/2010/main" val="1848278825"/>
+      </p:ext>
+    </p:extLst>
+  </p:cSld>
+  <p:clrMapOvr>
+    <a:masterClrMapping/>
+  </p:clrMapOvr>
+  <p:timing>
+    <p:tnLst>
+      <p:par>
+        <p:cTn id="1" dur="indefinite" restart="never" nodeType="tmRoot"/>
+      </p:par>
+    </p:tnLst>
+  </p:timing>
+</p:sld>
+</file>
+
+<file path=ppt/slides/slide44.xml><?xml version="1.0" encoding="utf-8"?>
+<p:sld xmlns:a="http://schemas.openxmlformats.org/drawingml/2006/main" xmlns:r="http://schemas.openxmlformats.org/officeDocument/2006/relationships" xmlns:p="http://schemas.openxmlformats.org/presentationml/2006/main">
+  <p:cSld>
+    <p:spTree>
+      <p:nvGrpSpPr>
+        <p:cNvPr id="1" name=""/>
+        <p:cNvGrpSpPr/>
+        <p:nvPr/>
+      </p:nvGrpSpPr>
+      <p:grpSpPr>
+        <a:xfrm>
+          <a:off x="0" y="0"/>
+          <a:ext cx="0" cy="0"/>
+          <a:chOff x="0" y="0"/>
+          <a:chExt cx="0" cy="0"/>
+        </a:xfrm>
+      </p:grpSpPr>
+      <p:sp>
+        <p:nvSpPr>
+          <p:cNvPr id="2" name="标题 1"/>
+          <p:cNvSpPr>
+            <a:spLocks noGrp="1"/>
+          </p:cNvSpPr>
+          <p:nvPr>
+            <p:ph type="title"/>
+          </p:nvPr>
+        </p:nvSpPr>
+        <p:spPr/>
+        <p:txBody>
+          <a:bodyPr/>
+          <a:lstStyle/>
+          <a:p>
+            <a:pPr algn="l"/>
+            <a:r>
+              <a:rPr kumimoji="1" lang="en-US" altLang="zh-CN" dirty="0" smtClean="0"/>
+              <a:t>3.</a:t>
+            </a:r>
+            <a:r>
+              <a:rPr kumimoji="1" lang="zh-CN" altLang="en-US" dirty="0" smtClean="0"/>
+              <a:t> 共享标签</a:t>
+            </a:r>
+            <a:endParaRPr kumimoji="1" lang="zh-CN" altLang="en-US" dirty="0"/>
+          </a:p>
+        </p:txBody>
+      </p:sp>
+      <p:sp>
+        <p:nvSpPr>
+          <p:cNvPr id="3" name="内容占位符 2"/>
+          <p:cNvSpPr>
+            <a:spLocks noGrp="1"/>
+          </p:cNvSpPr>
+          <p:nvPr>
+            <p:ph idx="1"/>
+          </p:nvPr>
+        </p:nvSpPr>
+        <p:spPr/>
+        <p:txBody>
+          <a:bodyPr/>
+          <a:lstStyle/>
+          <a:p>
+            <a:pPr lvl="1">
+              <a:buFont typeface="Wingdings" pitchFamily="2" charset="2"/>
+              <a:buChar char="Ø"/>
+            </a:pPr>
+            <a:r>
+              <a:rPr kumimoji="1" lang="en-US" altLang="zh-CN" dirty="0" err="1" smtClean="0"/>
+              <a:t>git</a:t>
+            </a:r>
+            <a:r>
+              <a:rPr kumimoji="1" lang="zh-CN" altLang="en-US" dirty="0" smtClean="0"/>
+              <a:t> </a:t>
+            </a:r>
+            <a:r>
+              <a:rPr kumimoji="1" lang="en-US" altLang="zh-CN" dirty="0" smtClean="0"/>
+              <a:t>push</a:t>
+            </a:r>
+            <a:r>
+              <a:rPr kumimoji="1" lang="zh-CN" altLang="en-US" dirty="0" smtClean="0"/>
+              <a:t> 默认不会推送 </a:t>
+            </a:r>
+            <a:r>
+              <a:rPr kumimoji="1" lang="en-US" altLang="zh-CN" dirty="0" smtClean="0"/>
+              <a:t>tag</a:t>
+            </a:r>
+            <a:r>
+              <a:rPr kumimoji="1" lang="zh-CN" altLang="en-US" dirty="0" smtClean="0"/>
+              <a:t> 到远程仓库，需要显示将标签推送到远程</a:t>
+            </a:r>
+            <a:r>
+              <a:rPr kumimoji="1" lang="zh-CN" altLang="en-US" dirty="0" smtClean="0"/>
+              <a:t>仓库</a:t>
+            </a:r>
+            <a:endParaRPr kumimoji="1" lang="en-US" altLang="zh-CN" dirty="0"/>
+          </a:p>
+          <a:p>
+            <a:pPr lvl="2">
+              <a:buFont typeface="Wingdings" pitchFamily="2" charset="2"/>
+              <a:buChar char="Ø"/>
+            </a:pPr>
+            <a:endParaRPr kumimoji="1" lang="en-US" altLang="zh-CN" dirty="0" smtClean="0"/>
+          </a:p>
+          <a:p>
+            <a:pPr lvl="2">
+              <a:buFont typeface="Wingdings" pitchFamily="2" charset="2"/>
+              <a:buChar char="ü"/>
+            </a:pPr>
+            <a:r>
+              <a:rPr kumimoji="1" lang="en-US" altLang="zh-CN" dirty="0" err="1" smtClean="0"/>
+              <a:t>git</a:t>
+            </a:r>
+            <a:r>
+              <a:rPr kumimoji="1" lang="zh-CN" altLang="en-US" dirty="0" smtClean="0"/>
+              <a:t> </a:t>
+            </a:r>
+            <a:r>
+              <a:rPr kumimoji="1" lang="en-US" altLang="zh-CN" dirty="0" smtClean="0"/>
+              <a:t>push</a:t>
+            </a:r>
+            <a:r>
+              <a:rPr kumimoji="1" lang="zh-CN" altLang="en-US" dirty="0" smtClean="0"/>
+              <a:t> </a:t>
+            </a:r>
+            <a:r>
+              <a:rPr kumimoji="1" lang="en-US" altLang="zh-CN" dirty="0" smtClean="0"/>
+              <a:t>origin</a:t>
+            </a:r>
+            <a:r>
+              <a:rPr kumimoji="1" lang="zh-CN" altLang="en-US" dirty="0" smtClean="0"/>
+              <a:t> </a:t>
+            </a:r>
+            <a:r>
+              <a:rPr kumimoji="1" lang="en-US" altLang="zh-CN" dirty="0" smtClean="0"/>
+              <a:t>&lt;</a:t>
+            </a:r>
+            <a:r>
+              <a:rPr kumimoji="1" lang="zh-CN" altLang="en-US" dirty="0" smtClean="0"/>
+              <a:t>标签名称</a:t>
+            </a:r>
+            <a:r>
+              <a:rPr kumimoji="1" lang="en-US" altLang="zh-CN" dirty="0" smtClean="0"/>
+              <a:t>&gt;</a:t>
+            </a:r>
+          </a:p>
+        </p:txBody>
+      </p:sp>
+    </p:spTree>
+    <p:extLst>
+      <p:ext uri="{BB962C8B-B14F-4D97-AF65-F5344CB8AC3E}">
+        <p14:creationId xmlns:p14="http://schemas.microsoft.com/office/powerpoint/2010/main" val="791686024"/>
+      </p:ext>
+    </p:extLst>
+  </p:cSld>
+  <p:clrMapOvr>
+    <a:masterClrMapping/>
+  </p:clrMapOvr>
+  <p:timing>
+    <p:tnLst>
+      <p:par>
+        <p:cTn id="1" dur="indefinite" restart="never" nodeType="tmRoot"/>
+      </p:par>
+    </p:tnLst>
+  </p:timing>
+</p:sld>
+</file>
+
+<file path=ppt/slides/slide45.xml><?xml version="1.0" encoding="utf-8"?>
+<p:sld xmlns:a="http://schemas.openxmlformats.org/drawingml/2006/main" xmlns:r="http://schemas.openxmlformats.org/officeDocument/2006/relationships" xmlns:p="http://schemas.openxmlformats.org/presentationml/2006/main">
+  <p:cSld>
+    <p:spTree>
+      <p:nvGrpSpPr>
+        <p:cNvPr id="1" name=""/>
+        <p:cNvGrpSpPr/>
+        <p:nvPr/>
+      </p:nvGrpSpPr>
+      <p:grpSpPr>
+        <a:xfrm>
+          <a:off x="0" y="0"/>
+          <a:ext cx="0" cy="0"/>
+          <a:chOff x="0" y="0"/>
+          <a:chExt cx="0" cy="0"/>
+        </a:xfrm>
+      </p:grpSpPr>
+      <p:sp>
+        <p:nvSpPr>
+          <p:cNvPr id="2" name="标题 1"/>
+          <p:cNvSpPr>
+            <a:spLocks noGrp="1"/>
+          </p:cNvSpPr>
+          <p:nvPr>
+            <p:ph type="title"/>
+          </p:nvPr>
+        </p:nvSpPr>
+        <p:spPr/>
+        <p:txBody>
+          <a:bodyPr/>
+          <a:lstStyle/>
+          <a:p>
+            <a:pPr algn="l"/>
+            <a:r>
+              <a:rPr kumimoji="1" lang="en-US" altLang="zh-CN" dirty="0" smtClean="0"/>
+              <a:t>4.</a:t>
+            </a:r>
+            <a:r>
+              <a:rPr kumimoji="1" lang="zh-CN" altLang="en-US" dirty="0"/>
+              <a:t> </a:t>
+            </a:r>
+            <a:r>
+              <a:rPr kumimoji="1" lang="zh-CN" altLang="en-US" dirty="0" smtClean="0"/>
+              <a:t>删除标签</a:t>
+            </a:r>
+            <a:endParaRPr kumimoji="1" lang="zh-CN" altLang="en-US" dirty="0"/>
+          </a:p>
+        </p:txBody>
+      </p:sp>
+      <p:sp>
+        <p:nvSpPr>
+          <p:cNvPr id="3" name="内容占位符 2"/>
+          <p:cNvSpPr>
+            <a:spLocks noGrp="1"/>
+          </p:cNvSpPr>
+          <p:nvPr>
+            <p:ph idx="1"/>
+          </p:nvPr>
+        </p:nvSpPr>
+        <p:spPr/>
+        <p:txBody>
+          <a:bodyPr/>
+          <a:lstStyle/>
+          <a:p>
+            <a:pPr lvl="1">
+              <a:buFont typeface="Wingdings" pitchFamily="2" charset="2"/>
+              <a:buChar char="Ø"/>
+            </a:pPr>
+            <a:r>
+              <a:rPr kumimoji="1" lang="zh-CN" altLang="en-US" dirty="0" smtClean="0"/>
+              <a:t>删除本地</a:t>
+            </a:r>
+            <a:r>
+              <a:rPr kumimoji="1" lang="zh-CN" altLang="en-US" dirty="0" smtClean="0"/>
+              <a:t>标签</a:t>
+            </a:r>
+            <a:endParaRPr kumimoji="1" lang="en-US" altLang="zh-CN" dirty="0" smtClean="0"/>
+          </a:p>
+          <a:p>
+            <a:pPr lvl="2">
+              <a:buFont typeface="Wingdings" pitchFamily="2" charset="2"/>
+              <a:buChar char="ü"/>
+            </a:pPr>
+            <a:r>
+              <a:rPr kumimoji="1" lang="en-US" altLang="zh-CN" dirty="0" err="1" smtClean="0"/>
+              <a:t>git</a:t>
+            </a:r>
+            <a:r>
+              <a:rPr kumimoji="1" lang="zh-CN" altLang="en-US" dirty="0" smtClean="0"/>
+              <a:t> </a:t>
+            </a:r>
+            <a:r>
+              <a:rPr kumimoji="1" lang="en-US" altLang="zh-CN" dirty="0" smtClean="0"/>
+              <a:t>tag</a:t>
+            </a:r>
+            <a:r>
+              <a:rPr kumimoji="1" lang="zh-CN" altLang="en-US" dirty="0" smtClean="0"/>
+              <a:t> </a:t>
+            </a:r>
             <a:r>
               <a:rPr kumimoji="1" lang="en-US" altLang="zh-CN" dirty="0"/>
               <a:t>-</a:t>
             </a:r>
             <a:r>
-              <a:rPr kumimoji="1" lang="en-US" altLang="zh-CN" smtClean="0"/>
+              <a:rPr kumimoji="1" lang="en-US" altLang="zh-CN" dirty="0" smtClean="0"/>
               <a:t>d</a:t>
             </a:r>
             <a:r>
@@ -14971,16 +15368,31 @@
             </a:r>
           </a:p>
           <a:p>
+            <a:pPr marL="0" indent="0">
+              <a:buNone/>
+            </a:pPr>
             <a:endParaRPr kumimoji="1" lang="en-US" altLang="zh-CN" dirty="0"/>
           </a:p>
           <a:p>
+            <a:pPr lvl="1">
+              <a:buFont typeface="Wingdings" pitchFamily="2" charset="2"/>
+              <a:buChar char="Ø"/>
+            </a:pPr>
             <a:r>
               <a:rPr kumimoji="1" lang="zh-CN" altLang="en-US" dirty="0" smtClean="0"/>
-              <a:t>删除远程仓库标签</a:t>
+              <a:t>删除远程仓库</a:t>
+            </a:r>
+            <a:r>
+              <a:rPr kumimoji="1" lang="zh-CN" altLang="en-US" dirty="0" smtClean="0"/>
+              <a:t>标签</a:t>
             </a:r>
             <a:endParaRPr kumimoji="1" lang="en-US" altLang="zh-CN" dirty="0" smtClean="0"/>
           </a:p>
           <a:p>
+            <a:pPr lvl="2">
+              <a:buFont typeface="Wingdings" pitchFamily="2" charset="2"/>
+              <a:buChar char="ü"/>
+            </a:pPr>
             <a:r>
               <a:rPr lang="en-US" altLang="zh-CN" dirty="0" err="1"/>
               <a:t>git</a:t>
@@ -15003,6 +15415,152 @@
   <p:clrMapOvr>
     <a:masterClrMapping/>
   </p:clrMapOvr>
+  <p:timing>
+    <p:tnLst>
+      <p:par>
+        <p:cTn id="1" dur="indefinite" restart="never" nodeType="tmRoot"/>
+      </p:par>
+    </p:tnLst>
+  </p:timing>
+</p:sld>
+</file>
+
+<file path=ppt/slides/slide46.xml><?xml version="1.0" encoding="utf-8"?>
+<p:sld xmlns:a="http://schemas.openxmlformats.org/drawingml/2006/main" xmlns:r="http://schemas.openxmlformats.org/officeDocument/2006/relationships" xmlns:p="http://schemas.openxmlformats.org/presentationml/2006/main">
+  <p:cSld>
+    <p:spTree>
+      <p:nvGrpSpPr>
+        <p:cNvPr id="1" name=""/>
+        <p:cNvGrpSpPr/>
+        <p:nvPr/>
+      </p:nvGrpSpPr>
+      <p:grpSpPr>
+        <a:xfrm>
+          <a:off x="0" y="0"/>
+          <a:ext cx="0" cy="0"/>
+          <a:chOff x="0" y="0"/>
+          <a:chExt cx="0" cy="0"/>
+        </a:xfrm>
+      </p:grpSpPr>
+      <p:sp>
+        <p:nvSpPr>
+          <p:cNvPr id="3" name="内容占位符 2"/>
+          <p:cNvSpPr>
+            <a:spLocks noGrp="1"/>
+          </p:cNvSpPr>
+          <p:nvPr>
+            <p:ph idx="1"/>
+          </p:nvPr>
+        </p:nvSpPr>
+        <p:spPr>
+          <a:xfrm>
+            <a:off x="457200" y="620688"/>
+            <a:ext cx="8229600" cy="5505475"/>
+          </a:xfrm>
+        </p:spPr>
+        <p:txBody>
+          <a:bodyPr anchor="ctr">
+            <a:normAutofit/>
+          </a:bodyPr>
+          <a:lstStyle/>
+          <a:p>
+            <a:pPr marL="0" indent="0" algn="ctr">
+              <a:buNone/>
+            </a:pPr>
+            <a:r>
+              <a:rPr lang="en-US" altLang="zh-CN" sz="8800" b="1" dirty="0" smtClean="0"/>
+              <a:t>Q&amp;A</a:t>
+            </a:r>
+            <a:endParaRPr lang="zh-CN" altLang="en-US" sz="8800" b="1" dirty="0"/>
+          </a:p>
+        </p:txBody>
+      </p:sp>
+    </p:spTree>
+    <p:extLst>
+      <p:ext uri="{BB962C8B-B14F-4D97-AF65-F5344CB8AC3E}">
+        <p14:creationId xmlns:p14="http://schemas.microsoft.com/office/powerpoint/2010/main" val="2891406600"/>
+      </p:ext>
+    </p:extLst>
+  </p:cSld>
+  <p:clrMapOvr>
+    <a:masterClrMapping/>
+  </p:clrMapOvr>
+  <p:timing>
+    <p:tnLst>
+      <p:par>
+        <p:cTn id="1" dur="indefinite" restart="never" nodeType="tmRoot"/>
+      </p:par>
+    </p:tnLst>
+  </p:timing>
+</p:sld>
+</file>
+
+<file path=ppt/slides/slide47.xml><?xml version="1.0" encoding="utf-8"?>
+<p:sld xmlns:a="http://schemas.openxmlformats.org/drawingml/2006/main" xmlns:r="http://schemas.openxmlformats.org/officeDocument/2006/relationships" xmlns:p="http://schemas.openxmlformats.org/presentationml/2006/main">
+  <p:cSld>
+    <p:spTree>
+      <p:nvGrpSpPr>
+        <p:cNvPr id="1" name=""/>
+        <p:cNvGrpSpPr/>
+        <p:nvPr/>
+      </p:nvGrpSpPr>
+      <p:grpSpPr>
+        <a:xfrm>
+          <a:off x="0" y="0"/>
+          <a:ext cx="0" cy="0"/>
+          <a:chOff x="0" y="0"/>
+          <a:chExt cx="0" cy="0"/>
+        </a:xfrm>
+      </p:grpSpPr>
+      <p:sp>
+        <p:nvSpPr>
+          <p:cNvPr id="3" name="内容占位符 2"/>
+          <p:cNvSpPr>
+            <a:spLocks noGrp="1"/>
+          </p:cNvSpPr>
+          <p:nvPr>
+            <p:ph idx="1"/>
+          </p:nvPr>
+        </p:nvSpPr>
+        <p:spPr>
+          <a:xfrm>
+            <a:off x="457200" y="692696"/>
+            <a:ext cx="8229600" cy="5433467"/>
+          </a:xfrm>
+        </p:spPr>
+        <p:txBody>
+          <a:bodyPr anchor="ctr">
+            <a:normAutofit/>
+          </a:bodyPr>
+          <a:lstStyle/>
+          <a:p>
+            <a:pPr marL="0" indent="0" algn="ctr">
+              <a:buNone/>
+            </a:pPr>
+            <a:r>
+              <a:rPr lang="zh-CN" altLang="en-US" sz="8800" b="1" dirty="0"/>
+              <a:t>谢谢</a:t>
+            </a:r>
+          </a:p>
+        </p:txBody>
+      </p:sp>
+    </p:spTree>
+    <p:extLst>
+      <p:ext uri="{BB962C8B-B14F-4D97-AF65-F5344CB8AC3E}">
+        <p14:creationId xmlns:p14="http://schemas.microsoft.com/office/powerpoint/2010/main" val="1713080280"/>
+      </p:ext>
+    </p:extLst>
+  </p:cSld>
+  <p:clrMapOvr>
+    <a:masterClrMapping/>
+  </p:clrMapOvr>
+  <p:timing>
+    <p:tnLst>
+      <p:par>
+        <p:cTn id="1" dur="indefinite" restart="never" nodeType="tmRoot"/>
+      </p:par>
+    </p:tnLst>
+  </p:timing>
 </p:sld>
 </file>
 
@@ -15242,11 +15800,7 @@
             </a:r>
             <a:r>
               <a:rPr lang="en-US" altLang="zh-CN" dirty="0" smtClean="0"/>
-              <a:t> </a:t>
-            </a:r>
-            <a:r>
-              <a:rPr lang="en-US" altLang="zh-CN" dirty="0" smtClean="0"/>
-              <a:t>VS SVN</a:t>
+              <a:t> VS SVN</a:t>
             </a:r>
             <a:endParaRPr lang="zh-CN" altLang="en-US" dirty="0"/>
           </a:p>
@@ -15561,14 +16115,10 @@
           <a:bodyPr/>
           <a:lstStyle/>
           <a:p>
-            <a:r>
-              <a:rPr lang="en-US" altLang="zh-CN" dirty="0" smtClean="0"/>
-              <a:t>1.</a:t>
-            </a:r>
-            <a:r>
-              <a:rPr lang="zh-CN" altLang="en-US" dirty="0" smtClean="0"/>
-              <a:t> </a:t>
-            </a:r>
+            <a:pPr marL="514350" indent="-514350">
+              <a:buFont typeface="+mj-lt"/>
+              <a:buAutoNum type="arabicPeriod"/>
+            </a:pPr>
             <a:r>
               <a:rPr lang="en-US" altLang="zh-CN" dirty="0" err="1" smtClean="0"/>
               <a:t>Git</a:t>
@@ -15584,14 +16134,10 @@
             <a:endParaRPr lang="en-US" altLang="zh-CN" dirty="0" smtClean="0"/>
           </a:p>
           <a:p>
-            <a:r>
-              <a:rPr lang="en-US" altLang="zh-CN" dirty="0" smtClean="0"/>
-              <a:t>2.</a:t>
-            </a:r>
-            <a:r>
-              <a:rPr lang="zh-CN" altLang="en-US" dirty="0" smtClean="0"/>
-              <a:t> </a:t>
-            </a:r>
+            <a:pPr marL="514350" indent="-514350">
+              <a:buFont typeface="+mj-lt"/>
+              <a:buAutoNum type="arabicPeriod"/>
+            </a:pPr>
             <a:r>
               <a:rPr lang="en-US" altLang="zh-CN" dirty="0" err="1" smtClean="0"/>
               <a:t>Git</a:t>

--- a/Git.pptx
+++ b/Git.pptx
@@ -155,7 +155,7 @@
   </p:defaultTextStyle>
   <p:extLst>
     <p:ext uri="{EFAFB233-063F-42B5-8137-9DF3F51BA10A}">
-      <p15:sldGuideLst xmlns:p15="http://schemas.microsoft.com/office/powerpoint/2012/main" xmlns="">
+      <p15:sldGuideLst xmlns="" xmlns:p15="http://schemas.microsoft.com/office/powerpoint/2012/main">
         <p15:guide id="1" orient="horz" pos="2160">
           <p15:clr>
             <a:srgbClr val="A4A3A4"/>
@@ -254,7 +254,7 @@
           <a:p>
             <a:fld id="{68756859-F8E9-40CD-A6DB-0FF7431EF82C}" type="datetimeFigureOut">
               <a:rPr lang="zh-CN" altLang="en-US" smtClean="0"/>
-              <a:t>2018/7/10</a:t>
+              <a:t>2018/7/13</a:t>
             </a:fld>
             <a:endParaRPr lang="zh-CN" altLang="en-US"/>
           </a:p>
@@ -5844,7 +5844,7 @@
           <a:p>
             <a:fld id="{530820CF-B880-4189-942D-D702A7CBA730}" type="datetimeFigureOut">
               <a:rPr lang="zh-CN" altLang="en-US" smtClean="0"/>
-              <a:t>2018/7/10</a:t>
+              <a:t>2018/7/13</a:t>
             </a:fld>
             <a:endParaRPr lang="zh-CN" altLang="en-US"/>
           </a:p>
@@ -6009,7 +6009,7 @@
           <a:p>
             <a:fld id="{530820CF-B880-4189-942D-D702A7CBA730}" type="datetimeFigureOut">
               <a:rPr lang="zh-CN" altLang="en-US" smtClean="0"/>
-              <a:t>2018/7/10</a:t>
+              <a:t>2018/7/13</a:t>
             </a:fld>
             <a:endParaRPr lang="zh-CN" altLang="en-US"/>
           </a:p>
@@ -6184,7 +6184,7 @@
           <a:p>
             <a:fld id="{530820CF-B880-4189-942D-D702A7CBA730}" type="datetimeFigureOut">
               <a:rPr lang="zh-CN" altLang="en-US" smtClean="0"/>
-              <a:t>2018/7/10</a:t>
+              <a:t>2018/7/13</a:t>
             </a:fld>
             <a:endParaRPr lang="zh-CN" altLang="en-US"/>
           </a:p>
@@ -6349,7 +6349,7 @@
           <a:p>
             <a:fld id="{530820CF-B880-4189-942D-D702A7CBA730}" type="datetimeFigureOut">
               <a:rPr lang="zh-CN" altLang="en-US" smtClean="0"/>
-              <a:t>2018/7/10</a:t>
+              <a:t>2018/7/13</a:t>
             </a:fld>
             <a:endParaRPr lang="zh-CN" altLang="en-US"/>
           </a:p>
@@ -6590,7 +6590,7 @@
           <a:p>
             <a:fld id="{530820CF-B880-4189-942D-D702A7CBA730}" type="datetimeFigureOut">
               <a:rPr lang="zh-CN" altLang="en-US" smtClean="0"/>
-              <a:t>2018/7/10</a:t>
+              <a:t>2018/7/13</a:t>
             </a:fld>
             <a:endParaRPr lang="zh-CN" altLang="en-US"/>
           </a:p>
@@ -6873,7 +6873,7 @@
           <a:p>
             <a:fld id="{530820CF-B880-4189-942D-D702A7CBA730}" type="datetimeFigureOut">
               <a:rPr lang="zh-CN" altLang="en-US" smtClean="0"/>
-              <a:t>2018/7/10</a:t>
+              <a:t>2018/7/13</a:t>
             </a:fld>
             <a:endParaRPr lang="zh-CN" altLang="en-US"/>
           </a:p>
@@ -7290,7 +7290,7 @@
           <a:p>
             <a:fld id="{530820CF-B880-4189-942D-D702A7CBA730}" type="datetimeFigureOut">
               <a:rPr lang="zh-CN" altLang="en-US" smtClean="0"/>
-              <a:t>2018/7/10</a:t>
+              <a:t>2018/7/13</a:t>
             </a:fld>
             <a:endParaRPr lang="zh-CN" altLang="en-US"/>
           </a:p>
@@ -7403,7 +7403,7 @@
           <a:p>
             <a:fld id="{530820CF-B880-4189-942D-D702A7CBA730}" type="datetimeFigureOut">
               <a:rPr lang="zh-CN" altLang="en-US" smtClean="0"/>
-              <a:t>2018/7/10</a:t>
+              <a:t>2018/7/13</a:t>
             </a:fld>
             <a:endParaRPr lang="zh-CN" altLang="en-US"/>
           </a:p>
@@ -7493,7 +7493,7 @@
           <a:p>
             <a:fld id="{530820CF-B880-4189-942D-D702A7CBA730}" type="datetimeFigureOut">
               <a:rPr lang="zh-CN" altLang="en-US" smtClean="0"/>
-              <a:t>2018/7/10</a:t>
+              <a:t>2018/7/13</a:t>
             </a:fld>
             <a:endParaRPr lang="zh-CN" altLang="en-US"/>
           </a:p>
@@ -7765,7 +7765,7 @@
           <a:p>
             <a:fld id="{530820CF-B880-4189-942D-D702A7CBA730}" type="datetimeFigureOut">
               <a:rPr lang="zh-CN" altLang="en-US" smtClean="0"/>
-              <a:t>2018/7/10</a:t>
+              <a:t>2018/7/13</a:t>
             </a:fld>
             <a:endParaRPr lang="zh-CN" altLang="en-US"/>
           </a:p>
@@ -8013,7 +8013,7 @@
           <a:p>
             <a:fld id="{530820CF-B880-4189-942D-D702A7CBA730}" type="datetimeFigureOut">
               <a:rPr lang="zh-CN" altLang="en-US" smtClean="0"/>
-              <a:t>2018/7/10</a:t>
+              <a:t>2018/7/13</a:t>
             </a:fld>
             <a:endParaRPr lang="zh-CN" altLang="en-US"/>
           </a:p>
@@ -8221,7 +8221,7 @@
           <a:p>
             <a:fld id="{530820CF-B880-4189-942D-D702A7CBA730}" type="datetimeFigureOut">
               <a:rPr lang="zh-CN" altLang="en-US" smtClean="0"/>
-              <a:t>2018/7/10</a:t>
+              <a:t>2018/7/13</a:t>
             </a:fld>
             <a:endParaRPr lang="zh-CN" altLang="en-US"/>
           </a:p>
@@ -8782,11 +8782,7 @@
             </a:pPr>
             <a:r>
               <a:rPr lang="zh-CN" altLang="en-US" dirty="0" smtClean="0"/>
-              <a:t>一些</a:t>
-            </a:r>
-            <a:r>
-              <a:rPr lang="zh-CN" altLang="en-US" dirty="0" smtClean="0"/>
-              <a:t>常用命令</a:t>
+              <a:t>一些常用命令</a:t>
             </a:r>
             <a:endParaRPr lang="en-US" altLang="zh-CN" dirty="0" smtClean="0"/>
           </a:p>
@@ -11251,11 +11247,7 @@
             </a:pPr>
             <a:r>
               <a:rPr lang="zh-CN" altLang="en-US" dirty="0" smtClean="0"/>
-              <a:t>分支</a:t>
-            </a:r>
-            <a:r>
-              <a:rPr lang="zh-CN" altLang="en-US" dirty="0" smtClean="0"/>
-              <a:t>合并与合并冲突</a:t>
+              <a:t>分支合并与合并冲突</a:t>
             </a:r>
             <a:endParaRPr lang="en-US" altLang="zh-CN" dirty="0" smtClean="0"/>
           </a:p>
@@ -11266,11 +11258,7 @@
             </a:pPr>
             <a:r>
               <a:rPr lang="zh-CN" altLang="en-US" dirty="0" smtClean="0"/>
-              <a:t>一些</a:t>
-            </a:r>
-            <a:r>
-              <a:rPr lang="zh-CN" altLang="en-US" dirty="0" smtClean="0"/>
-              <a:t>常用命令</a:t>
+              <a:t>一些常用命令</a:t>
             </a:r>
             <a:endParaRPr lang="zh-CN" altLang="en-US" dirty="0"/>
           </a:p>
@@ -12216,11 +12204,7 @@
             </a:r>
             <a:r>
               <a:rPr lang="en-US" altLang="zh-CN" dirty="0" smtClean="0"/>
-              <a:t> </a:t>
-            </a:r>
-            <a:r>
-              <a:rPr lang="en-US" altLang="zh-CN" dirty="0" smtClean="0"/>
-              <a:t>VS SVN</a:t>
+              <a:t> VS SVN</a:t>
             </a:r>
           </a:p>
           <a:p>
@@ -12717,11 +12701,7 @@
             </a:pPr>
             <a:r>
               <a:rPr lang="zh-CN" altLang="en-US" dirty="0" smtClean="0"/>
-              <a:t>远程</a:t>
-            </a:r>
-            <a:r>
-              <a:rPr lang="zh-CN" altLang="en-US" dirty="0" smtClean="0"/>
-              <a:t>仓库与本地仓库的关系</a:t>
+              <a:t>远程仓库与本地仓库的关系</a:t>
             </a:r>
             <a:endParaRPr lang="en-US" altLang="zh-CN" dirty="0" smtClean="0"/>
           </a:p>
@@ -12732,11 +12712,7 @@
             </a:pPr>
             <a:r>
               <a:rPr lang="zh-CN" altLang="en-US" dirty="0" smtClean="0"/>
-              <a:t>操作</a:t>
-            </a:r>
-            <a:r>
-              <a:rPr lang="zh-CN" altLang="en-US" dirty="0" smtClean="0"/>
-              <a:t>远程仓库的五个命令</a:t>
+              <a:t>操作远程仓库的五个命令</a:t>
             </a:r>
             <a:endParaRPr lang="en-US" altLang="zh-CN" dirty="0" smtClean="0"/>
           </a:p>
@@ -12969,11 +12945,7 @@
             </a:pPr>
             <a:r>
               <a:rPr lang="zh-CN" altLang="en-US" dirty="0" smtClean="0"/>
-              <a:t> 该</a:t>
-            </a:r>
-            <a:r>
-              <a:rPr lang="zh-CN" altLang="en-US" dirty="0" smtClean="0"/>
-              <a:t>命令的作用就是从远程仓库克隆一个版本库</a:t>
+              <a:t> 该命令的作用就是从远程仓库克隆一个版本库</a:t>
             </a:r>
             <a:endParaRPr lang="en-US" altLang="zh-CN" dirty="0" smtClean="0"/>
           </a:p>
@@ -13679,31 +13651,45 @@
               <a:t> </a:t>
             </a:r>
             <a:r>
-              <a:rPr kumimoji="1" lang="en-US" altLang="zh-CN" dirty="0" err="1" smtClean="0"/>
+              <a:rPr kumimoji="1" lang="en-US" altLang="zh-CN" dirty="0" err="1" smtClean="0">
+                <a:latin typeface="Comic Sans MS" pitchFamily="66" charset="0"/>
+              </a:rPr>
               <a:t>git</a:t>
             </a:r>
             <a:r>
-              <a:rPr kumimoji="1" lang="zh-CN" altLang="en-US" dirty="0" smtClean="0"/>
+              <a:rPr kumimoji="1" lang="zh-CN" altLang="en-US" dirty="0" smtClean="0">
+                <a:latin typeface="Comic Sans MS" pitchFamily="66" charset="0"/>
+              </a:rPr>
               <a:t> </a:t>
             </a:r>
             <a:r>
-              <a:rPr kumimoji="1" lang="en-US" altLang="zh-CN" dirty="0" smtClean="0"/>
+              <a:rPr kumimoji="1" lang="en-US" altLang="zh-CN" dirty="0" smtClean="0">
+                <a:latin typeface="Comic Sans MS" pitchFamily="66" charset="0"/>
+              </a:rPr>
               <a:t>pull</a:t>
             </a:r>
             <a:r>
-              <a:rPr kumimoji="1" lang="zh-CN" altLang="en-US" dirty="0" smtClean="0"/>
+              <a:rPr kumimoji="1" lang="zh-CN" altLang="en-US" dirty="0" smtClean="0">
+                <a:latin typeface="Comic Sans MS" pitchFamily="66" charset="0"/>
+              </a:rPr>
               <a:t> </a:t>
             </a:r>
             <a:r>
-              <a:rPr kumimoji="1" lang="en-US" altLang="zh-CN" dirty="0" smtClean="0"/>
+              <a:rPr kumimoji="1" lang="en-US" altLang="zh-CN" dirty="0" smtClean="0">
+                <a:latin typeface="Comic Sans MS" pitchFamily="66" charset="0"/>
+              </a:rPr>
               <a:t>origin</a:t>
             </a:r>
             <a:r>
-              <a:rPr kumimoji="1" lang="zh-CN" altLang="en-US" dirty="0" smtClean="0"/>
+              <a:rPr kumimoji="1" lang="zh-CN" altLang="en-US" dirty="0" smtClean="0">
+                <a:latin typeface="Comic Sans MS" pitchFamily="66" charset="0"/>
+              </a:rPr>
               <a:t> </a:t>
             </a:r>
             <a:r>
-              <a:rPr kumimoji="1" lang="en-US" altLang="zh-CN" dirty="0" smtClean="0"/>
+              <a:rPr kumimoji="1" lang="en-US" altLang="zh-CN" dirty="0" smtClean="0">
+                <a:latin typeface="Comic Sans MS" pitchFamily="66" charset="0"/>
+              </a:rPr>
               <a:t>next</a:t>
             </a:r>
           </a:p>
@@ -13747,27 +13733,39 @@
               <a:t> </a:t>
             </a:r>
             <a:r>
-              <a:rPr lang="en-US" altLang="zh-CN" dirty="0" err="1"/>
+              <a:rPr kumimoji="1" lang="en-US" altLang="zh-CN" dirty="0" err="1">
+                <a:latin typeface="Comic Sans MS" pitchFamily="66" charset="0"/>
+              </a:rPr>
               <a:t>g</a:t>
             </a:r>
             <a:r>
-              <a:rPr lang="en-US" altLang="zh-CN" dirty="0" err="1" smtClean="0"/>
+              <a:rPr kumimoji="1" lang="en-US" altLang="zh-CN" dirty="0" err="1">
+                <a:latin typeface="Comic Sans MS" pitchFamily="66" charset="0"/>
+              </a:rPr>
               <a:t>it</a:t>
             </a:r>
             <a:r>
-              <a:rPr lang="zh-CN" altLang="en-US" dirty="0" smtClean="0"/>
+              <a:rPr kumimoji="1" lang="zh-CN" altLang="en-US" dirty="0">
+                <a:latin typeface="Comic Sans MS" pitchFamily="66" charset="0"/>
+              </a:rPr>
               <a:t> </a:t>
             </a:r>
             <a:r>
-              <a:rPr lang="en-US" altLang="zh-CN" dirty="0" smtClean="0"/>
+              <a:rPr kumimoji="1" lang="en-US" altLang="zh-CN" dirty="0">
+                <a:latin typeface="Comic Sans MS" pitchFamily="66" charset="0"/>
+              </a:rPr>
               <a:t>pull</a:t>
             </a:r>
             <a:r>
-              <a:rPr lang="zh-CN" altLang="en-US" dirty="0" smtClean="0"/>
+              <a:rPr kumimoji="1" lang="zh-CN" altLang="en-US" dirty="0">
+                <a:latin typeface="Comic Sans MS" pitchFamily="66" charset="0"/>
+              </a:rPr>
               <a:t> </a:t>
             </a:r>
             <a:r>
-              <a:rPr lang="en-US" altLang="zh-CN" dirty="0" smtClean="0"/>
+              <a:rPr kumimoji="1" lang="en-US" altLang="zh-CN" dirty="0">
+                <a:latin typeface="Comic Sans MS" pitchFamily="66" charset="0"/>
+              </a:rPr>
               <a:t>origin</a:t>
             </a:r>
           </a:p>
@@ -13799,15 +13797,21 @@
               <a:buChar char="Ø"/>
             </a:pPr>
             <a:r>
-              <a:rPr lang="en-US" altLang="zh-CN" dirty="0" err="1"/>
+              <a:rPr lang="en-US" altLang="zh-CN" dirty="0" err="1">
+                <a:latin typeface="Comic Sans MS" pitchFamily="66" charset="0"/>
+              </a:rPr>
               <a:t>git</a:t>
             </a:r>
             <a:r>
-              <a:rPr lang="zh-CN" altLang="en-US" dirty="0"/>
+              <a:rPr lang="zh-CN" altLang="en-US" dirty="0">
+                <a:latin typeface="Comic Sans MS" pitchFamily="66" charset="0"/>
+              </a:rPr>
               <a:t> </a:t>
             </a:r>
             <a:r>
-              <a:rPr lang="en-US" altLang="zh-CN" dirty="0" smtClean="0"/>
+              <a:rPr lang="en-US" altLang="zh-CN" dirty="0" smtClean="0">
+                <a:latin typeface="Comic Sans MS" pitchFamily="66" charset="0"/>
+              </a:rPr>
               <a:t>pull</a:t>
             </a:r>
             <a:r>
@@ -14187,31 +14191,45 @@
               <a:t>如：</a:t>
             </a:r>
             <a:r>
-              <a:rPr kumimoji="1" lang="en-US" altLang="zh-CN" dirty="0" err="1" smtClean="0"/>
+              <a:rPr kumimoji="1" lang="en-US" altLang="zh-CN" dirty="0" err="1" smtClean="0">
+                <a:latin typeface="Comic Sans MS" pitchFamily="66" charset="0"/>
+              </a:rPr>
               <a:t>git</a:t>
             </a:r>
             <a:r>
-              <a:rPr kumimoji="1" lang="zh-CN" altLang="en-US" dirty="0" smtClean="0"/>
+              <a:rPr kumimoji="1" lang="zh-CN" altLang="en-US" dirty="0" smtClean="0">
+                <a:latin typeface="Comic Sans MS" pitchFamily="66" charset="0"/>
+              </a:rPr>
               <a:t> </a:t>
             </a:r>
             <a:r>
-              <a:rPr kumimoji="1" lang="en-US" altLang="zh-CN" dirty="0" smtClean="0"/>
+              <a:rPr kumimoji="1" lang="en-US" altLang="zh-CN" dirty="0" smtClean="0">
+                <a:latin typeface="Comic Sans MS" pitchFamily="66" charset="0"/>
+              </a:rPr>
               <a:t>push</a:t>
             </a:r>
             <a:r>
-              <a:rPr kumimoji="1" lang="zh-CN" altLang="en-US" dirty="0" smtClean="0"/>
+              <a:rPr kumimoji="1" lang="zh-CN" altLang="en-US" dirty="0" smtClean="0">
+                <a:latin typeface="Comic Sans MS" pitchFamily="66" charset="0"/>
+              </a:rPr>
               <a:t> </a:t>
             </a:r>
             <a:r>
-              <a:rPr kumimoji="1" lang="en-US" altLang="zh-CN" dirty="0" smtClean="0"/>
+              <a:rPr kumimoji="1" lang="en-US" altLang="zh-CN" dirty="0" smtClean="0">
+                <a:latin typeface="Comic Sans MS" pitchFamily="66" charset="0"/>
+              </a:rPr>
               <a:t>origin</a:t>
             </a:r>
             <a:r>
-              <a:rPr kumimoji="1" lang="zh-CN" altLang="en-US" dirty="0" smtClean="0"/>
+              <a:rPr kumimoji="1" lang="zh-CN" altLang="en-US" dirty="0" smtClean="0">
+                <a:latin typeface="Comic Sans MS" pitchFamily="66" charset="0"/>
+              </a:rPr>
               <a:t> </a:t>
             </a:r>
             <a:r>
-              <a:rPr kumimoji="1" lang="en-US" altLang="zh-CN" dirty="0" smtClean="0"/>
+              <a:rPr kumimoji="1" lang="en-US" altLang="zh-CN" dirty="0" smtClean="0">
+                <a:latin typeface="Comic Sans MS" pitchFamily="66" charset="0"/>
+              </a:rPr>
               <a:t>master</a:t>
             </a:r>
           </a:p>
@@ -14487,15 +14505,21 @@
               <a:t> </a:t>
             </a:r>
             <a:r>
-              <a:rPr lang="en-US" altLang="zh-CN" dirty="0" err="1"/>
+              <a:rPr lang="en-US" altLang="zh-CN" dirty="0" err="1">
+                <a:latin typeface="Comic Sans MS" pitchFamily="66" charset="0"/>
+              </a:rPr>
               <a:t>git</a:t>
             </a:r>
             <a:r>
-              <a:rPr lang="en-US" altLang="zh-CN" dirty="0"/>
+              <a:rPr lang="en-US" altLang="zh-CN" dirty="0">
+                <a:latin typeface="Comic Sans MS" pitchFamily="66" charset="0"/>
+              </a:rPr>
               <a:t> push origin :</a:t>
             </a:r>
             <a:r>
-              <a:rPr lang="en-US" altLang="zh-CN" dirty="0" smtClean="0"/>
+              <a:rPr lang="en-US" altLang="zh-CN" dirty="0" smtClean="0">
+                <a:latin typeface="Comic Sans MS" pitchFamily="66" charset="0"/>
+              </a:rPr>
               <a:t>master</a:t>
             </a:r>
           </a:p>
@@ -14509,18 +14533,26 @@
               <a:t>等同于 </a:t>
             </a:r>
             <a:r>
-              <a:rPr lang="en-US" altLang="zh-CN" dirty="0"/>
-              <a:t>$ </a:t>
-            </a:r>
-            <a:r>
-              <a:rPr lang="en-US" altLang="zh-CN" dirty="0" err="1"/>
+              <a:rPr lang="en-US" altLang="zh-CN" dirty="0" err="1" smtClean="0">
+                <a:latin typeface="Comic Sans MS" pitchFamily="66" charset="0"/>
+              </a:rPr>
               <a:t>git</a:t>
             </a:r>
             <a:r>
-              <a:rPr lang="en-US" altLang="zh-CN" dirty="0"/>
-              <a:t> push origin --delete master</a:t>
-            </a:r>
-            <a:endParaRPr kumimoji="1" lang="en-US" altLang="zh-CN" dirty="0" smtClean="0"/>
+              <a:rPr lang="en-US" altLang="zh-CN" dirty="0" smtClean="0">
+                <a:latin typeface="Comic Sans MS" pitchFamily="66" charset="0"/>
+              </a:rPr>
+              <a:t> </a:t>
+            </a:r>
+            <a:r>
+              <a:rPr lang="en-US" altLang="zh-CN" dirty="0">
+                <a:latin typeface="Comic Sans MS" pitchFamily="66" charset="0"/>
+              </a:rPr>
+              <a:t>push origin --delete master</a:t>
+            </a:r>
+            <a:endParaRPr kumimoji="1" lang="en-US" altLang="zh-CN" dirty="0" smtClean="0">
+              <a:latin typeface="Comic Sans MS" pitchFamily="66" charset="0"/>
+            </a:endParaRPr>
           </a:p>
           <a:p>
             <a:endParaRPr kumimoji="1" lang="zh-CN" altLang="en-US" dirty="0"/>
@@ -14616,11 +14648,7 @@
             </a:pPr>
             <a:r>
               <a:rPr kumimoji="1" lang="zh-CN" altLang="en-US" dirty="0" smtClean="0"/>
-              <a:t>创建</a:t>
-            </a:r>
-            <a:r>
-              <a:rPr kumimoji="1" lang="zh-CN" altLang="en-US" dirty="0" smtClean="0"/>
-              <a:t>标签</a:t>
+              <a:t>创建标签</a:t>
             </a:r>
             <a:endParaRPr kumimoji="1" lang="en-US" altLang="zh-CN" dirty="0" smtClean="0"/>
           </a:p>
@@ -14631,11 +14659,7 @@
             </a:pPr>
             <a:r>
               <a:rPr kumimoji="1" lang="zh-CN" altLang="en-US" dirty="0" smtClean="0"/>
-              <a:t>查看</a:t>
-            </a:r>
-            <a:r>
-              <a:rPr kumimoji="1" lang="zh-CN" altLang="en-US" dirty="0" smtClean="0"/>
-              <a:t>标签</a:t>
+              <a:t>查看标签</a:t>
             </a:r>
             <a:endParaRPr kumimoji="1" lang="en-US" altLang="zh-CN" dirty="0" smtClean="0"/>
           </a:p>
@@ -14646,11 +14670,7 @@
             </a:pPr>
             <a:r>
               <a:rPr kumimoji="1" lang="zh-CN" altLang="en-US" dirty="0" smtClean="0"/>
-              <a:t>共享</a:t>
-            </a:r>
-            <a:r>
-              <a:rPr kumimoji="1" lang="zh-CN" altLang="en-US" dirty="0" smtClean="0"/>
-              <a:t>标签</a:t>
+              <a:t>共享标签</a:t>
             </a:r>
             <a:endParaRPr kumimoji="1" lang="en-US" altLang="zh-CN" dirty="0" smtClean="0"/>
           </a:p>
@@ -14661,11 +14681,7 @@
             </a:pPr>
             <a:r>
               <a:rPr kumimoji="1" lang="zh-CN" altLang="en-US" dirty="0" smtClean="0"/>
-              <a:t>删除</a:t>
-            </a:r>
-            <a:r>
-              <a:rPr kumimoji="1" lang="zh-CN" altLang="en-US" dirty="0" smtClean="0"/>
-              <a:t>标签</a:t>
+              <a:t>删除标签</a:t>
             </a:r>
             <a:endParaRPr kumimoji="1" lang="zh-CN" altLang="en-US" dirty="0"/>
           </a:p>
@@ -14767,19 +14783,27 @@
               <a:buChar char="ü"/>
             </a:pPr>
             <a:r>
-              <a:rPr kumimoji="1" lang="en-US" altLang="zh-CN" dirty="0" err="1" smtClean="0"/>
+              <a:rPr kumimoji="1" lang="en-US" altLang="zh-CN" dirty="0" err="1" smtClean="0">
+                <a:latin typeface="Comic Sans MS" pitchFamily="66" charset="0"/>
+              </a:rPr>
               <a:t>git</a:t>
             </a:r>
             <a:r>
-              <a:rPr kumimoji="1" lang="zh-CN" altLang="en-US" dirty="0" smtClean="0"/>
+              <a:rPr kumimoji="1" lang="zh-CN" altLang="en-US" dirty="0" smtClean="0">
+                <a:latin typeface="Comic Sans MS" pitchFamily="66" charset="0"/>
+              </a:rPr>
               <a:t> </a:t>
             </a:r>
             <a:r>
-              <a:rPr kumimoji="1" lang="en-US" altLang="zh-CN" dirty="0" smtClean="0"/>
+              <a:rPr kumimoji="1" lang="en-US" altLang="zh-CN" dirty="0" smtClean="0">
+                <a:latin typeface="Comic Sans MS" pitchFamily="66" charset="0"/>
+              </a:rPr>
               <a:t>tag</a:t>
             </a:r>
             <a:r>
-              <a:rPr kumimoji="1" lang="zh-CN" altLang="en-US" dirty="0" smtClean="0"/>
+              <a:rPr kumimoji="1" lang="zh-CN" altLang="en-US" dirty="0" smtClean="0">
+                <a:latin typeface="Comic Sans MS" pitchFamily="66" charset="0"/>
+              </a:rPr>
               <a:t> </a:t>
             </a:r>
             <a:r>
@@ -14819,35 +14843,51 @@
               <a:buChar char="ü"/>
             </a:pPr>
             <a:r>
-              <a:rPr kumimoji="1" lang="en-US" altLang="zh-CN" dirty="0" err="1"/>
+              <a:rPr kumimoji="1" lang="en-US" altLang="zh-CN" dirty="0" err="1">
+                <a:latin typeface="Comic Sans MS" pitchFamily="66" charset="0"/>
+              </a:rPr>
               <a:t>g</a:t>
             </a:r>
             <a:r>
-              <a:rPr kumimoji="1" lang="en-US" altLang="zh-CN" dirty="0" err="1" smtClean="0"/>
+              <a:rPr kumimoji="1" lang="en-US" altLang="zh-CN" dirty="0" err="1" smtClean="0">
+                <a:latin typeface="Comic Sans MS" pitchFamily="66" charset="0"/>
+              </a:rPr>
               <a:t>it</a:t>
             </a:r>
             <a:r>
-              <a:rPr kumimoji="1" lang="zh-CN" altLang="en-US" dirty="0" smtClean="0"/>
+              <a:rPr kumimoji="1" lang="zh-CN" altLang="en-US" dirty="0" smtClean="0">
+                <a:latin typeface="Comic Sans MS" pitchFamily="66" charset="0"/>
+              </a:rPr>
               <a:t> </a:t>
             </a:r>
             <a:r>
-              <a:rPr kumimoji="1" lang="en-US" altLang="zh-CN" dirty="0" smtClean="0"/>
+              <a:rPr kumimoji="1" lang="en-US" altLang="zh-CN" dirty="0" smtClean="0">
+                <a:latin typeface="Comic Sans MS" pitchFamily="66" charset="0"/>
+              </a:rPr>
               <a:t>tag</a:t>
             </a:r>
             <a:r>
-              <a:rPr kumimoji="1" lang="zh-CN" altLang="en-US" dirty="0" smtClean="0"/>
+              <a:rPr kumimoji="1" lang="zh-CN" altLang="en-US" dirty="0" smtClean="0">
+                <a:latin typeface="Comic Sans MS" pitchFamily="66" charset="0"/>
+              </a:rPr>
               <a:t> </a:t>
             </a:r>
             <a:r>
-              <a:rPr kumimoji="1" lang="mr-IN" altLang="zh-CN" dirty="0" smtClean="0"/>
+              <a:rPr kumimoji="1" lang="mr-IN" altLang="zh-CN" dirty="0" smtClean="0">
+                <a:latin typeface="Comic Sans MS" pitchFamily="66" charset="0"/>
+              </a:rPr>
               <a:t>–</a:t>
             </a:r>
             <a:r>
-              <a:rPr kumimoji="1" lang="en-US" altLang="zh-CN" dirty="0" smtClean="0"/>
+              <a:rPr kumimoji="1" lang="en-US" altLang="zh-CN" dirty="0" smtClean="0">
+                <a:latin typeface="Comic Sans MS" pitchFamily="66" charset="0"/>
+              </a:rPr>
               <a:t>a</a:t>
             </a:r>
             <a:r>
-              <a:rPr kumimoji="1" lang="zh-CN" altLang="en-US" dirty="0" smtClean="0"/>
+              <a:rPr kumimoji="1" lang="zh-CN" altLang="en-US" dirty="0" smtClean="0">
+                <a:latin typeface="Comic Sans MS" pitchFamily="66" charset="0"/>
+              </a:rPr>
               <a:t> </a:t>
             </a:r>
             <a:r>
@@ -14990,22 +15030,32 @@
               <a:buChar char="ü"/>
             </a:pPr>
             <a:r>
-              <a:rPr kumimoji="1" lang="en-US" altLang="zh-CN" dirty="0" err="1" smtClean="0"/>
+              <a:rPr kumimoji="1" lang="en-US" altLang="zh-CN" dirty="0" err="1" smtClean="0">
+                <a:latin typeface="Comic Sans MS" pitchFamily="66" charset="0"/>
+              </a:rPr>
               <a:t>git</a:t>
             </a:r>
             <a:r>
-              <a:rPr kumimoji="1" lang="zh-CN" altLang="en-US" dirty="0" smtClean="0"/>
+              <a:rPr kumimoji="1" lang="zh-CN" altLang="en-US" dirty="0" smtClean="0">
+                <a:latin typeface="Comic Sans MS" pitchFamily="66" charset="0"/>
+              </a:rPr>
               <a:t> </a:t>
             </a:r>
             <a:r>
-              <a:rPr kumimoji="1" lang="en-US" altLang="zh-CN" dirty="0" smtClean="0"/>
+              <a:rPr kumimoji="1" lang="en-US" altLang="zh-CN" dirty="0" smtClean="0">
+                <a:latin typeface="Comic Sans MS" pitchFamily="66" charset="0"/>
+              </a:rPr>
               <a:t>tag</a:t>
             </a:r>
             <a:r>
-              <a:rPr kumimoji="1" lang="zh-CN" altLang="en-US" dirty="0" smtClean="0"/>
+              <a:rPr kumimoji="1" lang="zh-CN" altLang="en-US" dirty="0" smtClean="0">
+                <a:latin typeface="Comic Sans MS" pitchFamily="66" charset="0"/>
+              </a:rPr>
               <a:t> </a:t>
             </a:r>
-            <a:endParaRPr kumimoji="1" lang="en-US" altLang="zh-CN" dirty="0" smtClean="0"/>
+            <a:endParaRPr kumimoji="1" lang="en-US" altLang="zh-CN" dirty="0" smtClean="0">
+              <a:latin typeface="Comic Sans MS" pitchFamily="66" charset="0"/>
+            </a:endParaRPr>
           </a:p>
           <a:p>
             <a:pPr lvl="1">
@@ -15031,30 +15081,44 @@
               <a:buChar char="ü"/>
             </a:pPr>
             <a:r>
-              <a:rPr kumimoji="1" lang="en-US" altLang="zh-CN" dirty="0" err="1"/>
+              <a:rPr kumimoji="1" lang="en-US" altLang="zh-CN" dirty="0" err="1">
+                <a:latin typeface="Comic Sans MS" pitchFamily="66" charset="0"/>
+              </a:rPr>
               <a:t>g</a:t>
             </a:r>
             <a:r>
-              <a:rPr kumimoji="1" lang="en-US" altLang="zh-CN" dirty="0" err="1" smtClean="0"/>
+              <a:rPr kumimoji="1" lang="en-US" altLang="zh-CN" dirty="0" err="1" smtClean="0">
+                <a:latin typeface="Comic Sans MS" pitchFamily="66" charset="0"/>
+              </a:rPr>
               <a:t>it</a:t>
             </a:r>
             <a:r>
-              <a:rPr kumimoji="1" lang="zh-CN" altLang="en-US" dirty="0" smtClean="0"/>
+              <a:rPr kumimoji="1" lang="zh-CN" altLang="en-US" dirty="0" smtClean="0">
+                <a:latin typeface="Comic Sans MS" pitchFamily="66" charset="0"/>
+              </a:rPr>
               <a:t> </a:t>
             </a:r>
             <a:r>
-              <a:rPr kumimoji="1" lang="en-US" altLang="zh-CN" dirty="0" smtClean="0"/>
+              <a:rPr kumimoji="1" lang="en-US" altLang="zh-CN" dirty="0" smtClean="0">
+                <a:latin typeface="Comic Sans MS" pitchFamily="66" charset="0"/>
+              </a:rPr>
               <a:t>show</a:t>
             </a:r>
             <a:r>
-              <a:rPr kumimoji="1" lang="zh-CN" altLang="en-US" dirty="0" smtClean="0"/>
+              <a:rPr kumimoji="1" lang="zh-CN" altLang="en-US" dirty="0" smtClean="0">
+                <a:latin typeface="Comic Sans MS" pitchFamily="66" charset="0"/>
+              </a:rPr>
               <a:t> </a:t>
             </a:r>
             <a:r>
-              <a:rPr kumimoji="1" lang="en-US" altLang="zh-CN" dirty="0" smtClean="0"/>
+              <a:rPr kumimoji="1" lang="en-US" altLang="zh-CN" dirty="0" smtClean="0">
+                <a:latin typeface="Comic Sans MS" pitchFamily="66" charset="0"/>
+              </a:rPr>
               <a:t>v1.0</a:t>
             </a:r>
-            <a:endParaRPr kumimoji="1" lang="zh-CN" altLang="en-US" dirty="0"/>
+            <a:endParaRPr kumimoji="1" lang="zh-CN" altLang="en-US" dirty="0">
+              <a:latin typeface="Comic Sans MS" pitchFamily="66" charset="0"/>
+            </a:endParaRPr>
           </a:p>
         </p:txBody>
       </p:sp>
@@ -15164,11 +15228,7 @@
             </a:r>
             <a:r>
               <a:rPr kumimoji="1" lang="zh-CN" altLang="en-US" dirty="0" smtClean="0"/>
-              <a:t> 到远程仓库，需要显示将标签推送到远程</a:t>
-            </a:r>
-            <a:r>
-              <a:rPr kumimoji="1" lang="zh-CN" altLang="en-US" dirty="0" smtClean="0"/>
-              <a:t>仓库</a:t>
+              <a:t> 到远程仓库，需要显示将标签推送到远程仓库</a:t>
             </a:r>
             <a:endParaRPr kumimoji="1" lang="en-US" altLang="zh-CN" dirty="0"/>
           </a:p>
@@ -15185,27 +15245,39 @@
               <a:buChar char="ü"/>
             </a:pPr>
             <a:r>
-              <a:rPr kumimoji="1" lang="en-US" altLang="zh-CN" dirty="0" err="1" smtClean="0"/>
+              <a:rPr kumimoji="1" lang="en-US" altLang="zh-CN" dirty="0" err="1" smtClean="0">
+                <a:latin typeface="Comic Sans MS" pitchFamily="66" charset="0"/>
+              </a:rPr>
               <a:t>git</a:t>
             </a:r>
             <a:r>
-              <a:rPr kumimoji="1" lang="zh-CN" altLang="en-US" dirty="0" smtClean="0"/>
+              <a:rPr kumimoji="1" lang="zh-CN" altLang="en-US" dirty="0" smtClean="0">
+                <a:latin typeface="Comic Sans MS" pitchFamily="66" charset="0"/>
+              </a:rPr>
               <a:t> </a:t>
             </a:r>
             <a:r>
-              <a:rPr kumimoji="1" lang="en-US" altLang="zh-CN" dirty="0" smtClean="0"/>
+              <a:rPr kumimoji="1" lang="en-US" altLang="zh-CN" dirty="0" smtClean="0">
+                <a:latin typeface="Comic Sans MS" pitchFamily="66" charset="0"/>
+              </a:rPr>
               <a:t>push</a:t>
             </a:r>
             <a:r>
-              <a:rPr kumimoji="1" lang="zh-CN" altLang="en-US" dirty="0" smtClean="0"/>
+              <a:rPr kumimoji="1" lang="zh-CN" altLang="en-US" dirty="0" smtClean="0">
+                <a:latin typeface="Comic Sans MS" pitchFamily="66" charset="0"/>
+              </a:rPr>
               <a:t> </a:t>
             </a:r>
             <a:r>
-              <a:rPr kumimoji="1" lang="en-US" altLang="zh-CN" dirty="0" smtClean="0"/>
+              <a:rPr kumimoji="1" lang="en-US" altLang="zh-CN" dirty="0" smtClean="0">
+                <a:latin typeface="Comic Sans MS" pitchFamily="66" charset="0"/>
+              </a:rPr>
               <a:t>origin</a:t>
             </a:r>
             <a:r>
-              <a:rPr kumimoji="1" lang="zh-CN" altLang="en-US" dirty="0" smtClean="0"/>
+              <a:rPr kumimoji="1" lang="zh-CN" altLang="en-US" dirty="0" smtClean="0">
+                <a:latin typeface="Comic Sans MS" pitchFamily="66" charset="0"/>
+              </a:rPr>
               <a:t> </a:t>
             </a:r>
             <a:r>
@@ -15313,11 +15385,7 @@
             </a:pPr>
             <a:r>
               <a:rPr kumimoji="1" lang="zh-CN" altLang="en-US" dirty="0" smtClean="0"/>
-              <a:t>删除本地</a:t>
-            </a:r>
-            <a:r>
-              <a:rPr kumimoji="1" lang="zh-CN" altLang="en-US" dirty="0" smtClean="0"/>
-              <a:t>标签</a:t>
+              <a:t>删除本地标签</a:t>
             </a:r>
             <a:endParaRPr kumimoji="1" lang="en-US" altLang="zh-CN" dirty="0" smtClean="0"/>
           </a:p>
@@ -15327,31 +15395,45 @@
               <a:buChar char="ü"/>
             </a:pPr>
             <a:r>
-              <a:rPr kumimoji="1" lang="en-US" altLang="zh-CN" dirty="0" err="1" smtClean="0"/>
+              <a:rPr kumimoji="1" lang="en-US" altLang="zh-CN" dirty="0" err="1" smtClean="0">
+                <a:latin typeface="Comic Sans MS" pitchFamily="66" charset="0"/>
+              </a:rPr>
               <a:t>git</a:t>
             </a:r>
             <a:r>
-              <a:rPr kumimoji="1" lang="zh-CN" altLang="en-US" dirty="0" smtClean="0"/>
+              <a:rPr kumimoji="1" lang="zh-CN" altLang="en-US" dirty="0" smtClean="0">
+                <a:latin typeface="Comic Sans MS" pitchFamily="66" charset="0"/>
+              </a:rPr>
               <a:t> </a:t>
             </a:r>
             <a:r>
-              <a:rPr kumimoji="1" lang="en-US" altLang="zh-CN" dirty="0" smtClean="0"/>
+              <a:rPr kumimoji="1" lang="en-US" altLang="zh-CN" dirty="0" smtClean="0">
+                <a:latin typeface="Comic Sans MS" pitchFamily="66" charset="0"/>
+              </a:rPr>
               <a:t>tag</a:t>
             </a:r>
             <a:r>
-              <a:rPr kumimoji="1" lang="zh-CN" altLang="en-US" dirty="0" smtClean="0"/>
+              <a:rPr kumimoji="1" lang="zh-CN" altLang="en-US" dirty="0" smtClean="0">
+                <a:latin typeface="Comic Sans MS" pitchFamily="66" charset="0"/>
+              </a:rPr>
               <a:t> </a:t>
             </a:r>
             <a:r>
-              <a:rPr kumimoji="1" lang="en-US" altLang="zh-CN" dirty="0"/>
+              <a:rPr kumimoji="1" lang="en-US" altLang="zh-CN" dirty="0">
+                <a:latin typeface="Comic Sans MS" pitchFamily="66" charset="0"/>
+              </a:rPr>
               <a:t>-</a:t>
             </a:r>
             <a:r>
-              <a:rPr kumimoji="1" lang="en-US" altLang="zh-CN" dirty="0" smtClean="0"/>
+              <a:rPr kumimoji="1" lang="en-US" altLang="zh-CN" dirty="0" smtClean="0">
+                <a:latin typeface="Comic Sans MS" pitchFamily="66" charset="0"/>
+              </a:rPr>
               <a:t>d</a:t>
             </a:r>
             <a:r>
-              <a:rPr kumimoji="1" lang="zh-CN" altLang="en-US" dirty="0" smtClean="0"/>
+              <a:rPr kumimoji="1" lang="zh-CN" altLang="en-US" dirty="0" smtClean="0">
+                <a:latin typeface="Comic Sans MS" pitchFamily="66" charset="0"/>
+              </a:rPr>
               <a:t> </a:t>
             </a:r>
             <a:r>
@@ -15380,11 +15462,7 @@
             </a:pPr>
             <a:r>
               <a:rPr kumimoji="1" lang="zh-CN" altLang="en-US" dirty="0" smtClean="0"/>
-              <a:t>删除远程仓库</a:t>
-            </a:r>
-            <a:r>
-              <a:rPr kumimoji="1" lang="zh-CN" altLang="en-US" dirty="0" smtClean="0"/>
-              <a:t>标签</a:t>
+              <a:t>删除远程仓库标签</a:t>
             </a:r>
             <a:endParaRPr kumimoji="1" lang="en-US" altLang="zh-CN" dirty="0" smtClean="0"/>
           </a:p>
@@ -15394,14 +15472,20 @@
               <a:buChar char="ü"/>
             </a:pPr>
             <a:r>
-              <a:rPr lang="en-US" altLang="zh-CN" dirty="0" err="1"/>
+              <a:rPr lang="en-US" altLang="zh-CN" dirty="0" err="1">
+                <a:latin typeface="Comic Sans MS" pitchFamily="66" charset="0"/>
+              </a:rPr>
               <a:t>git</a:t>
             </a:r>
             <a:r>
-              <a:rPr lang="en-US" altLang="zh-CN" dirty="0"/>
+              <a:rPr lang="en-US" altLang="zh-CN" dirty="0">
+                <a:latin typeface="Comic Sans MS" pitchFamily="66" charset="0"/>
+              </a:rPr>
               <a:t> push origin :refs/tags/v0.9</a:t>
             </a:r>
-            <a:endParaRPr kumimoji="1" lang="zh-CN" altLang="en-US" dirty="0"/>
+            <a:endParaRPr kumimoji="1" lang="zh-CN" altLang="en-US" dirty="0">
+              <a:latin typeface="Comic Sans MS" pitchFamily="66" charset="0"/>
+            </a:endParaRPr>
           </a:p>
         </p:txBody>
       </p:sp>
